--- a/doc/simsimd.pptx
+++ b/doc/simsimd.pptx
@@ -4543,14 +4543,22 @@
             <a:pPr lvl="1"/>
             <a:r>
               <a:rPr lang="en-US" dirty="0" smtClean="0"/>
-              <a:t>Performing vector computations in accordance to the configuration supplied from the Scalar Core</a:t>
+              <a:t>Perform </a:t>
+            </a:r>
+            <a:r>
+              <a:rPr lang="en-US" dirty="0" smtClean="0"/>
+              <a:t>vector computations in accordance to the configuration supplied from the Scalar Core</a:t>
             </a:r>
           </a:p>
           <a:p>
             <a:pPr lvl="1"/>
             <a:r>
               <a:rPr lang="en-US" dirty="0" smtClean="0"/>
-              <a:t>Generation of the events at the different stages of the execution of the vector operations</a:t>
+              <a:t>Generate events </a:t>
+            </a:r>
+            <a:r>
+              <a:rPr lang="en-US" dirty="0" smtClean="0"/>
+              <a:t>at the different stages of the execution of the vector operations</a:t>
             </a:r>
           </a:p>
           <a:p>
@@ -4563,23 +4571,31 @@
           <a:p>
             <a:pPr lvl="2"/>
             <a:r>
-              <a:rPr lang="en-GB" dirty="0" smtClean="0"/>
-              <a:t>Allows for synchronization of the Vector Core processing threads inside Scalar Core</a:t>
+              <a:rPr lang="en-US" dirty="0" smtClean="0"/>
+              <a:t>Allow for synchronization of the control threads inside Scalar Core with the Vector Core </a:t>
             </a:r>
             <a:endParaRPr lang="en-US" dirty="0" smtClean="0"/>
           </a:p>
           <a:p>
-            <a:pPr lvl="1"/>
-            <a:r>
-              <a:rPr lang="en-US" dirty="0" smtClean="0"/>
-              <a:t>Update of the statuses of the vector operations</a:t>
-            </a:r>
-          </a:p>
-          <a:p>
             <a:pPr lvl="2"/>
             <a:r>
-              <a:rPr lang="en-GB" dirty="0" smtClean="0"/>
-              <a:t>Allows for data dependent processing</a:t>
+              <a:rPr lang="en-US" dirty="0" smtClean="0"/>
+              <a:t>Update </a:t>
+            </a:r>
+            <a:r>
+              <a:rPr lang="en-US" dirty="0" smtClean="0"/>
+              <a:t>of the statuses of the vector operations</a:t>
+            </a:r>
+          </a:p>
+          <a:p>
+            <a:pPr lvl="2"/>
+            <a:r>
+              <a:rPr lang="en-GB" dirty="0" smtClean="0"/>
+              <a:t>Allow </a:t>
+            </a:r>
+            <a:r>
+              <a:rPr lang="en-GB" dirty="0" smtClean="0"/>
+              <a:t>for data dependent processing</a:t>
             </a:r>
             <a:endParaRPr lang="en-US" dirty="0" smtClean="0"/>
           </a:p>
@@ -5488,13 +5504,13 @@
         <p:spPr/>
         <p:txBody>
           <a:bodyPr>
-            <a:normAutofit fontScale="90000"/>
+            <a:normAutofit/>
           </a:bodyPr>
           <a:lstStyle/>
           <a:p>
             <a:r>
               <a:rPr lang="en-US" dirty="0" smtClean="0"/>
-              <a:t>Outline of the development strategy</a:t>
+              <a:t>Major development steps</a:t>
             </a:r>
             <a:endParaRPr lang="en-US" dirty="0"/>
           </a:p>
@@ -5513,36 +5529,69 @@
         <p:spPr/>
         <p:txBody>
           <a:bodyPr>
-            <a:normAutofit lnSpcReduction="10000"/>
+            <a:normAutofit fontScale="92500"/>
           </a:bodyPr>
           <a:lstStyle/>
           <a:p>
             <a:r>
               <a:rPr lang="en-US" dirty="0" smtClean="0"/>
-              <a:t>Decompose the processing algorithm down to the level of the transactions between functional blocks and storage elements</a:t>
-            </a:r>
-          </a:p>
-          <a:p>
-            <a:r>
-              <a:rPr lang="en-US" dirty="0" smtClean="0"/>
-              <a:t>Develop the functional blocks having the specified interface with XBAR and Scalar Infrastructure</a:t>
-            </a:r>
-          </a:p>
-          <a:p>
-            <a:r>
-              <a:rPr lang="en-US" dirty="0" smtClean="0"/>
-              <a:t>Assemble the functional blocks and storage elements to the framework</a:t>
-            </a:r>
-          </a:p>
-          <a:p>
-            <a:r>
-              <a:rPr lang="en-GB" dirty="0" smtClean="0"/>
-              <a:t>Develop control FSM and/or CPU FW</a:t>
+              <a:t>Decompose the processing algorithm down to the level of </a:t>
+            </a:r>
+            <a:r>
+              <a:rPr lang="en-US" dirty="0" smtClean="0"/>
+              <a:t>the vector </a:t>
+            </a:r>
+            <a:r>
+              <a:rPr lang="en-US" dirty="0" smtClean="0"/>
+              <a:t>transactions between functional blocks and storage elements</a:t>
+            </a:r>
+          </a:p>
+          <a:p>
+            <a:r>
+              <a:rPr lang="en-US" dirty="0" smtClean="0"/>
+              <a:t>Develop </a:t>
+            </a:r>
+            <a:r>
+              <a:rPr lang="en-US" dirty="0" smtClean="0"/>
+              <a:t>functional </a:t>
+            </a:r>
+            <a:r>
+              <a:rPr lang="en-US" dirty="0" smtClean="0"/>
+              <a:t>blocks </a:t>
+            </a:r>
+            <a:r>
+              <a:rPr lang="en-US" dirty="0" smtClean="0"/>
+              <a:t>which have specified </a:t>
+            </a:r>
+            <a:r>
+              <a:rPr lang="en-US" dirty="0" smtClean="0"/>
+              <a:t>interface with XBAR and Scalar Infrastructure</a:t>
+            </a:r>
+          </a:p>
+          <a:p>
+            <a:r>
+              <a:rPr lang="en-US" dirty="0" smtClean="0"/>
+              <a:t>Assemble the functional blocks and storage elements </a:t>
+            </a:r>
+            <a:r>
+              <a:rPr lang="en-US" dirty="0" smtClean="0"/>
+              <a:t>with </a:t>
+            </a:r>
+            <a:r>
+              <a:rPr lang="en-US" dirty="0" smtClean="0"/>
+              <a:t>the </a:t>
+            </a:r>
+            <a:r>
+              <a:rPr lang="en-US" dirty="0" smtClean="0"/>
+              <a:t>Core framework</a:t>
             </a:r>
             <a:endParaRPr lang="en-US" dirty="0" smtClean="0"/>
           </a:p>
           <a:p>
-            <a:pPr lvl="1"/>
+            <a:r>
+              <a:rPr lang="en-US" dirty="0" smtClean="0"/>
+              <a:t>Develop control Scalar CPU SW and/or Control FSM</a:t>
+            </a:r>
             <a:endParaRPr lang="en-US" dirty="0"/>
           </a:p>
         </p:txBody>

--- a/doc/simsimd.pptx
+++ b/doc/simsimd.pptx
@@ -5535,11 +5535,23 @@
           <a:p>
             <a:r>
               <a:rPr lang="en-US" dirty="0" smtClean="0"/>
-              <a:t>Decompose the processing algorithm down to the level of </a:t>
-            </a:r>
-            <a:r>
-              <a:rPr lang="en-US" dirty="0" smtClean="0"/>
-              <a:t>the vector </a:t>
+              <a:t>Decompose </a:t>
+            </a:r>
+            <a:r>
+              <a:rPr lang="en-US" dirty="0" smtClean="0"/>
+              <a:t>processing </a:t>
+            </a:r>
+            <a:r>
+              <a:rPr lang="en-US" dirty="0" smtClean="0"/>
+              <a:t>algorithm down to the level </a:t>
+            </a:r>
+            <a:r>
+              <a:rPr lang="en-US" smtClean="0"/>
+              <a:t>of </a:t>
+            </a:r>
+            <a:r>
+              <a:rPr lang="en-US" smtClean="0"/>
+              <a:t>vector </a:t>
             </a:r>
             <a:r>
               <a:rPr lang="en-US" dirty="0" smtClean="0"/>

--- a/doc/simsimd.pptx
+++ b/doc/simsimd.pptx
@@ -5036,7 +5036,15 @@
             <a:pPr lvl="2"/>
             <a:r>
               <a:rPr lang="en-US" dirty="0" smtClean="0"/>
-              <a:t>A set of Address Generators (AG) associated with each DM allows for flexible addressing/fetching of the elements of the vector.</a:t>
+              <a:t>A set of Address Generators (AG) associated with each DM allows for flexible </a:t>
+            </a:r>
+            <a:r>
+              <a:rPr lang="en-US" dirty="0" smtClean="0"/>
+              <a:t>addressing and fetching the </a:t>
+            </a:r>
+            <a:r>
+              <a:rPr lang="en-US" dirty="0" smtClean="0"/>
+              <a:t>elements of the vector.</a:t>
             </a:r>
           </a:p>
           <a:p>
@@ -5160,7 +5168,15 @@
             <a:pPr lvl="1"/>
             <a:r>
               <a:rPr lang="en-US" dirty="0" smtClean="0"/>
-              <a:t>XBAR: Network-On-Chip (NOC) router intended for routing the vector streams between Execution Units (EU), Data Memories (DM) and/or Streaming Devices</a:t>
+              <a:t>XBAR: Network-On-Chip (NOC) </a:t>
+            </a:r>
+            <a:r>
+              <a:rPr lang="en-US" dirty="0" smtClean="0"/>
+              <a:t>for </a:t>
+            </a:r>
+            <a:r>
+              <a:rPr lang="en-US" dirty="0" smtClean="0"/>
+              <a:t>routing the vector streams between Execution Units (EU), Data Memories (DM) and/or Streaming Devices</a:t>
             </a:r>
           </a:p>
           <a:p>
@@ -5247,21 +5263,45 @@
             <a:pPr lvl="1"/>
             <a:r>
               <a:rPr lang="en-US" dirty="0" smtClean="0"/>
-              <a:t>Responding to the events and statuses from the Vector Core components </a:t>
+              <a:t>Respond </a:t>
+            </a:r>
+            <a:r>
+              <a:rPr lang="en-US" dirty="0" smtClean="0"/>
+              <a:t>to the events and </a:t>
+            </a:r>
+            <a:r>
+              <a:rPr lang="en-US" dirty="0" smtClean="0"/>
+              <a:t>status data </a:t>
+            </a:r>
+            <a:r>
+              <a:rPr lang="en-US" dirty="0" smtClean="0"/>
+              <a:t>from the Vector Core components </a:t>
             </a:r>
           </a:p>
           <a:p>
             <a:pPr lvl="1"/>
             <a:r>
               <a:rPr lang="en-US" dirty="0" smtClean="0"/>
-              <a:t>Control the execution flow inside the Vector Core</a:t>
+              <a:t>Control the execution flow </a:t>
+            </a:r>
+            <a:r>
+              <a:rPr lang="en-US" dirty="0" smtClean="0"/>
+              <a:t>in </a:t>
+            </a:r>
+            <a:r>
+              <a:rPr lang="en-US" dirty="0" smtClean="0"/>
+              <a:t>the Vector Core</a:t>
             </a:r>
           </a:p>
           <a:p>
             <a:pPr lvl="1"/>
             <a:r>
               <a:rPr lang="en-GB" dirty="0" smtClean="0"/>
-              <a:t>Synchronization of the vector processing threads</a:t>
+              <a:t>Synchronize vector </a:t>
+            </a:r>
+            <a:r>
+              <a:rPr lang="en-GB" dirty="0" smtClean="0"/>
+              <a:t>processing threads</a:t>
             </a:r>
             <a:endParaRPr lang="en-US" dirty="0" smtClean="0"/>
           </a:p>
@@ -5349,14 +5389,30 @@
             <a:pPr lvl="1"/>
             <a:r>
               <a:rPr lang="en-US" dirty="0" smtClean="0"/>
-              <a:t>Scalar Core processes the events and statuses from Vector Core, and generates configurations for the components of the Vector Core.</a:t>
+              <a:t>Scalar </a:t>
+            </a:r>
+            <a:r>
+              <a:rPr lang="en-US" dirty="0" smtClean="0"/>
+              <a:t>Core: </a:t>
+            </a:r>
+            <a:r>
+              <a:rPr lang="en-US" dirty="0" smtClean="0"/>
+              <a:t>processes the events and statuses from Vector Core, and generates configurations for the components of the Vector Core.</a:t>
             </a:r>
           </a:p>
           <a:p>
             <a:pPr lvl="2"/>
             <a:r>
               <a:rPr lang="en-US" dirty="0" smtClean="0"/>
-              <a:t>It can be implemented as a programmable general purpose CPU subsystem or an FSM depending on the complexity of the control procedures</a:t>
+              <a:t>It can be implemented as a programmable general purpose CPU subsystem or an </a:t>
+            </a:r>
+            <a:r>
+              <a:rPr lang="en-US" dirty="0" smtClean="0"/>
+              <a:t>FSM depending </a:t>
+            </a:r>
+            <a:r>
+              <a:rPr lang="en-US" dirty="0" smtClean="0"/>
+              <a:t>on the complexity of the control procedures</a:t>
             </a:r>
           </a:p>
           <a:p>
@@ -5446,7 +5502,23 @@
             </a:r>
             <a:r>
               <a:rPr lang="en-US" dirty="0" smtClean="0"/>
-              <a:t> De-multiplexer: distributes commands and data supplied from to the Scalar Core to the Vector Core components. </a:t>
+              <a:t> De-multiplexer</a:t>
+            </a:r>
+            <a:r>
+              <a:rPr lang="en-US" smtClean="0"/>
+              <a:t>: </a:t>
+            </a:r>
+            <a:r>
+              <a:rPr lang="en-US" smtClean="0"/>
+              <a:t>delivers </a:t>
+            </a:r>
+            <a:r>
+              <a:rPr lang="en-US" dirty="0" smtClean="0"/>
+              <a:t>commands </a:t>
+            </a:r>
+            <a:r>
+              <a:rPr lang="en-US" dirty="0" smtClean="0"/>
+              <a:t>and data supplied from to the Scalar Core to the Vector Core components. </a:t>
             </a:r>
           </a:p>
           <a:p>
@@ -5529,7 +5601,7 @@
         <p:spPr/>
         <p:txBody>
           <a:bodyPr>
-            <a:normAutofit fontScale="92500"/>
+            <a:normAutofit lnSpcReduction="10000"/>
           </a:bodyPr>
           <a:lstStyle/>
           <a:p>
@@ -5543,14 +5615,10 @@
             </a:r>
             <a:r>
               <a:rPr lang="en-US" dirty="0" smtClean="0"/>
-              <a:t>algorithm down to the level </a:t>
-            </a:r>
-            <a:r>
-              <a:rPr lang="en-US" smtClean="0"/>
-              <a:t>of </a:t>
-            </a:r>
-            <a:r>
-              <a:rPr lang="en-US" smtClean="0"/>
+              <a:t>algorithm down to the level of </a:t>
+            </a:r>
+            <a:r>
+              <a:rPr lang="en-US" dirty="0" smtClean="0"/>
               <a:t>vector </a:t>
             </a:r>
             <a:r>
@@ -5602,7 +5670,15 @@
           <a:p>
             <a:r>
               <a:rPr lang="en-US" dirty="0" smtClean="0"/>
-              <a:t>Develop control Scalar CPU SW and/or Control FSM</a:t>
+              <a:t>Develop </a:t>
+            </a:r>
+            <a:r>
+              <a:rPr lang="en-US" dirty="0" smtClean="0"/>
+              <a:t>Scalar </a:t>
+            </a:r>
+            <a:r>
+              <a:rPr lang="en-US" dirty="0" smtClean="0"/>
+              <a:t>CPU SW and/or Control FSM</a:t>
             </a:r>
             <a:endParaRPr lang="en-US" dirty="0"/>
           </a:p>

--- a/doc/simsimd.pptx
+++ b/doc/simsimd.pptx
@@ -399,7 +399,7 @@
             <a:fld id="{3A2F3D4C-B1B2-4ED9-A806-D2C265E29E3F}" type="datetimeFigureOut">
               <a:rPr lang="en-US" smtClean="0"/>
               <a:pPr/>
-              <a:t>06/01/2020</a:t>
+              <a:t>15/01/2020</a:t>
             </a:fld>
             <a:endParaRPr lang="en-US"/>
           </a:p>
@@ -566,7 +566,7 @@
             <a:fld id="{3A2F3D4C-B1B2-4ED9-A806-D2C265E29E3F}" type="datetimeFigureOut">
               <a:rPr lang="en-US" smtClean="0"/>
               <a:pPr/>
-              <a:t>06/01/2020</a:t>
+              <a:t>15/01/2020</a:t>
             </a:fld>
             <a:endParaRPr lang="en-US"/>
           </a:p>
@@ -743,7 +743,7 @@
             <a:fld id="{3A2F3D4C-B1B2-4ED9-A806-D2C265E29E3F}" type="datetimeFigureOut">
               <a:rPr lang="en-US" smtClean="0"/>
               <a:pPr/>
-              <a:t>06/01/2020</a:t>
+              <a:t>15/01/2020</a:t>
             </a:fld>
             <a:endParaRPr lang="en-US"/>
           </a:p>
@@ -910,7 +910,7 @@
             <a:fld id="{3A2F3D4C-B1B2-4ED9-A806-D2C265E29E3F}" type="datetimeFigureOut">
               <a:rPr lang="en-US" smtClean="0"/>
               <a:pPr/>
-              <a:t>06/01/2020</a:t>
+              <a:t>15/01/2020</a:t>
             </a:fld>
             <a:endParaRPr lang="en-US"/>
           </a:p>
@@ -1153,7 +1153,7 @@
             <a:fld id="{3A2F3D4C-B1B2-4ED9-A806-D2C265E29E3F}" type="datetimeFigureOut">
               <a:rPr lang="en-US" smtClean="0"/>
               <a:pPr/>
-              <a:t>06/01/2020</a:t>
+              <a:t>15/01/2020</a:t>
             </a:fld>
             <a:endParaRPr lang="en-US"/>
           </a:p>
@@ -1438,7 +1438,7 @@
             <a:fld id="{3A2F3D4C-B1B2-4ED9-A806-D2C265E29E3F}" type="datetimeFigureOut">
               <a:rPr lang="en-US" smtClean="0"/>
               <a:pPr/>
-              <a:t>06/01/2020</a:t>
+              <a:t>15/01/2020</a:t>
             </a:fld>
             <a:endParaRPr lang="en-US"/>
           </a:p>
@@ -1857,7 +1857,7 @@
             <a:fld id="{3A2F3D4C-B1B2-4ED9-A806-D2C265E29E3F}" type="datetimeFigureOut">
               <a:rPr lang="en-US" smtClean="0"/>
               <a:pPr/>
-              <a:t>06/01/2020</a:t>
+              <a:t>15/01/2020</a:t>
             </a:fld>
             <a:endParaRPr lang="en-US"/>
           </a:p>
@@ -1972,7 +1972,7 @@
             <a:fld id="{3A2F3D4C-B1B2-4ED9-A806-D2C265E29E3F}" type="datetimeFigureOut">
               <a:rPr lang="en-US" smtClean="0"/>
               <a:pPr/>
-              <a:t>06/01/2020</a:t>
+              <a:t>15/01/2020</a:t>
             </a:fld>
             <a:endParaRPr lang="en-US"/>
           </a:p>
@@ -2064,7 +2064,7 @@
             <a:fld id="{3A2F3D4C-B1B2-4ED9-A806-D2C265E29E3F}" type="datetimeFigureOut">
               <a:rPr lang="en-US" smtClean="0"/>
               <a:pPr/>
-              <a:t>06/01/2020</a:t>
+              <a:t>15/01/2020</a:t>
             </a:fld>
             <a:endParaRPr lang="en-US"/>
           </a:p>
@@ -2338,7 +2338,7 @@
             <a:fld id="{3A2F3D4C-B1B2-4ED9-A806-D2C265E29E3F}" type="datetimeFigureOut">
               <a:rPr lang="en-US" smtClean="0"/>
               <a:pPr/>
-              <a:t>06/01/2020</a:t>
+              <a:t>15/01/2020</a:t>
             </a:fld>
             <a:endParaRPr lang="en-US"/>
           </a:p>
@@ -2588,7 +2588,7 @@
             <a:fld id="{3A2F3D4C-B1B2-4ED9-A806-D2C265E29E3F}" type="datetimeFigureOut">
               <a:rPr lang="en-US" smtClean="0"/>
               <a:pPr/>
-              <a:t>06/01/2020</a:t>
+              <a:t>15/01/2020</a:t>
             </a:fld>
             <a:endParaRPr lang="en-US"/>
           </a:p>
@@ -2798,7 +2798,7 @@
             <a:fld id="{3A2F3D4C-B1B2-4ED9-A806-D2C265E29E3F}" type="datetimeFigureOut">
               <a:rPr lang="en-US" smtClean="0"/>
               <a:pPr/>
-              <a:t>06/01/2020</a:t>
+              <a:t>15/01/2020</a:t>
             </a:fld>
             <a:endParaRPr lang="en-US"/>
           </a:p>
@@ -4241,7 +4241,18 @@
           </a:bodyPr>
           <a:lstStyle/>
           <a:p>
-            <a:pPr>
+            <a:r>
+              <a:rPr lang="en-US" dirty="0" smtClean="0"/>
+              <a:t>Simulation </a:t>
+            </a:r>
+            <a:r>
+              <a:rPr lang="en-US" dirty="0" smtClean="0"/>
+              <a:t>framework for Application Specific Vector Processor:</a:t>
+            </a:r>
+            <a:endParaRPr lang="en-GB" dirty="0" smtClean="0"/>
+          </a:p>
+          <a:p>
+            <a:pPr lvl="1">
               <a:buNone/>
             </a:pPr>
             <a:r>
@@ -4249,6 +4260,45 @@
                 <a:hlinkClick r:id="rId2"/>
               </a:rPr>
               <a:t>https://github.com/timurkelin/simsimd</a:t>
+            </a:r>
+            <a:endParaRPr lang="en-GB" dirty="0" smtClean="0"/>
+          </a:p>
+          <a:p>
+            <a:pPr>
+              <a:buNone/>
+            </a:pPr>
+            <a:endParaRPr lang="en-US" dirty="0" smtClean="0"/>
+          </a:p>
+          <a:p>
+            <a:r>
+              <a:rPr lang="en-US" dirty="0" err="1" smtClean="0"/>
+              <a:t>simSCHD</a:t>
+            </a:r>
+            <a:r>
+              <a:rPr lang="en-US" dirty="0" smtClean="0"/>
+              <a:t> and </a:t>
+            </a:r>
+            <a:r>
+              <a:rPr lang="en-US" dirty="0" err="1" smtClean="0"/>
+              <a:t>simSIMD</a:t>
+            </a:r>
+            <a:r>
+              <a:rPr lang="en-US" dirty="0" smtClean="0"/>
+              <a:t> Co-simulation environment:</a:t>
+            </a:r>
+            <a:endParaRPr lang="en-US" dirty="0" smtClean="0">
+              <a:hlinkClick r:id="rId3"/>
+            </a:endParaRPr>
+          </a:p>
+          <a:p>
+            <a:pPr lvl="1">
+              <a:buNone/>
+            </a:pPr>
+            <a:r>
+              <a:rPr lang="en-US" dirty="0" smtClean="0">
+                <a:hlinkClick r:id="rId3"/>
+              </a:rPr>
+              <a:t>https://github.com/timurkelin/cosim</a:t>
             </a:r>
             <a:endParaRPr lang="en-US" dirty="0" smtClean="0"/>
           </a:p>
@@ -4543,22 +4593,14 @@
             <a:pPr lvl="1"/>
             <a:r>
               <a:rPr lang="en-US" dirty="0" smtClean="0"/>
-              <a:t>Perform </a:t>
-            </a:r>
-            <a:r>
-              <a:rPr lang="en-US" dirty="0" smtClean="0"/>
-              <a:t>vector computations in accordance to the configuration supplied from the Scalar Core</a:t>
+              <a:t>Perform vector computations in accordance to the configuration supplied from the Scalar Core</a:t>
             </a:r>
           </a:p>
           <a:p>
             <a:pPr lvl="1"/>
             <a:r>
               <a:rPr lang="en-US" dirty="0" smtClean="0"/>
-              <a:t>Generate events </a:t>
-            </a:r>
-            <a:r>
-              <a:rPr lang="en-US" dirty="0" smtClean="0"/>
-              <a:t>at the different stages of the execution of the vector operations</a:t>
+              <a:t>Generate events at the different stages of the execution of the vector operations</a:t>
             </a:r>
           </a:p>
           <a:p>
@@ -4574,28 +4616,19 @@
               <a:rPr lang="en-US" dirty="0" smtClean="0"/>
               <a:t>Allow for synchronization of the control threads inside Scalar Core with the Vector Core </a:t>
             </a:r>
-            <a:endParaRPr lang="en-US" dirty="0" smtClean="0"/>
           </a:p>
           <a:p>
             <a:pPr lvl="2"/>
             <a:r>
               <a:rPr lang="en-US" dirty="0" smtClean="0"/>
-              <a:t>Update </a:t>
-            </a:r>
-            <a:r>
-              <a:rPr lang="en-US" dirty="0" smtClean="0"/>
-              <a:t>of the statuses of the vector operations</a:t>
+              <a:t>Update of the statuses of the vector operations</a:t>
             </a:r>
           </a:p>
           <a:p>
             <a:pPr lvl="2"/>
             <a:r>
               <a:rPr lang="en-GB" dirty="0" smtClean="0"/>
-              <a:t>Allow </a:t>
-            </a:r>
-            <a:r>
-              <a:rPr lang="en-GB" dirty="0" smtClean="0"/>
-              <a:t>for data dependent processing</a:t>
+              <a:t>Allow for data dependent processing</a:t>
             </a:r>
             <a:endParaRPr lang="en-US" dirty="0" smtClean="0"/>
           </a:p>
@@ -5036,15 +5069,7 @@
             <a:pPr lvl="2"/>
             <a:r>
               <a:rPr lang="en-US" dirty="0" smtClean="0"/>
-              <a:t>A set of Address Generators (AG) associated with each DM allows for flexible </a:t>
-            </a:r>
-            <a:r>
-              <a:rPr lang="en-US" dirty="0" smtClean="0"/>
-              <a:t>addressing and fetching the </a:t>
-            </a:r>
-            <a:r>
-              <a:rPr lang="en-US" dirty="0" smtClean="0"/>
-              <a:t>elements of the vector.</a:t>
+              <a:t>A set of Address Generators (AG) associated with each DM allows for flexible addressing and fetching the elements of the vector.</a:t>
             </a:r>
           </a:p>
           <a:p>
@@ -5168,15 +5193,7 @@
             <a:pPr lvl="1"/>
             <a:r>
               <a:rPr lang="en-US" dirty="0" smtClean="0"/>
-              <a:t>XBAR: Network-On-Chip (NOC) </a:t>
-            </a:r>
-            <a:r>
-              <a:rPr lang="en-US" dirty="0" smtClean="0"/>
-              <a:t>for </a:t>
-            </a:r>
-            <a:r>
-              <a:rPr lang="en-US" dirty="0" smtClean="0"/>
-              <a:t>routing the vector streams between Execution Units (EU), Data Memories (DM) and/or Streaming Devices</a:t>
+              <a:t>XBAR: Network-On-Chip (NOC) for routing the vector streams between Execution Units (EU), Data Memories (DM) and/or Streaming Devices</a:t>
             </a:r>
           </a:p>
           <a:p>
@@ -5263,45 +5280,21 @@
             <a:pPr lvl="1"/>
             <a:r>
               <a:rPr lang="en-US" dirty="0" smtClean="0"/>
-              <a:t>Respond </a:t>
-            </a:r>
-            <a:r>
-              <a:rPr lang="en-US" dirty="0" smtClean="0"/>
-              <a:t>to the events and </a:t>
-            </a:r>
-            <a:r>
-              <a:rPr lang="en-US" dirty="0" smtClean="0"/>
-              <a:t>status data </a:t>
-            </a:r>
-            <a:r>
-              <a:rPr lang="en-US" dirty="0" smtClean="0"/>
-              <a:t>from the Vector Core components </a:t>
+              <a:t>Respond to the events and status data from the Vector Core components </a:t>
             </a:r>
           </a:p>
           <a:p>
             <a:pPr lvl="1"/>
             <a:r>
               <a:rPr lang="en-US" dirty="0" smtClean="0"/>
-              <a:t>Control the execution flow </a:t>
-            </a:r>
-            <a:r>
-              <a:rPr lang="en-US" dirty="0" smtClean="0"/>
-              <a:t>in </a:t>
-            </a:r>
-            <a:r>
-              <a:rPr lang="en-US" dirty="0" smtClean="0"/>
-              <a:t>the Vector Core</a:t>
+              <a:t>Control the execution flow in the Vector Core</a:t>
             </a:r>
           </a:p>
           <a:p>
             <a:pPr lvl="1"/>
             <a:r>
               <a:rPr lang="en-GB" dirty="0" smtClean="0"/>
-              <a:t>Synchronize vector </a:t>
-            </a:r>
-            <a:r>
-              <a:rPr lang="en-GB" dirty="0" smtClean="0"/>
-              <a:t>processing threads</a:t>
+              <a:t>Synchronize vector processing threads</a:t>
             </a:r>
             <a:endParaRPr lang="en-US" dirty="0" smtClean="0"/>
           </a:p>
@@ -5389,30 +5382,14 @@
             <a:pPr lvl="1"/>
             <a:r>
               <a:rPr lang="en-US" dirty="0" smtClean="0"/>
-              <a:t>Scalar </a:t>
-            </a:r>
-            <a:r>
-              <a:rPr lang="en-US" dirty="0" smtClean="0"/>
-              <a:t>Core: </a:t>
-            </a:r>
-            <a:r>
-              <a:rPr lang="en-US" dirty="0" smtClean="0"/>
-              <a:t>processes the events and statuses from Vector Core, and generates configurations for the components of the Vector Core.</a:t>
+              <a:t>Scalar Core: processes the events and statuses from Vector Core, and generates configurations for the components of the Vector Core.</a:t>
             </a:r>
           </a:p>
           <a:p>
             <a:pPr lvl="2"/>
             <a:r>
               <a:rPr lang="en-US" dirty="0" smtClean="0"/>
-              <a:t>It can be implemented as a programmable general purpose CPU subsystem or an </a:t>
-            </a:r>
-            <a:r>
-              <a:rPr lang="en-US" dirty="0" smtClean="0"/>
-              <a:t>FSM depending </a:t>
-            </a:r>
-            <a:r>
-              <a:rPr lang="en-US" dirty="0" smtClean="0"/>
-              <a:t>on the complexity of the control procedures</a:t>
+              <a:t>It can be implemented as a programmable general purpose CPU subsystem or an FSM depending on the complexity of the control procedures</a:t>
             </a:r>
           </a:p>
           <a:p>
@@ -5506,19 +5483,11 @@
             </a:r>
             <a:r>
               <a:rPr lang="en-US" smtClean="0"/>
-              <a:t>: </a:t>
-            </a:r>
-            <a:r>
-              <a:rPr lang="en-US" smtClean="0"/>
-              <a:t>delivers </a:t>
-            </a:r>
-            <a:r>
-              <a:rPr lang="en-US" dirty="0" smtClean="0"/>
-              <a:t>commands </a:t>
-            </a:r>
-            <a:r>
-              <a:rPr lang="en-US" dirty="0" smtClean="0"/>
-              <a:t>and data supplied from to the Scalar Core to the Vector Core components. </a:t>
+              <a:t>: delivers </a:t>
+            </a:r>
+            <a:r>
+              <a:rPr lang="en-US" dirty="0" smtClean="0"/>
+              <a:t>commands and data supplied from to the Scalar Core to the Vector Core components. </a:t>
             </a:r>
           </a:p>
           <a:p>
@@ -5607,78 +5576,25 @@
           <a:p>
             <a:r>
               <a:rPr lang="en-US" dirty="0" smtClean="0"/>
-              <a:t>Decompose </a:t>
-            </a:r>
-            <a:r>
-              <a:rPr lang="en-US" dirty="0" smtClean="0"/>
-              <a:t>processing </a:t>
-            </a:r>
-            <a:r>
-              <a:rPr lang="en-US" dirty="0" smtClean="0"/>
-              <a:t>algorithm down to the level of </a:t>
-            </a:r>
-            <a:r>
-              <a:rPr lang="en-US" dirty="0" smtClean="0"/>
-              <a:t>vector </a:t>
-            </a:r>
-            <a:r>
-              <a:rPr lang="en-US" dirty="0" smtClean="0"/>
-              <a:t>transactions between functional blocks and storage elements</a:t>
-            </a:r>
-          </a:p>
-          <a:p>
-            <a:r>
-              <a:rPr lang="en-US" dirty="0" smtClean="0"/>
-              <a:t>Develop </a:t>
-            </a:r>
-            <a:r>
-              <a:rPr lang="en-US" dirty="0" smtClean="0"/>
-              <a:t>functional </a:t>
-            </a:r>
-            <a:r>
-              <a:rPr lang="en-US" dirty="0" smtClean="0"/>
-              <a:t>blocks </a:t>
-            </a:r>
-            <a:r>
-              <a:rPr lang="en-US" dirty="0" smtClean="0"/>
-              <a:t>which have specified </a:t>
-            </a:r>
-            <a:r>
-              <a:rPr lang="en-US" dirty="0" smtClean="0"/>
-              <a:t>interface with XBAR and Scalar Infrastructure</a:t>
-            </a:r>
-          </a:p>
-          <a:p>
-            <a:r>
-              <a:rPr lang="en-US" dirty="0" smtClean="0"/>
-              <a:t>Assemble the functional blocks and storage elements </a:t>
-            </a:r>
-            <a:r>
-              <a:rPr lang="en-US" dirty="0" smtClean="0"/>
-              <a:t>with </a:t>
-            </a:r>
-            <a:r>
-              <a:rPr lang="en-US" dirty="0" smtClean="0"/>
-              <a:t>the </a:t>
-            </a:r>
-            <a:r>
-              <a:rPr lang="en-US" dirty="0" smtClean="0"/>
-              <a:t>Core framework</a:t>
-            </a:r>
-            <a:endParaRPr lang="en-US" dirty="0" smtClean="0"/>
-          </a:p>
-          <a:p>
-            <a:r>
-              <a:rPr lang="en-US" dirty="0" smtClean="0"/>
-              <a:t>Develop </a:t>
-            </a:r>
-            <a:r>
-              <a:rPr lang="en-US" dirty="0" smtClean="0"/>
-              <a:t>Scalar </a:t>
-            </a:r>
-            <a:r>
-              <a:rPr lang="en-US" dirty="0" smtClean="0"/>
-              <a:t>CPU SW and/or Control FSM</a:t>
+              <a:t>Decompose processing algorithm down to the level of vector transactions between functional blocks and storage elements</a:t>
+            </a:r>
+          </a:p>
+          <a:p>
+            <a:r>
+              <a:rPr lang="en-US" dirty="0" smtClean="0"/>
+              <a:t>Develop functional blocks which have specified interface with XBAR and Scalar Infrastructure</a:t>
+            </a:r>
+          </a:p>
+          <a:p>
+            <a:r>
+              <a:rPr lang="en-US" dirty="0" smtClean="0"/>
+              <a:t>Assemble the functional blocks and storage elements with the Core framework</a:t>
+            </a:r>
+          </a:p>
+          <a:p>
+            <a:r>
+              <a:rPr lang="en-US" dirty="0" smtClean="0"/>
+              <a:t>Develop Scalar CPU SW and/or Control FSM</a:t>
             </a:r>
             <a:endParaRPr lang="en-US" dirty="0"/>
           </a:p>

--- a/doc/simsimd.pptx
+++ b/doc/simsimd.pptx
@@ -399,7 +399,7 @@
             <a:fld id="{3A2F3D4C-B1B2-4ED9-A806-D2C265E29E3F}" type="datetimeFigureOut">
               <a:rPr lang="en-US" smtClean="0"/>
               <a:pPr/>
-              <a:t>15/01/2020</a:t>
+              <a:t>26/01/2020</a:t>
             </a:fld>
             <a:endParaRPr lang="en-US"/>
           </a:p>
@@ -566,7 +566,7 @@
             <a:fld id="{3A2F3D4C-B1B2-4ED9-A806-D2C265E29E3F}" type="datetimeFigureOut">
               <a:rPr lang="en-US" smtClean="0"/>
               <a:pPr/>
-              <a:t>15/01/2020</a:t>
+              <a:t>26/01/2020</a:t>
             </a:fld>
             <a:endParaRPr lang="en-US"/>
           </a:p>
@@ -743,7 +743,7 @@
             <a:fld id="{3A2F3D4C-B1B2-4ED9-A806-D2C265E29E3F}" type="datetimeFigureOut">
               <a:rPr lang="en-US" smtClean="0"/>
               <a:pPr/>
-              <a:t>15/01/2020</a:t>
+              <a:t>26/01/2020</a:t>
             </a:fld>
             <a:endParaRPr lang="en-US"/>
           </a:p>
@@ -910,7 +910,7 @@
             <a:fld id="{3A2F3D4C-B1B2-4ED9-A806-D2C265E29E3F}" type="datetimeFigureOut">
               <a:rPr lang="en-US" smtClean="0"/>
               <a:pPr/>
-              <a:t>15/01/2020</a:t>
+              <a:t>26/01/2020</a:t>
             </a:fld>
             <a:endParaRPr lang="en-US"/>
           </a:p>
@@ -1153,7 +1153,7 @@
             <a:fld id="{3A2F3D4C-B1B2-4ED9-A806-D2C265E29E3F}" type="datetimeFigureOut">
               <a:rPr lang="en-US" smtClean="0"/>
               <a:pPr/>
-              <a:t>15/01/2020</a:t>
+              <a:t>26/01/2020</a:t>
             </a:fld>
             <a:endParaRPr lang="en-US"/>
           </a:p>
@@ -1438,7 +1438,7 @@
             <a:fld id="{3A2F3D4C-B1B2-4ED9-A806-D2C265E29E3F}" type="datetimeFigureOut">
               <a:rPr lang="en-US" smtClean="0"/>
               <a:pPr/>
-              <a:t>15/01/2020</a:t>
+              <a:t>26/01/2020</a:t>
             </a:fld>
             <a:endParaRPr lang="en-US"/>
           </a:p>
@@ -1857,7 +1857,7 @@
             <a:fld id="{3A2F3D4C-B1B2-4ED9-A806-D2C265E29E3F}" type="datetimeFigureOut">
               <a:rPr lang="en-US" smtClean="0"/>
               <a:pPr/>
-              <a:t>15/01/2020</a:t>
+              <a:t>26/01/2020</a:t>
             </a:fld>
             <a:endParaRPr lang="en-US"/>
           </a:p>
@@ -1972,7 +1972,7 @@
             <a:fld id="{3A2F3D4C-B1B2-4ED9-A806-D2C265E29E3F}" type="datetimeFigureOut">
               <a:rPr lang="en-US" smtClean="0"/>
               <a:pPr/>
-              <a:t>15/01/2020</a:t>
+              <a:t>26/01/2020</a:t>
             </a:fld>
             <a:endParaRPr lang="en-US"/>
           </a:p>
@@ -2064,7 +2064,7 @@
             <a:fld id="{3A2F3D4C-B1B2-4ED9-A806-D2C265E29E3F}" type="datetimeFigureOut">
               <a:rPr lang="en-US" smtClean="0"/>
               <a:pPr/>
-              <a:t>15/01/2020</a:t>
+              <a:t>26/01/2020</a:t>
             </a:fld>
             <a:endParaRPr lang="en-US"/>
           </a:p>
@@ -2338,7 +2338,7 @@
             <a:fld id="{3A2F3D4C-B1B2-4ED9-A806-D2C265E29E3F}" type="datetimeFigureOut">
               <a:rPr lang="en-US" smtClean="0"/>
               <a:pPr/>
-              <a:t>15/01/2020</a:t>
+              <a:t>26/01/2020</a:t>
             </a:fld>
             <a:endParaRPr lang="en-US"/>
           </a:p>
@@ -2588,7 +2588,7 @@
             <a:fld id="{3A2F3D4C-B1B2-4ED9-A806-D2C265E29E3F}" type="datetimeFigureOut">
               <a:rPr lang="en-US" smtClean="0"/>
               <a:pPr/>
-              <a:t>15/01/2020</a:t>
+              <a:t>26/01/2020</a:t>
             </a:fld>
             <a:endParaRPr lang="en-US"/>
           </a:p>
@@ -2798,7 +2798,7 @@
             <a:fld id="{3A2F3D4C-B1B2-4ED9-A806-D2C265E29E3F}" type="datetimeFigureOut">
               <a:rPr lang="en-US" smtClean="0"/>
               <a:pPr/>
-              <a:t>15/01/2020</a:t>
+              <a:t>26/01/2020</a:t>
             </a:fld>
             <a:endParaRPr lang="en-US"/>
           </a:p>
@@ -4243,11 +4243,7 @@
           <a:p>
             <a:r>
               <a:rPr lang="en-US" dirty="0" smtClean="0"/>
-              <a:t>Simulation </a:t>
-            </a:r>
-            <a:r>
-              <a:rPr lang="en-US" dirty="0" smtClean="0"/>
-              <a:t>framework for Application Specific Vector Processor:</a:t>
+              <a:t>Simulation framework for Application Specific Vector Processor:</a:t>
             </a:r>
             <a:endParaRPr lang="en-GB" dirty="0" smtClean="0"/>
           </a:p>
@@ -9947,7 +9943,7 @@
         <p:spPr/>
         <p:txBody>
           <a:bodyPr>
-            <a:normAutofit fontScale="92500" lnSpcReduction="10000"/>
+            <a:normAutofit fontScale="92500" lnSpcReduction="20000"/>
           </a:bodyPr>
           <a:lstStyle/>
           <a:p>
@@ -9974,8 +9970,28 @@
             <a:pPr lvl="1"/>
             <a:r>
               <a:rPr lang="en-US" dirty="0" smtClean="0"/>
-              <a:t>Signal processing: OFDM symbols and/or code blocks</a:t>
-            </a:r>
+              <a:t>Signal processing: OFDM </a:t>
+            </a:r>
+            <a:r>
+              <a:rPr lang="en-US" dirty="0" smtClean="0"/>
+              <a:t>symbols, code blocks</a:t>
+            </a:r>
+          </a:p>
+          <a:p>
+            <a:pPr lvl="1"/>
+            <a:r>
+              <a:rPr lang="en-US" dirty="0" smtClean="0"/>
+              <a:t>Image and </a:t>
+            </a:r>
+            <a:r>
+              <a:rPr lang="en-US" smtClean="0"/>
+              <a:t>Video processing</a:t>
+            </a:r>
+            <a:r>
+              <a:rPr lang="en-US" smtClean="0"/>
+              <a:t> </a:t>
+            </a:r>
+            <a:endParaRPr lang="en-US" dirty="0" smtClean="0"/>
           </a:p>
           <a:p>
             <a:pPr lvl="1"/>

--- a/doc/simsimd.pptx
+++ b/doc/simsimd.pptx
@@ -73,49 +73,58 @@
     <p:sldId id="269" r:id="rId67"/>
     <p:sldId id="270" r:id="rId68"/>
     <p:sldId id="346" r:id="rId69"/>
-    <p:sldId id="272" r:id="rId70"/>
-    <p:sldId id="294" r:id="rId71"/>
-    <p:sldId id="336" r:id="rId72"/>
-    <p:sldId id="295" r:id="rId73"/>
-    <p:sldId id="296" r:id="rId74"/>
-    <p:sldId id="297" r:id="rId75"/>
-    <p:sldId id="298" r:id="rId76"/>
-    <p:sldId id="299" r:id="rId77"/>
-    <p:sldId id="300" r:id="rId78"/>
-    <p:sldId id="333" r:id="rId79"/>
-    <p:sldId id="337" r:id="rId80"/>
-    <p:sldId id="338" r:id="rId81"/>
-    <p:sldId id="339" r:id="rId82"/>
-    <p:sldId id="343" r:id="rId83"/>
-    <p:sldId id="344" r:id="rId84"/>
-    <p:sldId id="345" r:id="rId85"/>
-    <p:sldId id="340" r:id="rId86"/>
-    <p:sldId id="341" r:id="rId87"/>
-    <p:sldId id="342" r:id="rId88"/>
-    <p:sldId id="348" r:id="rId89"/>
-    <p:sldId id="349" r:id="rId90"/>
-    <p:sldId id="347" r:id="rId91"/>
-    <p:sldId id="360" r:id="rId92"/>
-    <p:sldId id="361" r:id="rId93"/>
-    <p:sldId id="368" r:id="rId94"/>
-    <p:sldId id="362" r:id="rId95"/>
-    <p:sldId id="369" r:id="rId96"/>
-    <p:sldId id="372" r:id="rId97"/>
-    <p:sldId id="370" r:id="rId98"/>
-    <p:sldId id="371" r:id="rId99"/>
-    <p:sldId id="373" r:id="rId100"/>
-    <p:sldId id="271" r:id="rId101"/>
-    <p:sldId id="301" r:id="rId102"/>
-    <p:sldId id="307" r:id="rId103"/>
-    <p:sldId id="302" r:id="rId104"/>
-    <p:sldId id="308" r:id="rId105"/>
-    <p:sldId id="304" r:id="rId106"/>
-    <p:sldId id="306" r:id="rId107"/>
-    <p:sldId id="285" r:id="rId108"/>
-    <p:sldId id="318" r:id="rId109"/>
-    <p:sldId id="286" r:id="rId110"/>
-    <p:sldId id="287" r:id="rId111"/>
-    <p:sldId id="288" r:id="rId112"/>
+    <p:sldId id="374" r:id="rId70"/>
+    <p:sldId id="375" r:id="rId71"/>
+    <p:sldId id="382" r:id="rId72"/>
+    <p:sldId id="390" r:id="rId73"/>
+    <p:sldId id="388" r:id="rId74"/>
+    <p:sldId id="389" r:id="rId75"/>
+    <p:sldId id="383" r:id="rId76"/>
+    <p:sldId id="385" r:id="rId77"/>
+    <p:sldId id="386" r:id="rId78"/>
+    <p:sldId id="272" r:id="rId79"/>
+    <p:sldId id="294" r:id="rId80"/>
+    <p:sldId id="336" r:id="rId81"/>
+    <p:sldId id="295" r:id="rId82"/>
+    <p:sldId id="296" r:id="rId83"/>
+    <p:sldId id="297" r:id="rId84"/>
+    <p:sldId id="298" r:id="rId85"/>
+    <p:sldId id="299" r:id="rId86"/>
+    <p:sldId id="300" r:id="rId87"/>
+    <p:sldId id="333" r:id="rId88"/>
+    <p:sldId id="337" r:id="rId89"/>
+    <p:sldId id="338" r:id="rId90"/>
+    <p:sldId id="339" r:id="rId91"/>
+    <p:sldId id="343" r:id="rId92"/>
+    <p:sldId id="344" r:id="rId93"/>
+    <p:sldId id="345" r:id="rId94"/>
+    <p:sldId id="340" r:id="rId95"/>
+    <p:sldId id="341" r:id="rId96"/>
+    <p:sldId id="342" r:id="rId97"/>
+    <p:sldId id="348" r:id="rId98"/>
+    <p:sldId id="349" r:id="rId99"/>
+    <p:sldId id="347" r:id="rId100"/>
+    <p:sldId id="360" r:id="rId101"/>
+    <p:sldId id="361" r:id="rId102"/>
+    <p:sldId id="368" r:id="rId103"/>
+    <p:sldId id="362" r:id="rId104"/>
+    <p:sldId id="369" r:id="rId105"/>
+    <p:sldId id="372" r:id="rId106"/>
+    <p:sldId id="370" r:id="rId107"/>
+    <p:sldId id="371" r:id="rId108"/>
+    <p:sldId id="373" r:id="rId109"/>
+    <p:sldId id="271" r:id="rId110"/>
+    <p:sldId id="301" r:id="rId111"/>
+    <p:sldId id="307" r:id="rId112"/>
+    <p:sldId id="302" r:id="rId113"/>
+    <p:sldId id="308" r:id="rId114"/>
+    <p:sldId id="304" r:id="rId115"/>
+    <p:sldId id="306" r:id="rId116"/>
+    <p:sldId id="285" r:id="rId117"/>
+    <p:sldId id="318" r:id="rId118"/>
+    <p:sldId id="286" r:id="rId119"/>
+    <p:sldId id="287" r:id="rId120"/>
+    <p:sldId id="288" r:id="rId121"/>
   </p:sldIdLst>
   <p:sldSz cx="9144000" cy="6858000" type="screen4x3"/>
   <p:notesSz cx="6858000" cy="9144000"/>
@@ -3445,9 +3454,68 @@
           <a:lstStyle/>
           <a:p>
             <a:r>
-              <a:rPr lang="en-GB" dirty="0" smtClean="0"/>
-              <a:t>ToDo’s and Plans</a:t>
-            </a:r>
+              <a:rPr lang="en-GB" dirty="0" err="1" smtClean="0"/>
+              <a:t>adder_stream</a:t>
+            </a:r>
+            <a:endParaRPr lang="en-US" dirty="0"/>
+          </a:p>
+        </p:txBody>
+      </p:sp>
+      <p:sp>
+        <p:nvSpPr>
+          <p:cNvPr id="3" name="Content Placeholder 2"/>
+          <p:cNvSpPr>
+            <a:spLocks noGrp="1"/>
+          </p:cNvSpPr>
+          <p:nvPr>
+            <p:ph idx="1"/>
+          </p:nvPr>
+        </p:nvSpPr>
+        <p:spPr>
+          <a:xfrm>
+            <a:off x="457200" y="1600200"/>
+            <a:ext cx="8229600" cy="4343400"/>
+          </a:xfrm>
+        </p:spPr>
+        <p:txBody>
+          <a:bodyPr>
+            <a:normAutofit fontScale="92500" lnSpcReduction="10000"/>
+          </a:bodyPr>
+          <a:lstStyle/>
+          <a:p>
+            <a:r>
+              <a:rPr lang="en-GB" dirty="0" smtClean="0"/>
+              <a:t>Verifies operation of the Streaming I/O Devices addressing common Data and Memory Pool</a:t>
+            </a:r>
+          </a:p>
+          <a:p>
+            <a:r>
+              <a:rPr lang="en-GB" dirty="0" smtClean="0"/>
+              <a:t>The test checks</a:t>
+            </a:r>
+          </a:p>
+          <a:p>
+            <a:pPr lvl="1"/>
+            <a:r>
+              <a:rPr lang="en-GB" dirty="0" smtClean="0"/>
+              <a:t>Initialization of the Data and Memory Pool from the .mat file</a:t>
+            </a:r>
+          </a:p>
+          <a:p>
+            <a:pPr lvl="1"/>
+            <a:r>
+              <a:rPr lang="en-GB" dirty="0" smtClean="0"/>
+              <a:t>Streaming device interface to the vector core and to the Pool</a:t>
+            </a:r>
+          </a:p>
+          <a:p>
+            <a:r>
+              <a:rPr lang="en-GB" dirty="0" smtClean="0"/>
+              <a:t>Test runs continuously with the constraint random VRI parameters and streaming device timings for 1 ms</a:t>
+            </a:r>
+          </a:p>
+          <a:p>
+            <a:endParaRPr lang="en-GB" dirty="0" smtClean="0"/>
           </a:p>
         </p:txBody>
       </p:sp>
@@ -3492,8 +3560,8 @@
           <a:lstStyle/>
           <a:p>
             <a:r>
-              <a:rPr lang="en-GB" dirty="0" smtClean="0"/>
-              <a:t>Runtime Statistics</a:t>
+              <a:rPr lang="en-GB" dirty="0" err="1" smtClean="0"/>
+              <a:t>adder_stream</a:t>
             </a:r>
             <a:endParaRPr lang="en-US" dirty="0"/>
           </a:p>
@@ -3512,7 +3580,7 @@
         <p:spPr>
           <a:xfrm>
             <a:off x="457200" y="1600200"/>
-            <a:ext cx="8229600" cy="4724400"/>
+            <a:ext cx="8229600" cy="4343400"/>
           </a:xfrm>
         </p:spPr>
         <p:txBody>
@@ -3522,94 +3590,220 @@
           <a:lstStyle/>
           <a:p>
             <a:r>
-              <a:rPr lang="en-GB" dirty="0" smtClean="0"/>
-              <a:t>For the specific application collect runtime usage data for the resources which were allocated in the preferences</a:t>
-            </a:r>
-          </a:p>
-          <a:p>
-            <a:pPr lvl="1"/>
-            <a:r>
-              <a:rPr lang="en-GB" dirty="0" smtClean="0"/>
-              <a:t>Access to DMs and EUs. Are they actually used?</a:t>
-            </a:r>
-          </a:p>
-          <a:p>
-            <a:pPr lvl="1"/>
-            <a:r>
-              <a:rPr lang="en-US" dirty="0" smtClean="0"/>
-              <a:t>Which blocks need supporting command sequencing under the control of the Vector Core</a:t>
-            </a:r>
-          </a:p>
-          <a:p>
-            <a:pPr lvl="1"/>
-            <a:r>
-              <a:rPr lang="en-US" dirty="0" smtClean="0"/>
-              <a:t>Range of the execution indexes</a:t>
-            </a:r>
-            <a:endParaRPr lang="en-GB" dirty="0" smtClean="0"/>
-          </a:p>
-          <a:p>
-            <a:pPr lvl="1"/>
-            <a:r>
-              <a:rPr lang="en-GB" dirty="0" smtClean="0"/>
-              <a:t>Internals of the DMs and EUs: </a:t>
-            </a:r>
-          </a:p>
-          <a:p>
-            <a:pPr lvl="2"/>
-            <a:r>
-              <a:rPr lang="en-GB" dirty="0" smtClean="0"/>
-              <a:t>Configuration and status slots , </a:t>
-            </a:r>
-            <a:r>
-              <a:rPr lang="en-GB" dirty="0" err="1" smtClean="0"/>
-              <a:t>bitwidth</a:t>
-            </a:r>
-            <a:r>
-              <a:rPr lang="en-GB" dirty="0" smtClean="0"/>
-              <a:t> of the fields </a:t>
-            </a:r>
-          </a:p>
-          <a:p>
-            <a:pPr lvl="2"/>
-            <a:r>
-              <a:rPr lang="en-GB" dirty="0" smtClean="0"/>
-              <a:t>Execution modes</a:t>
-            </a:r>
-          </a:p>
-          <a:p>
-            <a:pPr lvl="2"/>
-            <a:r>
-              <a:rPr lang="en-GB" dirty="0" smtClean="0"/>
-              <a:t>Depth of the FIFO for the execution indexes </a:t>
-            </a:r>
-          </a:p>
-          <a:p>
-            <a:pPr lvl="2"/>
-            <a:r>
-              <a:rPr lang="en-GB" dirty="0" smtClean="0"/>
-              <a:t>EU operational modes</a:t>
-            </a:r>
-          </a:p>
-          <a:p>
-            <a:pPr lvl="2"/>
-            <a:r>
-              <a:rPr lang="en-GB" dirty="0" smtClean="0"/>
-              <a:t>DM AG modes</a:t>
-            </a:r>
-          </a:p>
-          <a:p>
-            <a:pPr lvl="2"/>
-            <a:r>
-              <a:rPr lang="en-GB" dirty="0" smtClean="0"/>
-              <a:t>Events which were issued and processed</a:t>
-            </a:r>
-          </a:p>
-          <a:p>
-            <a:pPr lvl="2">
+              <a:rPr lang="en-US" dirty="0" smtClean="0"/>
+              <a:t>Clean </a:t>
+            </a:r>
+          </a:p>
+          <a:p>
+            <a:pPr>
               <a:buNone/>
             </a:pPr>
-            <a:endParaRPr lang="en-GB" dirty="0" smtClean="0"/>
+            <a:r>
+              <a:rPr lang="en-US" sz="2400" dirty="0" smtClean="0">
+                <a:latin typeface="Consolas" pitchFamily="49" charset="0"/>
+                <a:cs typeface="Consolas" pitchFamily="49" charset="0"/>
+              </a:rPr>
+              <a:t>make EXAMPLE=basic/</a:t>
+            </a:r>
+            <a:r>
+              <a:rPr lang="en-US" sz="2400" dirty="0" err="1" smtClean="0">
+                <a:latin typeface="Consolas" pitchFamily="49" charset="0"/>
+                <a:cs typeface="Consolas" pitchFamily="49" charset="0"/>
+              </a:rPr>
+              <a:t>adder_stream</a:t>
+            </a:r>
+            <a:r>
+              <a:rPr lang="en-US" sz="2400" dirty="0" smtClean="0">
+                <a:latin typeface="Consolas" pitchFamily="49" charset="0"/>
+                <a:cs typeface="Consolas" pitchFamily="49" charset="0"/>
+              </a:rPr>
+              <a:t> clean </a:t>
+            </a:r>
+          </a:p>
+          <a:p>
+            <a:r>
+              <a:rPr lang="en-US" dirty="0" smtClean="0"/>
+              <a:t>Build  </a:t>
+            </a:r>
+          </a:p>
+          <a:p>
+            <a:pPr>
+              <a:buNone/>
+            </a:pPr>
+            <a:r>
+              <a:rPr lang="en-US" sz="2400" dirty="0" smtClean="0">
+                <a:latin typeface="Consolas" pitchFamily="49" charset="0"/>
+                <a:cs typeface="Consolas" pitchFamily="49" charset="0"/>
+              </a:rPr>
+              <a:t>make EXAMPLE=basic/</a:t>
+            </a:r>
+            <a:r>
+              <a:rPr lang="en-US" sz="2400" dirty="0" err="1" smtClean="0">
+                <a:latin typeface="Consolas" pitchFamily="49" charset="0"/>
+                <a:cs typeface="Consolas" pitchFamily="49" charset="0"/>
+              </a:rPr>
+              <a:t>adder_stream</a:t>
+            </a:r>
+            <a:r>
+              <a:rPr lang="en-US" sz="2400" dirty="0" smtClean="0">
+                <a:latin typeface="Consolas" pitchFamily="49" charset="0"/>
+                <a:cs typeface="Consolas" pitchFamily="49" charset="0"/>
+              </a:rPr>
+              <a:t> all </a:t>
+            </a:r>
+          </a:p>
+          <a:p>
+            <a:r>
+              <a:rPr lang="en-US" dirty="0" smtClean="0"/>
+              <a:t>Generate initialization .mat file  </a:t>
+            </a:r>
+          </a:p>
+          <a:p>
+            <a:pPr>
+              <a:buNone/>
+            </a:pPr>
+            <a:r>
+              <a:rPr lang="en-GB" sz="2400" dirty="0" smtClean="0">
+                <a:latin typeface="Consolas" pitchFamily="49" charset="0"/>
+                <a:cs typeface="Consolas" pitchFamily="49" charset="0"/>
+              </a:rPr>
+              <a:t>Execute ./examples/basic/</a:t>
+            </a:r>
+            <a:r>
+              <a:rPr lang="en-GB" sz="2400" dirty="0" err="1" smtClean="0">
+                <a:latin typeface="Consolas" pitchFamily="49" charset="0"/>
+                <a:cs typeface="Consolas" pitchFamily="49" charset="0"/>
+              </a:rPr>
+              <a:t>adder_stream</a:t>
+            </a:r>
+            <a:r>
+              <a:rPr lang="en-GB" sz="2400" dirty="0" smtClean="0">
+                <a:latin typeface="Consolas" pitchFamily="49" charset="0"/>
+                <a:cs typeface="Consolas" pitchFamily="49" charset="0"/>
+              </a:rPr>
+              <a:t>/mat/</a:t>
+            </a:r>
+            <a:r>
+              <a:rPr lang="en-GB" sz="2400" dirty="0" err="1" smtClean="0">
+                <a:latin typeface="Consolas" pitchFamily="49" charset="0"/>
+                <a:cs typeface="Consolas" pitchFamily="49" charset="0"/>
+              </a:rPr>
+              <a:t>seg_init.m</a:t>
+            </a:r>
+            <a:endParaRPr lang="en-GB" sz="2400" dirty="0" smtClean="0">
+              <a:latin typeface="Consolas" pitchFamily="49" charset="0"/>
+              <a:cs typeface="Consolas" pitchFamily="49" charset="0"/>
+            </a:endParaRPr>
+          </a:p>
+          <a:p>
+            <a:pPr>
+              <a:buNone/>
+            </a:pPr>
+            <a:r>
+              <a:rPr lang="en-GB" sz="2400" dirty="0" smtClean="0">
+                <a:latin typeface="Consolas" pitchFamily="49" charset="0"/>
+                <a:cs typeface="Consolas" pitchFamily="49" charset="0"/>
+              </a:rPr>
+              <a:t>which generates file</a:t>
+            </a:r>
+          </a:p>
+          <a:p>
+            <a:pPr>
+              <a:buNone/>
+            </a:pPr>
+            <a:r>
+              <a:rPr lang="en-GB" sz="2400" dirty="0" smtClean="0">
+                <a:latin typeface="Consolas" pitchFamily="49" charset="0"/>
+                <a:cs typeface="Consolas" pitchFamily="49" charset="0"/>
+              </a:rPr>
+              <a:t>./examples/basic/</a:t>
+            </a:r>
+            <a:r>
+              <a:rPr lang="en-GB" sz="2400" dirty="0" err="1" smtClean="0">
+                <a:latin typeface="Consolas" pitchFamily="49" charset="0"/>
+                <a:cs typeface="Consolas" pitchFamily="49" charset="0"/>
+              </a:rPr>
+              <a:t>adder_stream</a:t>
+            </a:r>
+            <a:r>
+              <a:rPr lang="en-GB" sz="2400" dirty="0" smtClean="0">
+                <a:latin typeface="Consolas" pitchFamily="49" charset="0"/>
+                <a:cs typeface="Consolas" pitchFamily="49" charset="0"/>
+              </a:rPr>
+              <a:t>/mat/seg_init.mat</a:t>
+            </a:r>
+            <a:endParaRPr lang="en-US" sz="2400" dirty="0" smtClean="0">
+              <a:latin typeface="Consolas" pitchFamily="49" charset="0"/>
+              <a:cs typeface="Consolas" pitchFamily="49" charset="0"/>
+            </a:endParaRPr>
+          </a:p>
+          <a:p>
+            <a:r>
+              <a:rPr lang="en-US" dirty="0" smtClean="0"/>
+              <a:t>Run</a:t>
+            </a:r>
+          </a:p>
+          <a:p>
+            <a:pPr>
+              <a:buNone/>
+            </a:pPr>
+            <a:r>
+              <a:rPr lang="en-US" sz="2400" dirty="0" smtClean="0">
+                <a:latin typeface="Consolas" pitchFamily="49" charset="0"/>
+                <a:cs typeface="Consolas" pitchFamily="49" charset="0"/>
+              </a:rPr>
+              <a:t>./build/Release/out/</a:t>
+            </a:r>
+            <a:r>
+              <a:rPr lang="en-US" sz="2400" dirty="0" err="1" smtClean="0">
+                <a:latin typeface="Consolas" pitchFamily="49" charset="0"/>
+                <a:cs typeface="Consolas" pitchFamily="49" charset="0"/>
+              </a:rPr>
+              <a:t>simsimd</a:t>
+            </a:r>
+            <a:r>
+              <a:rPr lang="en-US" sz="2400" dirty="0" smtClean="0">
+                <a:latin typeface="Consolas" pitchFamily="49" charset="0"/>
+                <a:cs typeface="Consolas" pitchFamily="49" charset="0"/>
+              </a:rPr>
+              <a:t> </a:t>
+            </a:r>
+          </a:p>
+          <a:p>
+            <a:r>
+              <a:rPr lang="en-US" dirty="0" smtClean="0"/>
+              <a:t>Inspect the result: </a:t>
+            </a:r>
+          </a:p>
+          <a:p>
+            <a:pPr>
+              <a:buNone/>
+            </a:pPr>
+            <a:r>
+              <a:rPr lang="en-US" sz="2400" dirty="0" smtClean="0">
+                <a:latin typeface="Consolas" pitchFamily="49" charset="0"/>
+                <a:cs typeface="Consolas" pitchFamily="49" charset="0"/>
+              </a:rPr>
+              <a:t>In </a:t>
+            </a:r>
+            <a:r>
+              <a:rPr lang="en-US" sz="2400" dirty="0" err="1" smtClean="0">
+                <a:latin typeface="Consolas" pitchFamily="49" charset="0"/>
+                <a:cs typeface="Consolas" pitchFamily="49" charset="0"/>
+              </a:rPr>
+              <a:t>gtkwave</a:t>
+            </a:r>
+            <a:r>
+              <a:rPr lang="en-US" sz="2400" dirty="0" smtClean="0">
+                <a:latin typeface="Consolas" pitchFamily="49" charset="0"/>
+                <a:cs typeface="Consolas" pitchFamily="49" charset="0"/>
+              </a:rPr>
+              <a:t> File-&gt;Open New Window-&gt;trace.vcd</a:t>
+            </a:r>
+            <a:endParaRPr lang="en-GB" sz="2400" dirty="0" smtClean="0">
+              <a:latin typeface="Consolas" pitchFamily="49" charset="0"/>
+              <a:cs typeface="Consolas" pitchFamily="49" charset="0"/>
+            </a:endParaRPr>
           </a:p>
         </p:txBody>
       </p:sp>
@@ -3654,8 +3848,8 @@
           <a:lstStyle/>
           <a:p>
             <a:r>
-              <a:rPr lang="en-GB" dirty="0" smtClean="0"/>
-              <a:t>Runtime Statistics</a:t>
+              <a:rPr lang="en-GB" dirty="0" err="1" smtClean="0"/>
+              <a:t>adder_stream</a:t>
             </a:r>
             <a:endParaRPr lang="en-US" dirty="0"/>
           </a:p>
@@ -3674,76 +3868,84 @@
         <p:spPr>
           <a:xfrm>
             <a:off x="457200" y="1600200"/>
-            <a:ext cx="8229600" cy="4724400"/>
+            <a:ext cx="8229600" cy="4419600"/>
           </a:xfrm>
         </p:spPr>
         <p:txBody>
           <a:bodyPr>
-            <a:normAutofit/>
+            <a:normAutofit fontScale="77500" lnSpcReduction="20000"/>
           </a:bodyPr>
           <a:lstStyle/>
           <a:p>
+            <a:r>
+              <a:rPr lang="en-GB" dirty="0" smtClean="0"/>
+              <a:t>Create 3 segments in the Pool:</a:t>
+            </a:r>
+          </a:p>
+          <a:p>
             <a:pPr lvl="1"/>
             <a:r>
               <a:rPr lang="en-GB" dirty="0" smtClean="0"/>
-              <a:t>Logging of the of the XBAR state</a:t>
-            </a:r>
-          </a:p>
-          <a:p>
-            <a:pPr lvl="2"/>
-            <a:r>
-              <a:rPr lang="en-GB" dirty="0" smtClean="0"/>
-              <a:t>Switching matrix</a:t>
-            </a:r>
-          </a:p>
-          <a:p>
-            <a:pPr lvl="3"/>
-            <a:r>
-              <a:rPr lang="en-US" dirty="0" smtClean="0"/>
-              <a:t>For the particular application not all of the switching routes are used.</a:t>
-            </a:r>
-          </a:p>
-          <a:p>
-            <a:pPr lvl="3"/>
-            <a:r>
-              <a:rPr lang="en-US" dirty="0" smtClean="0"/>
-              <a:t>Matrixes for data/valid and for ready can be different if data transfers to multiple destinations are used</a:t>
-            </a:r>
-            <a:endParaRPr lang="en-GB" dirty="0" smtClean="0"/>
-          </a:p>
-          <a:p>
-            <a:pPr lvl="2"/>
-            <a:r>
-              <a:rPr lang="en-GB" dirty="0" smtClean="0"/>
-              <a:t>Configuration slots, </a:t>
-            </a:r>
-            <a:r>
-              <a:rPr lang="en-GB" dirty="0" err="1" smtClean="0"/>
-              <a:t>bitwidth</a:t>
-            </a:r>
-            <a:r>
-              <a:rPr lang="en-GB" dirty="0" smtClean="0"/>
-              <a:t> of the fields </a:t>
-            </a:r>
-          </a:p>
-          <a:p>
-            <a:pPr lvl="2"/>
-            <a:r>
-              <a:rPr lang="en-GB" dirty="0" smtClean="0"/>
-              <a:t>Execution modes</a:t>
-            </a:r>
-          </a:p>
-          <a:p>
-            <a:pPr lvl="2"/>
-            <a:r>
-              <a:rPr lang="en-GB" dirty="0" smtClean="0"/>
-              <a:t>Events which were issued and processed</a:t>
-            </a:r>
-          </a:p>
-          <a:p>
-            <a:pPr lvl="2">
-              <a:buNone/>
-            </a:pPr>
+              <a:t>seg_rd0 with 2 regions initialized from file </a:t>
+            </a:r>
+          </a:p>
+          <a:p>
+            <a:pPr lvl="1"/>
+            <a:r>
+              <a:rPr lang="en-GB" dirty="0" smtClean="0"/>
+              <a:t>seg_rd1 with 2 regions initialized from file</a:t>
+            </a:r>
+          </a:p>
+          <a:p>
+            <a:pPr lvl="1"/>
+            <a:r>
+              <a:rPr lang="en-GB" dirty="0" smtClean="0"/>
+              <a:t>Uninitialized seg_wr0</a:t>
+            </a:r>
+          </a:p>
+          <a:p>
+            <a:r>
+              <a:rPr lang="en-GB" dirty="0" smtClean="0"/>
+              <a:t>Scalar core configures vector core components to execute configuration slots 1..2 in a succession.</a:t>
+            </a:r>
+          </a:p>
+          <a:p>
+            <a:r>
+              <a:rPr lang="en-GB" dirty="0" smtClean="0"/>
+              <a:t>In either slot</a:t>
+            </a:r>
+          </a:p>
+          <a:p>
+            <a:pPr lvl="1"/>
+            <a:r>
+              <a:rPr lang="en-GB" dirty="0" smtClean="0"/>
+              <a:t>2 Data Vectors are read from the Pool with the input stream interfaces st_inp1 and st_inp2</a:t>
+            </a:r>
+          </a:p>
+          <a:p>
+            <a:pPr lvl="1"/>
+            <a:r>
+              <a:rPr lang="en-GB" dirty="0" smtClean="0"/>
+              <a:t>Data Vectors are processed with add_sub1 and add_sub2 blocks. See the </a:t>
+            </a:r>
+            <a:r>
+              <a:rPr lang="en-GB" b="1" dirty="0" smtClean="0"/>
+              <a:t>adder</a:t>
+            </a:r>
+            <a:r>
+              <a:rPr lang="en-GB" dirty="0" smtClean="0"/>
+              <a:t> test for more details</a:t>
+            </a:r>
+          </a:p>
+          <a:p>
+            <a:pPr lvl="1"/>
+            <a:r>
+              <a:rPr lang="en-GB" dirty="0" smtClean="0"/>
+              <a:t>Resulting vector from the output of the add_sub2 via the output stream interface st_out1 is written to the Pool</a:t>
+            </a:r>
+          </a:p>
+          <a:p>
+            <a:pPr lvl="1"/>
             <a:endParaRPr lang="en-GB" dirty="0" smtClean="0"/>
           </a:p>
         </p:txBody>
@@ -3789,16 +3991,8 @@
           <a:lstStyle/>
           <a:p>
             <a:r>
-              <a:rPr lang="en-GB" dirty="0" smtClean="0"/>
-              <a:t>RTL Code and </a:t>
-            </a:r>
-            <a:r>
               <a:rPr lang="en-GB" dirty="0" err="1" smtClean="0"/>
-              <a:t>Testbench</a:t>
-            </a:r>
-            <a:r>
-              <a:rPr lang="en-GB" dirty="0" smtClean="0"/>
-              <a:t> Generator</a:t>
+              <a:t>adder_stream</a:t>
             </a:r>
             <a:endParaRPr lang="en-US" dirty="0"/>
           </a:p>
@@ -3806,7 +4000,7 @@
       </p:sp>
       <p:sp>
         <p:nvSpPr>
-          <p:cNvPr id="3" name="Content Placeholder 2"/>
+          <p:cNvPr id="7" name="Content Placeholder 6"/>
           <p:cNvSpPr>
             <a:spLocks noGrp="1"/>
           </p:cNvSpPr>
@@ -3814,83 +4008,51 @@
             <p:ph idx="1"/>
           </p:nvPr>
         </p:nvSpPr>
-        <p:spPr>
+        <p:spPr/>
+        <p:txBody>
+          <a:bodyPr/>
+          <a:lstStyle/>
+          <a:p>
+            <a:r>
+              <a:rPr lang="en-GB" dirty="0" smtClean="0"/>
+              <a:t>Scalar core initiates vector transfers which correspond to slot1. </a:t>
+            </a:r>
+          </a:p>
+        </p:txBody>
+      </p:sp>
+      <p:pic>
+        <p:nvPicPr>
+          <p:cNvPr id="33798" name="Picture 6"/>
+          <p:cNvPicPr>
+            <a:picLocks noChangeAspect="1" noChangeArrowheads="1"/>
+          </p:cNvPicPr>
+          <p:nvPr/>
+        </p:nvPicPr>
+        <p:blipFill>
+          <a:blip r:embed="rId2"/>
+          <a:srcRect/>
+          <a:stretch>
+            <a:fillRect/>
+          </a:stretch>
+        </p:blipFill>
+        <p:spPr bwMode="auto">
           <a:xfrm>
-            <a:off x="457200" y="1600200"/>
-            <a:ext cx="8229600" cy="4724400"/>
+            <a:off x="2400300" y="3267075"/>
+            <a:ext cx="4343400" cy="2447925"/>
           </a:xfrm>
+          <a:prstGeom prst="rect">
+            <a:avLst/>
+          </a:prstGeom>
+          <a:noFill/>
+          <a:ln w="9525">
+            <a:noFill/>
+            <a:miter lim="800000"/>
+            <a:headEnd/>
+            <a:tailEnd/>
+          </a:ln>
+          <a:effectLst/>
         </p:spPr>
-        <p:txBody>
-          <a:bodyPr>
-            <a:normAutofit fontScale="92500" lnSpcReduction="10000"/>
-          </a:bodyPr>
-          <a:lstStyle/>
-          <a:p>
-            <a:r>
-              <a:rPr lang="en-GB" dirty="0" smtClean="0"/>
-              <a:t>Generate RTL code on the basis of the initial preferences and runtime statistics</a:t>
-            </a:r>
-          </a:p>
-          <a:p>
-            <a:pPr lvl="1"/>
-            <a:r>
-              <a:rPr lang="en-GB" dirty="0" smtClean="0"/>
-              <a:t>Generate vector core and parameters for XBAR, DMs and EUs</a:t>
-            </a:r>
-          </a:p>
-          <a:p>
-            <a:r>
-              <a:rPr lang="en-GB" dirty="0" smtClean="0"/>
-              <a:t>Use VRI interfaces or modules </a:t>
-            </a:r>
-          </a:p>
-          <a:p>
-            <a:pPr lvl="1"/>
-            <a:r>
-              <a:rPr lang="en-GB" dirty="0" smtClean="0"/>
-              <a:t>Data injection</a:t>
-            </a:r>
-          </a:p>
-          <a:p>
-            <a:pPr lvl="1"/>
-            <a:r>
-              <a:rPr lang="en-GB" dirty="0" smtClean="0"/>
-              <a:t>Data pickup</a:t>
-            </a:r>
-          </a:p>
-          <a:p>
-            <a:pPr lvl="1"/>
-            <a:r>
-              <a:rPr lang="en-GB" dirty="0" smtClean="0"/>
-              <a:t>VRI protocol assertions</a:t>
-            </a:r>
-          </a:p>
-          <a:p>
-            <a:r>
-              <a:rPr lang="en-GB" dirty="0" smtClean="0"/>
-              <a:t>Generate </a:t>
-            </a:r>
-            <a:r>
-              <a:rPr lang="en-GB" dirty="0" err="1" smtClean="0"/>
-              <a:t>testbench</a:t>
-            </a:r>
-            <a:endParaRPr lang="en-GB" dirty="0" smtClean="0"/>
-          </a:p>
-          <a:p>
-            <a:pPr lvl="1"/>
-            <a:r>
-              <a:rPr lang="en-GB" dirty="0" smtClean="0"/>
-              <a:t>Verifies system integration of the vector core</a:t>
-            </a:r>
-          </a:p>
-          <a:p>
-            <a:pPr lvl="2">
-              <a:buNone/>
-            </a:pPr>
-            <a:endParaRPr lang="en-GB" dirty="0" smtClean="0"/>
-          </a:p>
-        </p:txBody>
-      </p:sp>
+      </p:pic>
     </p:spTree>
   </p:cSld>
   <p:clrMapOvr>
@@ -3928,14 +4090,12 @@
         </p:nvSpPr>
         <p:spPr/>
         <p:txBody>
-          <a:bodyPr>
-            <a:normAutofit fontScale="90000"/>
-          </a:bodyPr>
-          <a:lstStyle/>
-          <a:p>
-            <a:r>
-              <a:rPr lang="en-GB" dirty="0" smtClean="0"/>
-              <a:t>Common Pool of Address Generators for DMs</a:t>
+          <a:bodyPr/>
+          <a:lstStyle/>
+          <a:p>
+            <a:r>
+              <a:rPr lang="en-GB" dirty="0" err="1" smtClean="0"/>
+              <a:t>adder_cache</a:t>
             </a:r>
             <a:endParaRPr lang="en-US" dirty="0"/>
           </a:p>
@@ -3954,19 +4114,51 @@
         <p:spPr>
           <a:xfrm>
             <a:off x="457200" y="1600200"/>
-            <a:ext cx="8229600" cy="4724400"/>
+            <a:ext cx="8229600" cy="4343400"/>
           </a:xfrm>
         </p:spPr>
         <p:txBody>
           <a:bodyPr>
-            <a:normAutofit/>
+            <a:normAutofit fontScale="92500" lnSpcReduction="10000"/>
           </a:bodyPr>
           <a:lstStyle/>
           <a:p>
             <a:r>
               <a:rPr lang="en-US" dirty="0" smtClean="0"/>
-              <a:t>Additional cross-bar switch (AG -&gt; 4way DMs) can make the area savings negligible</a:t>
-            </a:r>
+              <a:t>Example of the basic system design</a:t>
+            </a:r>
+            <a:r>
+              <a:rPr lang="en-GB" dirty="0" smtClean="0"/>
+              <a:t> with the synchronized operation of the Data Memories, Computational Units and Streaming I/O Devices</a:t>
+            </a:r>
+          </a:p>
+          <a:p>
+            <a:r>
+              <a:rPr lang="en-GB" dirty="0" smtClean="0"/>
+              <a:t>The test checks</a:t>
+            </a:r>
+          </a:p>
+          <a:p>
+            <a:pPr lvl="1"/>
+            <a:r>
+              <a:rPr lang="en-GB" dirty="0" smtClean="0"/>
+              <a:t>Overall system integration</a:t>
+            </a:r>
+          </a:p>
+          <a:p>
+            <a:pPr lvl="1"/>
+            <a:r>
+              <a:rPr lang="en-GB" dirty="0" smtClean="0"/>
+              <a:t>Development complexity</a:t>
+            </a:r>
+          </a:p>
+          <a:p>
+            <a:r>
+              <a:rPr lang="en-GB" dirty="0" smtClean="0"/>
+              <a:t>Test runs continuously with the constraint random VRI parameters and streaming device timings for 1 ms</a:t>
+            </a:r>
+          </a:p>
+          <a:p>
             <a:endParaRPr lang="en-GB" dirty="0" smtClean="0"/>
           </a:p>
         </p:txBody>
@@ -4008,14 +4200,12 @@
         </p:nvSpPr>
         <p:spPr/>
         <p:txBody>
-          <a:bodyPr>
-            <a:normAutofit fontScale="90000"/>
-          </a:bodyPr>
-          <a:lstStyle/>
-          <a:p>
-            <a:r>
-              <a:rPr lang="en-GB" dirty="0" smtClean="0"/>
-              <a:t>Debug Interface for the Vector Core</a:t>
+          <a:bodyPr/>
+          <a:lstStyle/>
+          <a:p>
+            <a:r>
+              <a:rPr lang="en-GB" dirty="0" err="1" smtClean="0"/>
+              <a:t>adder_cache</a:t>
             </a:r>
             <a:endParaRPr lang="en-US" dirty="0"/>
           </a:p>
@@ -4034,18 +4224,42 @@
         <p:spPr>
           <a:xfrm>
             <a:off x="457200" y="1600200"/>
-            <a:ext cx="8229600" cy="4724400"/>
+            <a:ext cx="8229600" cy="4419600"/>
           </a:xfrm>
         </p:spPr>
         <p:txBody>
           <a:bodyPr>
-            <a:normAutofit/>
+            <a:normAutofit fontScale="70000" lnSpcReduction="20000"/>
           </a:bodyPr>
           <a:lstStyle/>
           <a:p>
             <a:r>
               <a:rPr lang="en-GB" dirty="0" smtClean="0"/>
-              <a:t>Debug Interface for the Vector Core</a:t>
+              <a:t>Input Vectors, which reside in the Data Pool, are written into the DM blocks at the operational rate of the Input Stream Interfaces. </a:t>
+            </a:r>
+          </a:p>
+          <a:p>
+            <a:r>
+              <a:rPr lang="en-GB" dirty="0" smtClean="0"/>
+              <a:t>Execution Units process data at a full rate from the memory blocks and the Output Vector is written into the destination memory block. </a:t>
+            </a:r>
+          </a:p>
+          <a:p>
+            <a:r>
+              <a:rPr lang="en-GB" dirty="0" smtClean="0"/>
+              <a:t>The Output Vector from the destination memory block is written to the Data Pool at the operational rate of the Output Stream Interface</a:t>
+            </a:r>
+          </a:p>
+          <a:p>
+            <a:r>
+              <a:rPr lang="en-GB" dirty="0" smtClean="0"/>
+              <a:t>This arrangement decouples the utilization rate of the Execution Units from the throughput of the Stream Interfaces. Execution Units can be used in other processing chains while not busy processing the Input Vectors.</a:t>
+            </a:r>
+          </a:p>
+          <a:p>
+            <a:r>
+              <a:rPr lang="en-GB" dirty="0" smtClean="0"/>
+              <a:t>These operations are controlled from the Scalar Core</a:t>
             </a:r>
           </a:p>
         </p:txBody>
@@ -4087,14 +4301,12 @@
         </p:nvSpPr>
         <p:spPr/>
         <p:txBody>
-          <a:bodyPr>
-            <a:normAutofit/>
-          </a:bodyPr>
-          <a:lstStyle/>
-          <a:p>
-            <a:r>
-              <a:rPr lang="en-GB" dirty="0" smtClean="0"/>
-              <a:t>FXP</a:t>
+          <a:bodyPr/>
+          <a:lstStyle/>
+          <a:p>
+            <a:r>
+              <a:rPr lang="en-GB" dirty="0" err="1" smtClean="0"/>
+              <a:t>adder_cache</a:t>
             </a:r>
             <a:endParaRPr lang="en-US" dirty="0"/>
           </a:p>
@@ -4113,19 +4325,230 @@
         <p:spPr>
           <a:xfrm>
             <a:off x="457200" y="1600200"/>
-            <a:ext cx="8229600" cy="4724400"/>
+            <a:ext cx="8229600" cy="4343400"/>
           </a:xfrm>
         </p:spPr>
         <p:txBody>
           <a:bodyPr>
-            <a:normAutofit/>
+            <a:normAutofit fontScale="85000" lnSpcReduction="20000"/>
           </a:bodyPr>
           <a:lstStyle/>
           <a:p>
             <a:r>
-              <a:rPr lang="en-GB" dirty="0" smtClean="0"/>
-              <a:t>FXP</a:t>
-            </a:r>
+              <a:rPr lang="en-US" dirty="0" smtClean="0"/>
+              <a:t>Clean </a:t>
+            </a:r>
+          </a:p>
+          <a:p>
+            <a:pPr>
+              <a:buNone/>
+            </a:pPr>
+            <a:r>
+              <a:rPr lang="en-US" sz="2400" dirty="0" smtClean="0">
+                <a:latin typeface="Consolas" pitchFamily="49" charset="0"/>
+                <a:cs typeface="Consolas" pitchFamily="49" charset="0"/>
+              </a:rPr>
+              <a:t>make EXAMPLE=basic/</a:t>
+            </a:r>
+            <a:r>
+              <a:rPr lang="en-US" sz="2400" dirty="0" err="1" smtClean="0">
+                <a:latin typeface="Consolas" pitchFamily="49" charset="0"/>
+                <a:cs typeface="Consolas" pitchFamily="49" charset="0"/>
+              </a:rPr>
+              <a:t>adder_cache</a:t>
+            </a:r>
+            <a:r>
+              <a:rPr lang="en-US" sz="2400" dirty="0" smtClean="0">
+                <a:latin typeface="Consolas" pitchFamily="49" charset="0"/>
+                <a:cs typeface="Consolas" pitchFamily="49" charset="0"/>
+              </a:rPr>
+              <a:t> clean </a:t>
+            </a:r>
+          </a:p>
+          <a:p>
+            <a:r>
+              <a:rPr lang="en-US" dirty="0" smtClean="0"/>
+              <a:t>Build  </a:t>
+            </a:r>
+          </a:p>
+          <a:p>
+            <a:pPr>
+              <a:buNone/>
+            </a:pPr>
+            <a:r>
+              <a:rPr lang="en-US" sz="2400" dirty="0" smtClean="0">
+                <a:latin typeface="Consolas" pitchFamily="49" charset="0"/>
+                <a:cs typeface="Consolas" pitchFamily="49" charset="0"/>
+              </a:rPr>
+              <a:t>make EXAMPLE=basic/</a:t>
+            </a:r>
+            <a:r>
+              <a:rPr lang="en-US" sz="2400" dirty="0" err="1" smtClean="0">
+                <a:latin typeface="Consolas" pitchFamily="49" charset="0"/>
+                <a:cs typeface="Consolas" pitchFamily="49" charset="0"/>
+              </a:rPr>
+              <a:t>adder_cache</a:t>
+            </a:r>
+            <a:r>
+              <a:rPr lang="en-US" sz="2400" dirty="0" smtClean="0">
+                <a:latin typeface="Consolas" pitchFamily="49" charset="0"/>
+                <a:cs typeface="Consolas" pitchFamily="49" charset="0"/>
+              </a:rPr>
+              <a:t> all </a:t>
+            </a:r>
+          </a:p>
+          <a:p>
+            <a:r>
+              <a:rPr lang="en-US" dirty="0" smtClean="0"/>
+              <a:t>Generate initialization .mat file  </a:t>
+            </a:r>
+          </a:p>
+          <a:p>
+            <a:pPr>
+              <a:buNone/>
+            </a:pPr>
+            <a:r>
+              <a:rPr lang="en-GB" sz="2400" dirty="0" smtClean="0">
+                <a:latin typeface="Consolas" pitchFamily="49" charset="0"/>
+                <a:cs typeface="Consolas" pitchFamily="49" charset="0"/>
+              </a:rPr>
+              <a:t>Execute ./examples/basic/adder_</a:t>
+            </a:r>
+            <a:r>
+              <a:rPr lang="en-US" sz="2400" dirty="0" smtClean="0">
+                <a:latin typeface="Consolas" pitchFamily="49" charset="0"/>
+                <a:cs typeface="Consolas" pitchFamily="49" charset="0"/>
+              </a:rPr>
+              <a:t>cache</a:t>
+            </a:r>
+            <a:r>
+              <a:rPr lang="en-GB" sz="2400" dirty="0" smtClean="0">
+                <a:latin typeface="Consolas" pitchFamily="49" charset="0"/>
+                <a:cs typeface="Consolas" pitchFamily="49" charset="0"/>
+              </a:rPr>
+              <a:t>/mat/</a:t>
+            </a:r>
+            <a:r>
+              <a:rPr lang="en-GB" sz="2400" dirty="0" err="1" smtClean="0">
+                <a:latin typeface="Consolas" pitchFamily="49" charset="0"/>
+                <a:cs typeface="Consolas" pitchFamily="49" charset="0"/>
+              </a:rPr>
+              <a:t>seg_init.m</a:t>
+            </a:r>
+            <a:endParaRPr lang="en-GB" sz="2400" dirty="0" smtClean="0">
+              <a:latin typeface="Consolas" pitchFamily="49" charset="0"/>
+              <a:cs typeface="Consolas" pitchFamily="49" charset="0"/>
+            </a:endParaRPr>
+          </a:p>
+          <a:p>
+            <a:pPr>
+              <a:buNone/>
+            </a:pPr>
+            <a:r>
+              <a:rPr lang="en-GB" sz="2400" dirty="0" smtClean="0">
+                <a:latin typeface="Consolas" pitchFamily="49" charset="0"/>
+                <a:cs typeface="Consolas" pitchFamily="49" charset="0"/>
+              </a:rPr>
+              <a:t>which generates file</a:t>
+            </a:r>
+          </a:p>
+          <a:p>
+            <a:pPr>
+              <a:buNone/>
+            </a:pPr>
+            <a:r>
+              <a:rPr lang="en-GB" sz="2400" dirty="0" smtClean="0">
+                <a:latin typeface="Consolas" pitchFamily="49" charset="0"/>
+                <a:cs typeface="Consolas" pitchFamily="49" charset="0"/>
+              </a:rPr>
+              <a:t>./examples/basic/adder_</a:t>
+            </a:r>
+            <a:r>
+              <a:rPr lang="en-US" sz="2400" dirty="0" smtClean="0">
+                <a:latin typeface="Consolas" pitchFamily="49" charset="0"/>
+                <a:cs typeface="Consolas" pitchFamily="49" charset="0"/>
+              </a:rPr>
+              <a:t>cache</a:t>
+            </a:r>
+            <a:r>
+              <a:rPr lang="en-GB" sz="2400" dirty="0" smtClean="0">
+                <a:latin typeface="Consolas" pitchFamily="49" charset="0"/>
+                <a:cs typeface="Consolas" pitchFamily="49" charset="0"/>
+              </a:rPr>
+              <a:t>/mat/seg_init.mat</a:t>
+            </a:r>
+            <a:endParaRPr lang="en-US" sz="2400" dirty="0" smtClean="0">
+              <a:latin typeface="Consolas" pitchFamily="49" charset="0"/>
+              <a:cs typeface="Consolas" pitchFamily="49" charset="0"/>
+            </a:endParaRPr>
+          </a:p>
+          <a:p>
+            <a:r>
+              <a:rPr lang="en-US" dirty="0" smtClean="0"/>
+              <a:t>Run</a:t>
+            </a:r>
+          </a:p>
+          <a:p>
+            <a:pPr>
+              <a:buNone/>
+            </a:pPr>
+            <a:r>
+              <a:rPr lang="en-US" sz="2400" dirty="0" smtClean="0">
+                <a:latin typeface="Consolas" pitchFamily="49" charset="0"/>
+                <a:cs typeface="Consolas" pitchFamily="49" charset="0"/>
+              </a:rPr>
+              <a:t>./build/Release/out/</a:t>
+            </a:r>
+            <a:r>
+              <a:rPr lang="en-US" sz="2400" dirty="0" err="1" smtClean="0">
+                <a:latin typeface="Consolas" pitchFamily="49" charset="0"/>
+                <a:cs typeface="Consolas" pitchFamily="49" charset="0"/>
+              </a:rPr>
+              <a:t>simsimd</a:t>
+            </a:r>
+            <a:r>
+              <a:rPr lang="en-US" sz="2400" dirty="0" smtClean="0">
+                <a:latin typeface="Consolas" pitchFamily="49" charset="0"/>
+                <a:cs typeface="Consolas" pitchFamily="49" charset="0"/>
+              </a:rPr>
+              <a:t> </a:t>
+            </a:r>
+          </a:p>
+          <a:p>
+            <a:r>
+              <a:rPr lang="en-US" dirty="0" smtClean="0"/>
+              <a:t>Inspect the result: </a:t>
+            </a:r>
+          </a:p>
+          <a:p>
+            <a:pPr>
+              <a:buNone/>
+            </a:pPr>
+            <a:r>
+              <a:rPr lang="en-US" sz="2400" dirty="0" smtClean="0">
+                <a:latin typeface="Consolas" pitchFamily="49" charset="0"/>
+                <a:cs typeface="Consolas" pitchFamily="49" charset="0"/>
+              </a:rPr>
+              <a:t>In </a:t>
+            </a:r>
+            <a:r>
+              <a:rPr lang="en-US" sz="2400" dirty="0" err="1" smtClean="0">
+                <a:latin typeface="Consolas" pitchFamily="49" charset="0"/>
+                <a:cs typeface="Consolas" pitchFamily="49" charset="0"/>
+              </a:rPr>
+              <a:t>gtkwave</a:t>
+            </a:r>
+            <a:r>
+              <a:rPr lang="en-US" sz="2400" dirty="0" smtClean="0">
+                <a:latin typeface="Consolas" pitchFamily="49" charset="0"/>
+                <a:cs typeface="Consolas" pitchFamily="49" charset="0"/>
+              </a:rPr>
+              <a:t> File-&gt;Open New Window-&gt;trace.vcd</a:t>
+            </a:r>
+            <a:endParaRPr lang="en-GB" sz="2400" dirty="0" smtClean="0">
+              <a:latin typeface="Consolas" pitchFamily="49" charset="0"/>
+              <a:cs typeface="Consolas" pitchFamily="49" charset="0"/>
+            </a:endParaRPr>
           </a:p>
         </p:txBody>
       </p:sp>
@@ -4170,9 +4593,124 @@
           <a:lstStyle/>
           <a:p>
             <a:r>
-              <a:rPr lang="en-GB" dirty="0" smtClean="0"/>
-              <a:t>References</a:t>
-            </a:r>
+              <a:rPr lang="en-GB" dirty="0" err="1" smtClean="0"/>
+              <a:t>adder_cache</a:t>
+            </a:r>
+            <a:endParaRPr lang="en-US" dirty="0"/>
+          </a:p>
+        </p:txBody>
+      </p:sp>
+      <p:sp>
+        <p:nvSpPr>
+          <p:cNvPr id="3" name="Content Placeholder 2"/>
+          <p:cNvSpPr>
+            <a:spLocks noGrp="1"/>
+          </p:cNvSpPr>
+          <p:nvPr>
+            <p:ph idx="1"/>
+          </p:nvPr>
+        </p:nvSpPr>
+        <p:spPr>
+          <a:xfrm>
+            <a:off x="457200" y="1600200"/>
+            <a:ext cx="8229600" cy="4648200"/>
+          </a:xfrm>
+        </p:spPr>
+        <p:txBody>
+          <a:bodyPr>
+            <a:normAutofit fontScale="62500" lnSpcReduction="20000"/>
+          </a:bodyPr>
+          <a:lstStyle/>
+          <a:p>
+            <a:r>
+              <a:rPr lang="en-GB" dirty="0" smtClean="0"/>
+              <a:t>Create 3 segments in the Pool:</a:t>
+            </a:r>
+          </a:p>
+          <a:p>
+            <a:pPr lvl="1"/>
+            <a:r>
+              <a:rPr lang="en-GB" dirty="0" smtClean="0"/>
+              <a:t>seg_rd0 with 2 regions initialized from file </a:t>
+            </a:r>
+          </a:p>
+          <a:p>
+            <a:pPr lvl="1"/>
+            <a:r>
+              <a:rPr lang="en-GB" dirty="0" smtClean="0"/>
+              <a:t>seg_rd1 with 2 regions initialized from file</a:t>
+            </a:r>
+          </a:p>
+          <a:p>
+            <a:pPr lvl="1"/>
+            <a:r>
+              <a:rPr lang="en-GB" dirty="0" smtClean="0"/>
+              <a:t>Uninitialized seg_wr0</a:t>
+            </a:r>
+          </a:p>
+          <a:p>
+            <a:r>
+              <a:rPr lang="en-GB" dirty="0" smtClean="0"/>
+              <a:t>4 configuration slots are configured: </a:t>
+            </a:r>
+          </a:p>
+          <a:p>
+            <a:pPr marL="971550" lvl="1" indent="-514350">
+              <a:buAutoNum type="arabicPeriod"/>
+            </a:pPr>
+            <a:r>
+              <a:rPr lang="en-GB" dirty="0" smtClean="0"/>
+              <a:t>2 Data Vectors are read from the Pool with the input stream interfaces sti_1 and sti_2 and written into memory blocks dm_1 and dm_2 respectively</a:t>
+            </a:r>
+          </a:p>
+          <a:p>
+            <a:pPr marL="971550" lvl="1" indent="-514350">
+              <a:buFont typeface="Arial" pitchFamily="34" charset="0"/>
+              <a:buAutoNum type="arabicPeriod"/>
+            </a:pPr>
+            <a:r>
+              <a:rPr lang="en-GB" dirty="0" smtClean="0"/>
+              <a:t>Data Vectors are read from dm_1 and dm_2 and processed with add_sub1 and add_sub2 blocks. See the </a:t>
+            </a:r>
+            <a:r>
+              <a:rPr lang="en-GB" b="1" dirty="0" smtClean="0"/>
+              <a:t>adder</a:t>
+            </a:r>
+            <a:r>
+              <a:rPr lang="en-GB" dirty="0" smtClean="0"/>
+              <a:t> test for more details. The resulting vector from the output of the add_sub2 is written into the memory block dm_3.</a:t>
+            </a:r>
+          </a:p>
+          <a:p>
+            <a:pPr marL="971550" lvl="1" indent="-514350">
+              <a:buFont typeface="Arial" pitchFamily="34" charset="0"/>
+              <a:buAutoNum type="arabicPeriod"/>
+            </a:pPr>
+            <a:r>
+              <a:rPr lang="en-GB" dirty="0" smtClean="0"/>
+              <a:t>The resulting vector is read from dm_3 and written into the pool segment seg_wr0 with the output stream interface sto_1. Simultaneously 2 Data Vectors are read from the Pool with the input stream interfaces sti_1 and sti_2 and written into memory blocks dm_1 and dm_2 respectively</a:t>
+            </a:r>
+          </a:p>
+          <a:p>
+            <a:pPr marL="971550" lvl="1" indent="-514350">
+              <a:buAutoNum type="arabicPeriod"/>
+            </a:pPr>
+            <a:r>
+              <a:rPr lang="en-GB" dirty="0" smtClean="0"/>
+              <a:t>The resulting vector is read from dm_3 and written into the pool segment seg_wr0 with the output stream interface sto_1.</a:t>
+            </a:r>
+          </a:p>
+          <a:p>
+            <a:pPr marL="571500" indent="-514350"/>
+            <a:r>
+              <a:rPr lang="en-GB" dirty="0" smtClean="0"/>
+              <a:t>Slot execution sequence: 1-2-3-2-3-2-3-..-2-4</a:t>
+            </a:r>
+            <a:endParaRPr lang="en-GB" dirty="0" smtClean="0">
+              <a:solidFill>
+                <a:srgbClr val="FF0000"/>
+              </a:solidFill>
+            </a:endParaRPr>
           </a:p>
         </p:txBody>
       </p:sp>
@@ -4217,8 +4755,8 @@
           <a:lstStyle/>
           <a:p>
             <a:r>
-              <a:rPr lang="en-GB" dirty="0" smtClean="0"/>
-              <a:t>Source Code and Documentation</a:t>
+              <a:rPr lang="en-GB" dirty="0" err="1" smtClean="0"/>
+              <a:t>adder_cache</a:t>
             </a:r>
             <a:endParaRPr lang="en-US" dirty="0"/>
           </a:p>
@@ -4234,78 +4772,109 @@
             <p:ph idx="1"/>
           </p:nvPr>
         </p:nvSpPr>
-        <p:spPr/>
+        <p:spPr>
+          <a:xfrm>
+            <a:off x="457200" y="1600200"/>
+            <a:ext cx="8229600" cy="4648200"/>
+          </a:xfrm>
+        </p:spPr>
         <p:txBody>
           <a:bodyPr>
             <a:normAutofit/>
           </a:bodyPr>
           <a:lstStyle/>
           <a:p>
-            <a:r>
-              <a:rPr lang="en-US" dirty="0" smtClean="0"/>
-              <a:t>Simulation framework for Application Specific Vector Processor:</a:t>
-            </a:r>
             <a:endParaRPr lang="en-GB" dirty="0" smtClean="0"/>
           </a:p>
           <a:p>
-            <a:pPr lvl="1">
-              <a:buNone/>
-            </a:pPr>
-            <a:r>
-              <a:rPr lang="en-US" dirty="0" smtClean="0">
-                <a:hlinkClick r:id="rId2"/>
-              </a:rPr>
-              <a:t>https://github.com/timurkelin/simsimd</a:t>
-            </a:r>
+            <a:r>
+              <a:rPr lang="en-GB" dirty="0" smtClean="0"/>
+              <a:t>Slot 2</a:t>
+            </a:r>
+          </a:p>
+          <a:p>
             <a:endParaRPr lang="en-GB" dirty="0" smtClean="0"/>
           </a:p>
           <a:p>
-            <a:pPr>
-              <a:buNone/>
-            </a:pPr>
-            <a:endParaRPr lang="en-US" dirty="0" smtClean="0"/>
-          </a:p>
-          <a:p>
-            <a:r>
-              <a:rPr lang="en-US" dirty="0" err="1" smtClean="0"/>
-              <a:t>simSCHD</a:t>
-            </a:r>
-            <a:r>
-              <a:rPr lang="en-US" dirty="0" smtClean="0"/>
-              <a:t> and </a:t>
-            </a:r>
-            <a:r>
-              <a:rPr lang="en-US" dirty="0" err="1" smtClean="0"/>
-              <a:t>simSIMD</a:t>
-            </a:r>
-            <a:r>
-              <a:rPr lang="en-US" dirty="0" smtClean="0"/>
-              <a:t> Co-simulation environment:</a:t>
-            </a:r>
-            <a:endParaRPr lang="en-US" dirty="0" smtClean="0">
-              <a:hlinkClick r:id="rId3"/>
-            </a:endParaRPr>
-          </a:p>
-          <a:p>
-            <a:pPr lvl="1">
-              <a:buNone/>
-            </a:pPr>
-            <a:r>
-              <a:rPr lang="en-US" dirty="0" smtClean="0">
-                <a:hlinkClick r:id="rId3"/>
-              </a:rPr>
-              <a:t>https://github.com/timurkelin/cosim</a:t>
-            </a:r>
-            <a:endParaRPr lang="en-US" dirty="0" smtClean="0"/>
-          </a:p>
-          <a:p>
-            <a:pPr>
-              <a:buNone/>
-            </a:pPr>
             <a:endParaRPr lang="en-GB" dirty="0" smtClean="0"/>
           </a:p>
-        </p:txBody>
-      </p:sp>
+          <a:p>
+            <a:endParaRPr lang="en-GB" dirty="0" smtClean="0"/>
+          </a:p>
+          <a:p>
+            <a:r>
+              <a:rPr lang="en-GB" dirty="0" smtClean="0"/>
+              <a:t>Slot 3</a:t>
+            </a:r>
+          </a:p>
+        </p:txBody>
+      </p:sp>
+      <p:pic>
+        <p:nvPicPr>
+          <p:cNvPr id="36866" name="Picture 2"/>
+          <p:cNvPicPr>
+            <a:picLocks noChangeAspect="1" noChangeArrowheads="1"/>
+          </p:cNvPicPr>
+          <p:nvPr/>
+        </p:nvPicPr>
+        <p:blipFill>
+          <a:blip r:embed="rId2"/>
+          <a:srcRect/>
+          <a:stretch>
+            <a:fillRect/>
+          </a:stretch>
+        </p:blipFill>
+        <p:spPr bwMode="auto">
+          <a:xfrm>
+            <a:off x="2362200" y="1524000"/>
+            <a:ext cx="5600700" cy="2362200"/>
+          </a:xfrm>
+          <a:prstGeom prst="rect">
+            <a:avLst/>
+          </a:prstGeom>
+          <a:noFill/>
+          <a:ln w="9525">
+            <a:noFill/>
+            <a:miter lim="800000"/>
+            <a:headEnd/>
+            <a:tailEnd/>
+          </a:ln>
+          <a:effectLst/>
+        </p:spPr>
+      </p:pic>
+      <p:pic>
+        <p:nvPicPr>
+          <p:cNvPr id="36867" name="Picture 3"/>
+          <p:cNvPicPr>
+            <a:picLocks noChangeAspect="1" noChangeArrowheads="1"/>
+          </p:cNvPicPr>
+          <p:nvPr/>
+        </p:nvPicPr>
+        <p:blipFill>
+          <a:blip r:embed="rId3"/>
+          <a:srcRect/>
+          <a:stretch>
+            <a:fillRect/>
+          </a:stretch>
+        </p:blipFill>
+        <p:spPr bwMode="auto">
+          <a:xfrm>
+            <a:off x="2362200" y="4114800"/>
+            <a:ext cx="5600700" cy="2362200"/>
+          </a:xfrm>
+          <a:prstGeom prst="rect">
+            <a:avLst/>
+          </a:prstGeom>
+          <a:noFill/>
+          <a:ln w="9525">
+            <a:noFill/>
+            <a:miter lim="800000"/>
+            <a:headEnd/>
+            <a:tailEnd/>
+          </a:ln>
+          <a:effectLst/>
+        </p:spPr>
+      </p:pic>
     </p:spTree>
   </p:cSld>
   <p:clrMapOvr>
@@ -4348,163 +4917,7 @@
           <a:p>
             <a:r>
               <a:rPr lang="en-GB" dirty="0" smtClean="0"/>
-              <a:t>Books, Papers and Presentations</a:t>
-            </a:r>
-            <a:endParaRPr lang="en-US" dirty="0"/>
-          </a:p>
-        </p:txBody>
-      </p:sp>
-      <p:sp>
-        <p:nvSpPr>
-          <p:cNvPr id="3" name="Content Placeholder 2"/>
-          <p:cNvSpPr>
-            <a:spLocks noGrp="1"/>
-          </p:cNvSpPr>
-          <p:nvPr>
-            <p:ph idx="1"/>
-          </p:nvPr>
-        </p:nvSpPr>
-        <p:spPr/>
-        <p:txBody>
-          <a:bodyPr>
-            <a:normAutofit lnSpcReduction="10000"/>
-          </a:bodyPr>
-          <a:lstStyle/>
-          <a:p>
-            <a:pPr>
-              <a:buNone/>
-            </a:pPr>
-            <a:r>
-              <a:rPr lang="en-US" dirty="0" smtClean="0"/>
-              <a:t>[1] Bridging dream and reality: Programmable </a:t>
-            </a:r>
-          </a:p>
-          <a:p>
-            <a:pPr>
-              <a:buNone/>
-            </a:pPr>
-            <a:r>
-              <a:rPr lang="en-US" dirty="0" smtClean="0"/>
-              <a:t>baseband processors for software-defined radio,</a:t>
-            </a:r>
-          </a:p>
-          <a:p>
-            <a:pPr>
-              <a:buNone/>
-            </a:pPr>
-            <a:r>
-              <a:rPr lang="en-US" dirty="0" err="1" smtClean="0"/>
-              <a:t>D.Liu</a:t>
-            </a:r>
-            <a:r>
-              <a:rPr lang="en-US" dirty="0" smtClean="0"/>
-              <a:t>, </a:t>
-            </a:r>
-            <a:r>
-              <a:rPr lang="en-US" dirty="0" err="1" smtClean="0"/>
-              <a:t>A.Nilsson</a:t>
-            </a:r>
-            <a:r>
-              <a:rPr lang="en-US" dirty="0" smtClean="0"/>
-              <a:t>, </a:t>
-            </a:r>
-            <a:r>
-              <a:rPr lang="en-US" dirty="0" err="1" smtClean="0"/>
-              <a:t>E.Tell</a:t>
-            </a:r>
-            <a:r>
-              <a:rPr lang="en-US" dirty="0" smtClean="0"/>
-              <a:t>, </a:t>
-            </a:r>
-            <a:r>
-              <a:rPr lang="en-US" dirty="0" err="1" smtClean="0"/>
-              <a:t>D.Wu</a:t>
-            </a:r>
-            <a:r>
-              <a:rPr lang="en-US" dirty="0" smtClean="0"/>
-              <a:t>, </a:t>
-            </a:r>
-            <a:r>
-              <a:rPr lang="en-US" dirty="0" err="1" smtClean="0"/>
-              <a:t>J.Eilert</a:t>
-            </a:r>
-            <a:r>
-              <a:rPr lang="en-US" dirty="0" smtClean="0"/>
-              <a:t> </a:t>
-            </a:r>
-          </a:p>
-          <a:p>
-            <a:pPr>
-              <a:buNone/>
-            </a:pPr>
-            <a:r>
-              <a:rPr lang="fr-FR" dirty="0" smtClean="0"/>
-              <a:t>IEEE Communications Magazine 47 (9), 134-140</a:t>
-            </a:r>
-            <a:endParaRPr lang="en-US" dirty="0" smtClean="0"/>
-          </a:p>
-          <a:p>
-            <a:pPr>
-              <a:buNone/>
-            </a:pPr>
-            <a:r>
-              <a:rPr lang="en-GB" dirty="0" smtClean="0"/>
-              <a:t>[2] </a:t>
-            </a:r>
-            <a:r>
-              <a:rPr lang="en-US" dirty="0" err="1" smtClean="0"/>
-              <a:t>Microarchitecture</a:t>
-            </a:r>
-            <a:r>
-              <a:rPr lang="en-US" dirty="0" smtClean="0"/>
-              <a:t> of Network-on-Chip</a:t>
-            </a:r>
-          </a:p>
-          <a:p>
-            <a:pPr>
-              <a:buNone/>
-            </a:pPr>
-            <a:r>
-              <a:rPr lang="en-US" dirty="0" smtClean="0"/>
-              <a:t>Routers, A Designer’s Perspective</a:t>
-            </a:r>
-          </a:p>
-          <a:p>
-            <a:pPr>
-              <a:buNone/>
-            </a:pPr>
-            <a:r>
-              <a:rPr lang="en-US" dirty="0" err="1" smtClean="0"/>
-              <a:t>Dimitrakopoulos</a:t>
-            </a:r>
-            <a:r>
-              <a:rPr lang="en-US" dirty="0" smtClean="0"/>
-              <a:t> G.; </a:t>
-            </a:r>
-            <a:r>
-              <a:rPr lang="en-US" dirty="0" err="1" smtClean="0"/>
-              <a:t>Psarras</a:t>
-            </a:r>
-            <a:r>
-              <a:rPr lang="en-US" dirty="0" smtClean="0"/>
-              <a:t> A.; </a:t>
-            </a:r>
-            <a:r>
-              <a:rPr lang="en-US" dirty="0" err="1" smtClean="0"/>
-              <a:t>Seitanidis</a:t>
-            </a:r>
-            <a:r>
-              <a:rPr lang="en-US" dirty="0" smtClean="0"/>
-              <a:t> I. </a:t>
-            </a:r>
-          </a:p>
-          <a:p>
-            <a:pPr>
-              <a:buNone/>
-            </a:pPr>
-            <a:r>
-              <a:rPr lang="en-GB" dirty="0" smtClean="0"/>
-              <a:t>2015, 175p., Springer</a:t>
+              <a:t>ToDo’s and Plans</a:t>
             </a:r>
           </a:p>
         </p:txBody>
@@ -4680,7 +5093,7 @@
           <a:p>
             <a:r>
               <a:rPr lang="en-GB" dirty="0" smtClean="0"/>
-              <a:t>Standards and Datasheets</a:t>
+              <a:t>Runtime Statistics</a:t>
             </a:r>
             <a:endParaRPr lang="en-US" dirty="0"/>
           </a:p>
@@ -4696,55 +5109,107 @@
             <p:ph idx="1"/>
           </p:nvPr>
         </p:nvSpPr>
-        <p:spPr/>
+        <p:spPr>
+          <a:xfrm>
+            <a:off x="457200" y="1600200"/>
+            <a:ext cx="8229600" cy="4724400"/>
+          </a:xfrm>
+        </p:spPr>
         <p:txBody>
           <a:bodyPr>
-            <a:normAutofit/>
+            <a:normAutofit fontScale="85000" lnSpcReduction="20000"/>
           </a:bodyPr>
           <a:lstStyle/>
           <a:p>
-            <a:pPr>
+            <a:r>
+              <a:rPr lang="en-GB" dirty="0" smtClean="0"/>
+              <a:t>For the specific application collect runtime usage data for the resources which were allocated in the preferences</a:t>
+            </a:r>
+          </a:p>
+          <a:p>
+            <a:pPr lvl="1"/>
+            <a:r>
+              <a:rPr lang="en-GB" dirty="0" smtClean="0"/>
+              <a:t>Access to DMs and EUs. Are they actually used?</a:t>
+            </a:r>
+          </a:p>
+          <a:p>
+            <a:pPr lvl="1"/>
+            <a:r>
+              <a:rPr lang="en-US" dirty="0" smtClean="0"/>
+              <a:t>Which blocks need supporting command sequencing under the control of the Vector Core</a:t>
+            </a:r>
+          </a:p>
+          <a:p>
+            <a:pPr lvl="1"/>
+            <a:r>
+              <a:rPr lang="en-US" dirty="0" smtClean="0"/>
+              <a:t>Range of the execution indexes</a:t>
+            </a:r>
+            <a:endParaRPr lang="en-GB" dirty="0" smtClean="0"/>
+          </a:p>
+          <a:p>
+            <a:pPr lvl="1"/>
+            <a:r>
+              <a:rPr lang="en-GB" dirty="0" smtClean="0"/>
+              <a:t>Internals of the DMs and EUs: </a:t>
+            </a:r>
+          </a:p>
+          <a:p>
+            <a:pPr lvl="2"/>
+            <a:r>
+              <a:rPr lang="en-GB" dirty="0" smtClean="0"/>
+              <a:t>Configuration and status slots , </a:t>
+            </a:r>
+            <a:r>
+              <a:rPr lang="en-GB" dirty="0" err="1" smtClean="0"/>
+              <a:t>bitwidth</a:t>
+            </a:r>
+            <a:r>
+              <a:rPr lang="en-GB" dirty="0" smtClean="0"/>
+              <a:t> of the fields </a:t>
+            </a:r>
+          </a:p>
+          <a:p>
+            <a:pPr lvl="2"/>
+            <a:r>
+              <a:rPr lang="en-GB" dirty="0" smtClean="0"/>
+              <a:t>Execution modes</a:t>
+            </a:r>
+          </a:p>
+          <a:p>
+            <a:pPr lvl="2"/>
+            <a:r>
+              <a:rPr lang="en-GB" dirty="0" smtClean="0"/>
+              <a:t>Depth of the FIFO for the execution indexes </a:t>
+            </a:r>
+          </a:p>
+          <a:p>
+            <a:pPr lvl="2"/>
+            <a:r>
+              <a:rPr lang="en-GB" dirty="0" smtClean="0"/>
+              <a:t>EU operational modes</a:t>
+            </a:r>
+          </a:p>
+          <a:p>
+            <a:pPr lvl="2"/>
+            <a:r>
+              <a:rPr lang="en-GB" dirty="0" smtClean="0"/>
+              <a:t>DM AG modes</a:t>
+            </a:r>
+          </a:p>
+          <a:p>
+            <a:pPr lvl="2"/>
+            <a:r>
+              <a:rPr lang="en-GB" dirty="0" smtClean="0"/>
+              <a:t>Events which were issued and processed</a:t>
+            </a:r>
+          </a:p>
+          <a:p>
+            <a:pPr lvl="2">
               <a:buNone/>
             </a:pPr>
-            <a:r>
-              <a:rPr lang="en-GB" dirty="0" smtClean="0"/>
-              <a:t>[3] AMBA 4 AXI4-Stream Protocol Specification, </a:t>
-            </a:r>
-          </a:p>
-          <a:p>
-            <a:pPr>
-              <a:buNone/>
-            </a:pPr>
-            <a:r>
-              <a:rPr lang="en-GB" dirty="0" smtClean="0"/>
-              <a:t>Version: 1.0, (c) 2010 ARM</a:t>
-            </a:r>
-          </a:p>
-          <a:p>
-            <a:pPr>
-              <a:buNone/>
-            </a:pPr>
-            <a:r>
-              <a:rPr lang="en-GB" dirty="0" smtClean="0"/>
-              <a:t>[4] SHARC Processor Programming Reference, </a:t>
-            </a:r>
-          </a:p>
-          <a:p>
-            <a:pPr>
-              <a:buNone/>
-            </a:pPr>
-            <a:r>
-              <a:rPr lang="en-GB" dirty="0" smtClean="0"/>
-              <a:t>Revision 2.2, (c) 2013 </a:t>
-            </a:r>
-            <a:r>
-              <a:rPr lang="en-US" dirty="0" smtClean="0"/>
-              <a:t>Analog Devices, Inc.</a:t>
-            </a:r>
-            <a:r>
-              <a:rPr lang="en-GB" dirty="0" smtClean="0"/>
-              <a:t> </a:t>
-            </a:r>
+            <a:endParaRPr lang="en-GB" dirty="0" smtClean="0"/>
           </a:p>
         </p:txBody>
       </p:sp>
@@ -4790,7 +5255,7 @@
           <a:p>
             <a:r>
               <a:rPr lang="en-GB" dirty="0" smtClean="0"/>
-              <a:t>Patents (for reference only)</a:t>
+              <a:t>Runtime Statistics</a:t>
             </a:r>
             <a:endParaRPr lang="en-US" dirty="0"/>
           </a:p>
@@ -4809,178 +5274,986 @@
         <p:spPr>
           <a:xfrm>
             <a:off x="457200" y="1600200"/>
-            <a:ext cx="8229600" cy="4419599"/>
+            <a:ext cx="8229600" cy="4724400"/>
           </a:xfrm>
         </p:spPr>
         <p:txBody>
           <a:bodyPr>
-            <a:normAutofit fontScale="40000" lnSpcReduction="20000"/>
+            <a:normAutofit/>
           </a:bodyPr>
           <a:lstStyle/>
           <a:p>
+            <a:pPr lvl="1"/>
+            <a:r>
+              <a:rPr lang="en-GB" dirty="0" smtClean="0"/>
+              <a:t>Logging of the of the XBAR state</a:t>
+            </a:r>
+          </a:p>
+          <a:p>
+            <a:pPr lvl="2"/>
+            <a:r>
+              <a:rPr lang="en-GB" dirty="0" smtClean="0"/>
+              <a:t>Switching matrix</a:t>
+            </a:r>
+          </a:p>
+          <a:p>
+            <a:pPr lvl="3"/>
+            <a:r>
+              <a:rPr lang="en-US" dirty="0" smtClean="0"/>
+              <a:t>For the particular application not all of the switching routes are used.</a:t>
+            </a:r>
+          </a:p>
+          <a:p>
+            <a:pPr lvl="3"/>
+            <a:r>
+              <a:rPr lang="en-US" dirty="0" smtClean="0"/>
+              <a:t>Matrixes for data/valid and for ready can be different if data transfers to multiple destinations are used</a:t>
+            </a:r>
+            <a:endParaRPr lang="en-GB" dirty="0" smtClean="0"/>
+          </a:p>
+          <a:p>
+            <a:pPr lvl="2"/>
+            <a:r>
+              <a:rPr lang="en-GB" dirty="0" smtClean="0"/>
+              <a:t>Configuration slots, </a:t>
+            </a:r>
+            <a:r>
+              <a:rPr lang="en-GB" dirty="0" err="1" smtClean="0"/>
+              <a:t>bitwidth</a:t>
+            </a:r>
+            <a:r>
+              <a:rPr lang="en-GB" dirty="0" smtClean="0"/>
+              <a:t> of the fields </a:t>
+            </a:r>
+          </a:p>
+          <a:p>
+            <a:pPr lvl="2"/>
+            <a:r>
+              <a:rPr lang="en-GB" dirty="0" smtClean="0"/>
+              <a:t>Execution modes</a:t>
+            </a:r>
+          </a:p>
+          <a:p>
+            <a:pPr lvl="2"/>
+            <a:r>
+              <a:rPr lang="en-GB" dirty="0" smtClean="0"/>
+              <a:t>Events which were issued and processed</a:t>
+            </a:r>
+          </a:p>
+          <a:p>
+            <a:pPr lvl="2">
+              <a:buNone/>
+            </a:pPr>
+            <a:endParaRPr lang="en-GB" dirty="0" smtClean="0"/>
+          </a:p>
+        </p:txBody>
+      </p:sp>
+    </p:spTree>
+  </p:cSld>
+  <p:clrMapOvr>
+    <a:masterClrMapping/>
+  </p:clrMapOvr>
+</p:sld>
+</file>
+
+<file path=ppt/slides/slide112.xml><?xml version="1.0" encoding="utf-8"?>
+<p:sld xmlns:a="http://schemas.openxmlformats.org/drawingml/2006/main" xmlns:r="http://schemas.openxmlformats.org/officeDocument/2006/relationships" xmlns:p="http://schemas.openxmlformats.org/presentationml/2006/main">
+  <p:cSld>
+    <p:spTree>
+      <p:nvGrpSpPr>
+        <p:cNvPr id="1" name=""/>
+        <p:cNvGrpSpPr/>
+        <p:nvPr/>
+      </p:nvGrpSpPr>
+      <p:grpSpPr>
+        <a:xfrm>
+          <a:off x="0" y="0"/>
+          <a:ext cx="0" cy="0"/>
+          <a:chOff x="0" y="0"/>
+          <a:chExt cx="0" cy="0"/>
+        </a:xfrm>
+      </p:grpSpPr>
+      <p:sp>
+        <p:nvSpPr>
+          <p:cNvPr id="2" name="Title 1"/>
+          <p:cNvSpPr>
+            <a:spLocks noGrp="1"/>
+          </p:cNvSpPr>
+          <p:nvPr>
+            <p:ph type="title"/>
+          </p:nvPr>
+        </p:nvSpPr>
+        <p:spPr/>
+        <p:txBody>
+          <a:bodyPr/>
+          <a:lstStyle/>
+          <a:p>
+            <a:r>
+              <a:rPr lang="en-GB" dirty="0" smtClean="0"/>
+              <a:t>RTL Code and </a:t>
+            </a:r>
+            <a:r>
+              <a:rPr lang="en-GB" dirty="0" err="1" smtClean="0"/>
+              <a:t>Testbench</a:t>
+            </a:r>
+            <a:r>
+              <a:rPr lang="en-GB" dirty="0" smtClean="0"/>
+              <a:t> Generator</a:t>
+            </a:r>
+            <a:endParaRPr lang="en-US" dirty="0"/>
+          </a:p>
+        </p:txBody>
+      </p:sp>
+      <p:sp>
+        <p:nvSpPr>
+          <p:cNvPr id="3" name="Content Placeholder 2"/>
+          <p:cNvSpPr>
+            <a:spLocks noGrp="1"/>
+          </p:cNvSpPr>
+          <p:nvPr>
+            <p:ph idx="1"/>
+          </p:nvPr>
+        </p:nvSpPr>
+        <p:spPr>
+          <a:xfrm>
+            <a:off x="457200" y="1600200"/>
+            <a:ext cx="8229600" cy="4724400"/>
+          </a:xfrm>
+        </p:spPr>
+        <p:txBody>
+          <a:bodyPr>
+            <a:normAutofit fontScale="92500" lnSpcReduction="10000"/>
+          </a:bodyPr>
+          <a:lstStyle/>
+          <a:p>
+            <a:r>
+              <a:rPr lang="en-GB" dirty="0" smtClean="0"/>
+              <a:t>Generate RTL code on the basis of the initial preferences and runtime statistics</a:t>
+            </a:r>
+          </a:p>
+          <a:p>
+            <a:pPr lvl="1"/>
+            <a:r>
+              <a:rPr lang="en-GB" dirty="0" smtClean="0"/>
+              <a:t>Generate vector core and parameters for XBAR, DMs and EUs</a:t>
+            </a:r>
+          </a:p>
+          <a:p>
+            <a:r>
+              <a:rPr lang="en-GB" dirty="0" smtClean="0"/>
+              <a:t>Use VRI interfaces or modules </a:t>
+            </a:r>
+          </a:p>
+          <a:p>
+            <a:pPr lvl="1"/>
+            <a:r>
+              <a:rPr lang="en-GB" dirty="0" smtClean="0"/>
+              <a:t>Data injection</a:t>
+            </a:r>
+          </a:p>
+          <a:p>
+            <a:pPr lvl="1"/>
+            <a:r>
+              <a:rPr lang="en-GB" dirty="0" smtClean="0"/>
+              <a:t>Data pickup</a:t>
+            </a:r>
+          </a:p>
+          <a:p>
+            <a:pPr lvl="1"/>
+            <a:r>
+              <a:rPr lang="en-GB" dirty="0" smtClean="0"/>
+              <a:t>VRI protocol assertions</a:t>
+            </a:r>
+          </a:p>
+          <a:p>
+            <a:r>
+              <a:rPr lang="en-GB" dirty="0" smtClean="0"/>
+              <a:t>Generate </a:t>
+            </a:r>
+            <a:r>
+              <a:rPr lang="en-GB" dirty="0" err="1" smtClean="0"/>
+              <a:t>testbench</a:t>
+            </a:r>
+            <a:endParaRPr lang="en-GB" dirty="0" smtClean="0"/>
+          </a:p>
+          <a:p>
+            <a:pPr lvl="1"/>
+            <a:r>
+              <a:rPr lang="en-GB" dirty="0" smtClean="0"/>
+              <a:t>Verifies system integration of the vector core</a:t>
+            </a:r>
+          </a:p>
+          <a:p>
+            <a:pPr lvl="2">
+              <a:buNone/>
+            </a:pPr>
+            <a:endParaRPr lang="en-GB" dirty="0" smtClean="0"/>
+          </a:p>
+        </p:txBody>
+      </p:sp>
+    </p:spTree>
+  </p:cSld>
+  <p:clrMapOvr>
+    <a:masterClrMapping/>
+  </p:clrMapOvr>
+</p:sld>
+</file>
+
+<file path=ppt/slides/slide113.xml><?xml version="1.0" encoding="utf-8"?>
+<p:sld xmlns:a="http://schemas.openxmlformats.org/drawingml/2006/main" xmlns:r="http://schemas.openxmlformats.org/officeDocument/2006/relationships" xmlns:p="http://schemas.openxmlformats.org/presentationml/2006/main">
+  <p:cSld>
+    <p:spTree>
+      <p:nvGrpSpPr>
+        <p:cNvPr id="1" name=""/>
+        <p:cNvGrpSpPr/>
+        <p:nvPr/>
+      </p:nvGrpSpPr>
+      <p:grpSpPr>
+        <a:xfrm>
+          <a:off x="0" y="0"/>
+          <a:ext cx="0" cy="0"/>
+          <a:chOff x="0" y="0"/>
+          <a:chExt cx="0" cy="0"/>
+        </a:xfrm>
+      </p:grpSpPr>
+      <p:sp>
+        <p:nvSpPr>
+          <p:cNvPr id="2" name="Title 1"/>
+          <p:cNvSpPr>
+            <a:spLocks noGrp="1"/>
+          </p:cNvSpPr>
+          <p:nvPr>
+            <p:ph type="title"/>
+          </p:nvPr>
+        </p:nvSpPr>
+        <p:spPr/>
+        <p:txBody>
+          <a:bodyPr>
+            <a:normAutofit fontScale="90000"/>
+          </a:bodyPr>
+          <a:lstStyle/>
+          <a:p>
+            <a:r>
+              <a:rPr lang="en-GB" dirty="0" smtClean="0"/>
+              <a:t>Common Pool of Address Generators for DMs</a:t>
+            </a:r>
+            <a:endParaRPr lang="en-US" dirty="0"/>
+          </a:p>
+        </p:txBody>
+      </p:sp>
+      <p:sp>
+        <p:nvSpPr>
+          <p:cNvPr id="3" name="Content Placeholder 2"/>
+          <p:cNvSpPr>
+            <a:spLocks noGrp="1"/>
+          </p:cNvSpPr>
+          <p:nvPr>
+            <p:ph idx="1"/>
+          </p:nvPr>
+        </p:nvSpPr>
+        <p:spPr>
+          <a:xfrm>
+            <a:off x="457200" y="1600200"/>
+            <a:ext cx="8229600" cy="4724400"/>
+          </a:xfrm>
+        </p:spPr>
+        <p:txBody>
+          <a:bodyPr>
+            <a:normAutofit/>
+          </a:bodyPr>
+          <a:lstStyle/>
+          <a:p>
+            <a:r>
+              <a:rPr lang="en-US" dirty="0" smtClean="0"/>
+              <a:t>Additional cross-bar switch (AG -&gt; 4way DMs) can make the area savings negligible</a:t>
+            </a:r>
+            <a:endParaRPr lang="en-GB" dirty="0" smtClean="0"/>
+          </a:p>
+        </p:txBody>
+      </p:sp>
+    </p:spTree>
+  </p:cSld>
+  <p:clrMapOvr>
+    <a:masterClrMapping/>
+  </p:clrMapOvr>
+</p:sld>
+</file>
+
+<file path=ppt/slides/slide114.xml><?xml version="1.0" encoding="utf-8"?>
+<p:sld xmlns:a="http://schemas.openxmlformats.org/drawingml/2006/main" xmlns:r="http://schemas.openxmlformats.org/officeDocument/2006/relationships" xmlns:p="http://schemas.openxmlformats.org/presentationml/2006/main">
+  <p:cSld>
+    <p:spTree>
+      <p:nvGrpSpPr>
+        <p:cNvPr id="1" name=""/>
+        <p:cNvGrpSpPr/>
+        <p:nvPr/>
+      </p:nvGrpSpPr>
+      <p:grpSpPr>
+        <a:xfrm>
+          <a:off x="0" y="0"/>
+          <a:ext cx="0" cy="0"/>
+          <a:chOff x="0" y="0"/>
+          <a:chExt cx="0" cy="0"/>
+        </a:xfrm>
+      </p:grpSpPr>
+      <p:sp>
+        <p:nvSpPr>
+          <p:cNvPr id="2" name="Title 1"/>
+          <p:cNvSpPr>
+            <a:spLocks noGrp="1"/>
+          </p:cNvSpPr>
+          <p:nvPr>
+            <p:ph type="title"/>
+          </p:nvPr>
+        </p:nvSpPr>
+        <p:spPr/>
+        <p:txBody>
+          <a:bodyPr>
+            <a:normAutofit fontScale="90000"/>
+          </a:bodyPr>
+          <a:lstStyle/>
+          <a:p>
+            <a:r>
+              <a:rPr lang="en-GB" dirty="0" smtClean="0"/>
+              <a:t>Debug Interface for the Vector Core</a:t>
+            </a:r>
+            <a:endParaRPr lang="en-US" dirty="0"/>
+          </a:p>
+        </p:txBody>
+      </p:sp>
+      <p:sp>
+        <p:nvSpPr>
+          <p:cNvPr id="3" name="Content Placeholder 2"/>
+          <p:cNvSpPr>
+            <a:spLocks noGrp="1"/>
+          </p:cNvSpPr>
+          <p:nvPr>
+            <p:ph idx="1"/>
+          </p:nvPr>
+        </p:nvSpPr>
+        <p:spPr>
+          <a:xfrm>
+            <a:off x="457200" y="1600200"/>
+            <a:ext cx="8229600" cy="4724400"/>
+          </a:xfrm>
+        </p:spPr>
+        <p:txBody>
+          <a:bodyPr>
+            <a:normAutofit/>
+          </a:bodyPr>
+          <a:lstStyle/>
+          <a:p>
+            <a:r>
+              <a:rPr lang="en-GB" dirty="0" smtClean="0"/>
+              <a:t>Debug Interface for the Vector Core</a:t>
+            </a:r>
+          </a:p>
+        </p:txBody>
+      </p:sp>
+    </p:spTree>
+  </p:cSld>
+  <p:clrMapOvr>
+    <a:masterClrMapping/>
+  </p:clrMapOvr>
+</p:sld>
+</file>
+
+<file path=ppt/slides/slide115.xml><?xml version="1.0" encoding="utf-8"?>
+<p:sld xmlns:a="http://schemas.openxmlformats.org/drawingml/2006/main" xmlns:r="http://schemas.openxmlformats.org/officeDocument/2006/relationships" xmlns:p="http://schemas.openxmlformats.org/presentationml/2006/main">
+  <p:cSld>
+    <p:spTree>
+      <p:nvGrpSpPr>
+        <p:cNvPr id="1" name=""/>
+        <p:cNvGrpSpPr/>
+        <p:nvPr/>
+      </p:nvGrpSpPr>
+      <p:grpSpPr>
+        <a:xfrm>
+          <a:off x="0" y="0"/>
+          <a:ext cx="0" cy="0"/>
+          <a:chOff x="0" y="0"/>
+          <a:chExt cx="0" cy="0"/>
+        </a:xfrm>
+      </p:grpSpPr>
+      <p:sp>
+        <p:nvSpPr>
+          <p:cNvPr id="2" name="Title 1"/>
+          <p:cNvSpPr>
+            <a:spLocks noGrp="1"/>
+          </p:cNvSpPr>
+          <p:nvPr>
+            <p:ph type="title"/>
+          </p:nvPr>
+        </p:nvSpPr>
+        <p:spPr/>
+        <p:txBody>
+          <a:bodyPr>
+            <a:normAutofit/>
+          </a:bodyPr>
+          <a:lstStyle/>
+          <a:p>
+            <a:r>
+              <a:rPr lang="en-GB" dirty="0" smtClean="0"/>
+              <a:t>FXP</a:t>
+            </a:r>
+            <a:endParaRPr lang="en-US" dirty="0"/>
+          </a:p>
+        </p:txBody>
+      </p:sp>
+      <p:sp>
+        <p:nvSpPr>
+          <p:cNvPr id="3" name="Content Placeholder 2"/>
+          <p:cNvSpPr>
+            <a:spLocks noGrp="1"/>
+          </p:cNvSpPr>
+          <p:nvPr>
+            <p:ph idx="1"/>
+          </p:nvPr>
+        </p:nvSpPr>
+        <p:spPr>
+          <a:xfrm>
+            <a:off x="457200" y="1600200"/>
+            <a:ext cx="8229600" cy="4724400"/>
+          </a:xfrm>
+        </p:spPr>
+        <p:txBody>
+          <a:bodyPr>
+            <a:normAutofit/>
+          </a:bodyPr>
+          <a:lstStyle/>
+          <a:p>
+            <a:r>
+              <a:rPr lang="en-GB" dirty="0" smtClean="0"/>
+              <a:t>FXP</a:t>
+            </a:r>
+          </a:p>
+        </p:txBody>
+      </p:sp>
+    </p:spTree>
+  </p:cSld>
+  <p:clrMapOvr>
+    <a:masterClrMapping/>
+  </p:clrMapOvr>
+</p:sld>
+</file>
+
+<file path=ppt/slides/slide116.xml><?xml version="1.0" encoding="utf-8"?>
+<p:sld xmlns:a="http://schemas.openxmlformats.org/drawingml/2006/main" xmlns:r="http://schemas.openxmlformats.org/officeDocument/2006/relationships" xmlns:p="http://schemas.openxmlformats.org/presentationml/2006/main">
+  <p:cSld>
+    <p:spTree>
+      <p:nvGrpSpPr>
+        <p:cNvPr id="1" name=""/>
+        <p:cNvGrpSpPr/>
+        <p:nvPr/>
+      </p:nvGrpSpPr>
+      <p:grpSpPr>
+        <a:xfrm>
+          <a:off x="0" y="0"/>
+          <a:ext cx="0" cy="0"/>
+          <a:chOff x="0" y="0"/>
+          <a:chExt cx="0" cy="0"/>
+        </a:xfrm>
+      </p:grpSpPr>
+      <p:sp>
+        <p:nvSpPr>
+          <p:cNvPr id="2" name="Title 1"/>
+          <p:cNvSpPr>
+            <a:spLocks noGrp="1"/>
+          </p:cNvSpPr>
+          <p:nvPr>
+            <p:ph type="title"/>
+          </p:nvPr>
+        </p:nvSpPr>
+        <p:spPr/>
+        <p:txBody>
+          <a:bodyPr/>
+          <a:lstStyle/>
+          <a:p>
+            <a:r>
+              <a:rPr lang="en-GB" dirty="0" smtClean="0"/>
+              <a:t>References</a:t>
+            </a:r>
+          </a:p>
+        </p:txBody>
+      </p:sp>
+    </p:spTree>
+  </p:cSld>
+  <p:clrMapOvr>
+    <a:masterClrMapping/>
+  </p:clrMapOvr>
+</p:sld>
+</file>
+
+<file path=ppt/slides/slide117.xml><?xml version="1.0" encoding="utf-8"?>
+<p:sld xmlns:a="http://schemas.openxmlformats.org/drawingml/2006/main" xmlns:r="http://schemas.openxmlformats.org/officeDocument/2006/relationships" xmlns:p="http://schemas.openxmlformats.org/presentationml/2006/main">
+  <p:cSld>
+    <p:spTree>
+      <p:nvGrpSpPr>
+        <p:cNvPr id="1" name=""/>
+        <p:cNvGrpSpPr/>
+        <p:nvPr/>
+      </p:nvGrpSpPr>
+      <p:grpSpPr>
+        <a:xfrm>
+          <a:off x="0" y="0"/>
+          <a:ext cx="0" cy="0"/>
+          <a:chOff x="0" y="0"/>
+          <a:chExt cx="0" cy="0"/>
+        </a:xfrm>
+      </p:grpSpPr>
+      <p:sp>
+        <p:nvSpPr>
+          <p:cNvPr id="2" name="Title 1"/>
+          <p:cNvSpPr>
+            <a:spLocks noGrp="1"/>
+          </p:cNvSpPr>
+          <p:nvPr>
+            <p:ph type="title"/>
+          </p:nvPr>
+        </p:nvSpPr>
+        <p:spPr/>
+        <p:txBody>
+          <a:bodyPr/>
+          <a:lstStyle/>
+          <a:p>
+            <a:r>
+              <a:rPr lang="en-GB" dirty="0" smtClean="0"/>
+              <a:t>Source Code and Documentation</a:t>
+            </a:r>
+            <a:endParaRPr lang="en-US" dirty="0"/>
+          </a:p>
+        </p:txBody>
+      </p:sp>
+      <p:sp>
+        <p:nvSpPr>
+          <p:cNvPr id="3" name="Content Placeholder 2"/>
+          <p:cNvSpPr>
+            <a:spLocks noGrp="1"/>
+          </p:cNvSpPr>
+          <p:nvPr>
+            <p:ph idx="1"/>
+          </p:nvPr>
+        </p:nvSpPr>
+        <p:spPr/>
+        <p:txBody>
+          <a:bodyPr>
+            <a:normAutofit/>
+          </a:bodyPr>
+          <a:lstStyle/>
+          <a:p>
+            <a:r>
+              <a:rPr lang="en-US" dirty="0" smtClean="0"/>
+              <a:t>Simulation framework for Application Specific Vector Processor:</a:t>
+            </a:r>
+            <a:endParaRPr lang="en-GB" dirty="0" smtClean="0"/>
+          </a:p>
+          <a:p>
+            <a:pPr lvl="1">
+              <a:buNone/>
+            </a:pPr>
             <a:r>
               <a:rPr lang="en-US" dirty="0" smtClean="0">
                 <a:hlinkClick r:id="rId2"/>
               </a:rPr>
-              <a:t>EP2751670B1: Digital signal processor</a:t>
-            </a:r>
+              <a:t>https://github.com/timurkelin/simsimd</a:t>
+            </a:r>
+            <a:endParaRPr lang="en-GB" dirty="0" smtClean="0"/>
+          </a:p>
+          <a:p>
+            <a:pPr>
+              <a:buNone/>
+            </a:pPr>
             <a:endParaRPr lang="en-US" dirty="0" smtClean="0"/>
           </a:p>
           <a:p>
+            <a:r>
+              <a:rPr lang="en-US" dirty="0" err="1" smtClean="0"/>
+              <a:t>simSCHD</a:t>
+            </a:r>
+            <a:r>
+              <a:rPr lang="en-US" dirty="0" smtClean="0"/>
+              <a:t> and </a:t>
+            </a:r>
+            <a:r>
+              <a:rPr lang="en-US" dirty="0" err="1" smtClean="0"/>
+              <a:t>simSIMD</a:t>
+            </a:r>
+            <a:r>
+              <a:rPr lang="en-US" dirty="0" smtClean="0"/>
+              <a:t> Co-simulation environment:</a:t>
+            </a:r>
+            <a:endParaRPr lang="en-US" dirty="0" smtClean="0">
+              <a:hlinkClick r:id="rId3"/>
+            </a:endParaRPr>
+          </a:p>
+          <a:p>
+            <a:pPr lvl="1">
+              <a:buNone/>
+            </a:pPr>
             <a:r>
               <a:rPr lang="en-US" dirty="0" smtClean="0">
                 <a:hlinkClick r:id="rId3"/>
               </a:rPr>
-              <a:t>EP2751671B1: Digital signal processor and baseband communication device</a:t>
+              <a:t>https://github.com/timurkelin/cosim</a:t>
             </a:r>
             <a:endParaRPr lang="en-US" dirty="0" smtClean="0"/>
           </a:p>
           <a:p>
-            <a:r>
-              <a:rPr lang="en-US" dirty="0" smtClean="0">
-                <a:hlinkClick r:id="rId4"/>
-              </a:rPr>
-              <a:t>US20060271764A1: Programmable digital signal processor including a clustered SIMD </a:t>
-            </a:r>
-            <a:r>
-              <a:rPr lang="en-US" dirty="0" err="1" smtClean="0">
-                <a:hlinkClick r:id="rId4"/>
-              </a:rPr>
-              <a:t>microarchitecture</a:t>
-            </a:r>
-            <a:r>
-              <a:rPr lang="en-US" dirty="0" smtClean="0">
-                <a:hlinkClick r:id="rId4"/>
-              </a:rPr>
-              <a:t> configured to execute complex vector instructions</a:t>
+            <a:pPr>
+              <a:buNone/>
+            </a:pPr>
+            <a:endParaRPr lang="en-GB" dirty="0" smtClean="0"/>
+          </a:p>
+        </p:txBody>
+      </p:sp>
+    </p:spTree>
+  </p:cSld>
+  <p:clrMapOvr>
+    <a:masterClrMapping/>
+  </p:clrMapOvr>
+</p:sld>
+</file>
+
+<file path=ppt/slides/slide118.xml><?xml version="1.0" encoding="utf-8"?>
+<p:sld xmlns:a="http://schemas.openxmlformats.org/drawingml/2006/main" xmlns:r="http://schemas.openxmlformats.org/officeDocument/2006/relationships" xmlns:p="http://schemas.openxmlformats.org/presentationml/2006/main">
+  <p:cSld>
+    <p:spTree>
+      <p:nvGrpSpPr>
+        <p:cNvPr id="1" name=""/>
+        <p:cNvGrpSpPr/>
+        <p:nvPr/>
+      </p:nvGrpSpPr>
+      <p:grpSpPr>
+        <a:xfrm>
+          <a:off x="0" y="0"/>
+          <a:ext cx="0" cy="0"/>
+          <a:chOff x="0" y="0"/>
+          <a:chExt cx="0" cy="0"/>
+        </a:xfrm>
+      </p:grpSpPr>
+      <p:sp>
+        <p:nvSpPr>
+          <p:cNvPr id="2" name="Title 1"/>
+          <p:cNvSpPr>
+            <a:spLocks noGrp="1"/>
+          </p:cNvSpPr>
+          <p:nvPr>
+            <p:ph type="title"/>
+          </p:nvPr>
+        </p:nvSpPr>
+        <p:spPr/>
+        <p:txBody>
+          <a:bodyPr/>
+          <a:lstStyle/>
+          <a:p>
+            <a:r>
+              <a:rPr lang="en-GB" dirty="0" smtClean="0"/>
+              <a:t>Books, Papers and Presentations</a:t>
+            </a:r>
+            <a:endParaRPr lang="en-US" dirty="0"/>
+          </a:p>
+        </p:txBody>
+      </p:sp>
+      <p:sp>
+        <p:nvSpPr>
+          <p:cNvPr id="3" name="Content Placeholder 2"/>
+          <p:cNvSpPr>
+            <a:spLocks noGrp="1"/>
+          </p:cNvSpPr>
+          <p:nvPr>
+            <p:ph idx="1"/>
+          </p:nvPr>
+        </p:nvSpPr>
+        <p:spPr/>
+        <p:txBody>
+          <a:bodyPr>
+            <a:normAutofit lnSpcReduction="10000"/>
+          </a:bodyPr>
+          <a:lstStyle/>
+          <a:p>
+            <a:pPr>
+              <a:buNone/>
+            </a:pPr>
+            <a:r>
+              <a:rPr lang="en-US" dirty="0" smtClean="0"/>
+              <a:t>[1] Bridging dream and reality: Programmable </a:t>
+            </a:r>
+          </a:p>
+          <a:p>
+            <a:pPr>
+              <a:buNone/>
+            </a:pPr>
+            <a:r>
+              <a:rPr lang="en-US" dirty="0" smtClean="0"/>
+              <a:t>baseband processors for software-defined radio,</a:t>
+            </a:r>
+          </a:p>
+          <a:p>
+            <a:pPr>
+              <a:buNone/>
+            </a:pPr>
+            <a:r>
+              <a:rPr lang="en-US" dirty="0" err="1" smtClean="0"/>
+              <a:t>D.Liu</a:t>
+            </a:r>
+            <a:r>
+              <a:rPr lang="en-US" dirty="0" smtClean="0"/>
+              <a:t>, </a:t>
+            </a:r>
+            <a:r>
+              <a:rPr lang="en-US" dirty="0" err="1" smtClean="0"/>
+              <a:t>A.Nilsson</a:t>
+            </a:r>
+            <a:r>
+              <a:rPr lang="en-US" dirty="0" smtClean="0"/>
+              <a:t>, </a:t>
+            </a:r>
+            <a:r>
+              <a:rPr lang="en-US" dirty="0" err="1" smtClean="0"/>
+              <a:t>E.Tell</a:t>
+            </a:r>
+            <a:r>
+              <a:rPr lang="en-US" dirty="0" smtClean="0"/>
+              <a:t>, </a:t>
+            </a:r>
+            <a:r>
+              <a:rPr lang="en-US" dirty="0" err="1" smtClean="0"/>
+              <a:t>D.Wu</a:t>
+            </a:r>
+            <a:r>
+              <a:rPr lang="en-US" dirty="0" smtClean="0"/>
+              <a:t>, </a:t>
+            </a:r>
+            <a:r>
+              <a:rPr lang="en-US" dirty="0" err="1" smtClean="0"/>
+              <a:t>J.Eilert</a:t>
+            </a:r>
+            <a:r>
+              <a:rPr lang="en-US" dirty="0" smtClean="0"/>
+              <a:t> </a:t>
+            </a:r>
+          </a:p>
+          <a:p>
+            <a:pPr>
+              <a:buNone/>
+            </a:pPr>
+            <a:r>
+              <a:rPr lang="fr-FR" dirty="0" smtClean="0"/>
+              <a:t>IEEE Communications Magazine 47 (9), 134-140</a:t>
             </a:r>
             <a:endParaRPr lang="en-US" dirty="0" smtClean="0"/>
           </a:p>
           <a:p>
-            <a:r>
-              <a:rPr lang="en-US" dirty="0" smtClean="0">
-                <a:hlinkClick r:id="rId5"/>
-              </a:rPr>
-              <a:t>US20060271765A1: Digital signal processor including a programmable network</a:t>
+            <a:pPr>
+              <a:buNone/>
+            </a:pPr>
+            <a:r>
+              <a:rPr lang="en-GB" dirty="0" smtClean="0"/>
+              <a:t>[2] </a:t>
+            </a:r>
+            <a:r>
+              <a:rPr lang="en-US" dirty="0" err="1" smtClean="0"/>
+              <a:t>Microarchitecture</a:t>
+            </a:r>
+            <a:r>
+              <a:rPr lang="en-US" dirty="0" smtClean="0"/>
+              <a:t> of Network-on-Chip</a:t>
+            </a:r>
+          </a:p>
+          <a:p>
+            <a:pPr>
+              <a:buNone/>
+            </a:pPr>
+            <a:r>
+              <a:rPr lang="en-US" dirty="0" smtClean="0"/>
+              <a:t>Routers, A Designer’s Perspective</a:t>
+            </a:r>
+          </a:p>
+          <a:p>
+            <a:pPr>
+              <a:buNone/>
+            </a:pPr>
+            <a:r>
+              <a:rPr lang="en-US" dirty="0" err="1" smtClean="0"/>
+              <a:t>Dimitrakopoulos</a:t>
+            </a:r>
+            <a:r>
+              <a:rPr lang="en-US" dirty="0" smtClean="0"/>
+              <a:t> G.; </a:t>
+            </a:r>
+            <a:r>
+              <a:rPr lang="en-US" dirty="0" err="1" smtClean="0"/>
+              <a:t>Psarras</a:t>
+            </a:r>
+            <a:r>
+              <a:rPr lang="en-US" dirty="0" smtClean="0"/>
+              <a:t> A.; </a:t>
+            </a:r>
+            <a:r>
+              <a:rPr lang="en-US" dirty="0" err="1" smtClean="0"/>
+              <a:t>Seitanidis</a:t>
+            </a:r>
+            <a:r>
+              <a:rPr lang="en-US" dirty="0" smtClean="0"/>
+              <a:t> I. </a:t>
+            </a:r>
+          </a:p>
+          <a:p>
+            <a:pPr>
+              <a:buNone/>
+            </a:pPr>
+            <a:r>
+              <a:rPr lang="en-GB" dirty="0" smtClean="0"/>
+              <a:t>2015, 175p., Springer</a:t>
+            </a:r>
+          </a:p>
+        </p:txBody>
+      </p:sp>
+    </p:spTree>
+  </p:cSld>
+  <p:clrMapOvr>
+    <a:masterClrMapping/>
+  </p:clrMapOvr>
+</p:sld>
+</file>
+
+<file path=ppt/slides/slide119.xml><?xml version="1.0" encoding="utf-8"?>
+<p:sld xmlns:a="http://schemas.openxmlformats.org/drawingml/2006/main" xmlns:r="http://schemas.openxmlformats.org/officeDocument/2006/relationships" xmlns:p="http://schemas.openxmlformats.org/presentationml/2006/main">
+  <p:cSld>
+    <p:spTree>
+      <p:nvGrpSpPr>
+        <p:cNvPr id="1" name=""/>
+        <p:cNvGrpSpPr/>
+        <p:nvPr/>
+      </p:nvGrpSpPr>
+      <p:grpSpPr>
+        <a:xfrm>
+          <a:off x="0" y="0"/>
+          <a:ext cx="0" cy="0"/>
+          <a:chOff x="0" y="0"/>
+          <a:chExt cx="0" cy="0"/>
+        </a:xfrm>
+      </p:grpSpPr>
+      <p:sp>
+        <p:nvSpPr>
+          <p:cNvPr id="2" name="Title 1"/>
+          <p:cNvSpPr>
+            <a:spLocks noGrp="1"/>
+          </p:cNvSpPr>
+          <p:nvPr>
+            <p:ph type="title"/>
+          </p:nvPr>
+        </p:nvSpPr>
+        <p:spPr/>
+        <p:txBody>
+          <a:bodyPr/>
+          <a:lstStyle/>
+          <a:p>
+            <a:r>
+              <a:rPr lang="en-GB" dirty="0" smtClean="0"/>
+              <a:t>Standards and Datasheets</a:t>
+            </a:r>
+            <a:endParaRPr lang="en-US" dirty="0"/>
+          </a:p>
+        </p:txBody>
+      </p:sp>
+      <p:sp>
+        <p:nvSpPr>
+          <p:cNvPr id="3" name="Content Placeholder 2"/>
+          <p:cNvSpPr>
+            <a:spLocks noGrp="1"/>
+          </p:cNvSpPr>
+          <p:nvPr>
+            <p:ph idx="1"/>
+          </p:nvPr>
+        </p:nvSpPr>
+        <p:spPr/>
+        <p:txBody>
+          <a:bodyPr>
+            <a:normAutofit/>
+          </a:bodyPr>
+          <a:lstStyle/>
+          <a:p>
+            <a:pPr>
+              <a:buNone/>
+            </a:pPr>
+            <a:r>
+              <a:rPr lang="en-GB" dirty="0" smtClean="0"/>
+              <a:t>[3] AMBA 4 AXI4-Stream Protocol Specification, </a:t>
+            </a:r>
+          </a:p>
+          <a:p>
+            <a:pPr>
+              <a:buNone/>
+            </a:pPr>
+            <a:r>
+              <a:rPr lang="en-GB" dirty="0" smtClean="0"/>
+              <a:t>Version: 1.0, (c) 2010 ARM</a:t>
+            </a:r>
+          </a:p>
+          <a:p>
+            <a:pPr>
+              <a:buNone/>
+            </a:pPr>
+            <a:r>
+              <a:rPr lang="en-GB" dirty="0" smtClean="0"/>
+              <a:t>[4] SHARC Processor Programming Reference, </a:t>
+            </a:r>
+          </a:p>
+          <a:p>
+            <a:pPr>
+              <a:buNone/>
+            </a:pPr>
+            <a:r>
+              <a:rPr lang="en-GB" dirty="0" smtClean="0"/>
+              <a:t>Revision 2.2, (c) 2013 </a:t>
+            </a:r>
+            <a:r>
+              <a:rPr lang="en-US" dirty="0" smtClean="0"/>
+              <a:t>Analog Devices, Inc.</a:t>
+            </a:r>
+            <a:r>
+              <a:rPr lang="en-GB" dirty="0" smtClean="0"/>
+              <a:t> </a:t>
+            </a:r>
+            <a:endParaRPr lang="en-GB" dirty="0" smtClean="0"/>
+          </a:p>
+          <a:p>
+            <a:pPr>
+              <a:buNone/>
+            </a:pPr>
+            <a:r>
+              <a:rPr lang="en-US" dirty="0" smtClean="0"/>
+              <a:t>[5] </a:t>
+            </a:r>
+            <a:r>
+              <a:rPr lang="en-US" dirty="0" smtClean="0"/>
+              <a:t>IEEE Std 1666-2011, IEEE Standard for </a:t>
             </a:r>
             <a:endParaRPr lang="en-US" dirty="0" smtClean="0"/>
           </a:p>
           <a:p>
-            <a:r>
-              <a:rPr lang="en-US" dirty="0" smtClean="0">
-                <a:hlinkClick r:id="rId6"/>
-              </a:rPr>
-              <a:t>US20070198815A1: Programmable digital signal processor having a clustered SIMD </a:t>
-            </a:r>
-            <a:r>
-              <a:rPr lang="en-US" dirty="0" err="1" smtClean="0">
-                <a:hlinkClick r:id="rId6"/>
-              </a:rPr>
-              <a:t>microarchitecture</a:t>
-            </a:r>
-            <a:r>
-              <a:rPr lang="en-US" dirty="0" smtClean="0">
-                <a:hlinkClick r:id="rId6"/>
-              </a:rPr>
-              <a:t> including a complex short multiplier and an independent vector load unit</a:t>
-            </a:r>
-            <a:endParaRPr lang="en-US" dirty="0" smtClean="0"/>
-          </a:p>
-          <a:p>
-            <a:r>
-              <a:rPr lang="en-US" dirty="0" smtClean="0">
-                <a:hlinkClick r:id="rId7"/>
-              </a:rPr>
-              <a:t>US20140244970A1: Digital signal processor and baseband communication device</a:t>
-            </a:r>
-            <a:endParaRPr lang="en-US" dirty="0" smtClean="0"/>
-          </a:p>
-          <a:p>
-            <a:r>
-              <a:rPr lang="en-US" dirty="0" smtClean="0">
-                <a:hlinkClick r:id="rId8"/>
-              </a:rPr>
-              <a:t>US20140281373A1: Digital signal processor and baseband communication device</a:t>
-            </a:r>
-            <a:endParaRPr lang="en-US" dirty="0" smtClean="0"/>
-          </a:p>
-          <a:p>
-            <a:r>
-              <a:rPr lang="en-US" dirty="0" smtClean="0">
-                <a:hlinkClick r:id="rId9"/>
-              </a:rPr>
-              <a:t>US20140344549A1: Digital signal processor and baseband communication device</a:t>
-            </a:r>
-            <a:endParaRPr lang="en-US" dirty="0" smtClean="0"/>
-          </a:p>
-          <a:p>
-            <a:r>
-              <a:rPr lang="en-US" dirty="0" smtClean="0">
-                <a:hlinkClick r:id="rId10"/>
-              </a:rPr>
-              <a:t>US20140351555A1: Digital signal processor and method for addressing a memory in a digital signal processor</a:t>
-            </a:r>
-            <a:endParaRPr lang="en-US" dirty="0" smtClean="0"/>
-          </a:p>
-          <a:p>
-            <a:r>
-              <a:rPr lang="en-US" dirty="0" smtClean="0">
-                <a:hlinkClick r:id="rId11"/>
-              </a:rPr>
-              <a:t>US20140359252A1: Digital signal processor</a:t>
-            </a:r>
-            <a:endParaRPr lang="en-US" dirty="0" smtClean="0"/>
-          </a:p>
-          <a:p>
-            <a:r>
-              <a:rPr lang="en-US" dirty="0" smtClean="0">
-                <a:hlinkClick r:id="rId12"/>
-              </a:rPr>
-              <a:t>US20140372728A1: Vector execution unit for digital signal processor</a:t>
-            </a:r>
-            <a:endParaRPr lang="en-US" dirty="0" smtClean="0"/>
-          </a:p>
-          <a:p>
-            <a:r>
-              <a:rPr lang="en-US" dirty="0" smtClean="0">
-                <a:hlinkClick r:id="rId13"/>
-              </a:rPr>
-              <a:t>US7299342B2: Complex vector executing clustered SIMD micro-architecture DSP with accelerator coupled complex ALU paths each further including short multiplier/accumulator using two's complement</a:t>
-            </a:r>
-            <a:endParaRPr lang="en-US" dirty="0" smtClean="0"/>
-          </a:p>
-          <a:p>
-            <a:r>
-              <a:rPr lang="en-US" dirty="0" smtClean="0">
-                <a:hlinkClick r:id="rId14"/>
-              </a:rPr>
-              <a:t>US7415595B2: Data processing without processor core intervention by chain of accelerators selectively coupled by programmable interconnect network and to memory</a:t>
-            </a:r>
-            <a:endParaRPr lang="en-US" dirty="0" smtClean="0"/>
-          </a:p>
-          <a:p>
-            <a:r>
-              <a:rPr lang="en-US" dirty="0" smtClean="0">
-                <a:hlinkClick r:id="rId15"/>
-              </a:rPr>
-              <a:t>US8874968B1: Method and system for testing a processor designed by a </a:t>
-            </a:r>
-            <a:r>
-              <a:rPr lang="en-US" dirty="0" err="1" smtClean="0">
-                <a:hlinkClick r:id="rId15"/>
-              </a:rPr>
-              <a:t>configurator</a:t>
-            </a:r>
-            <a:endParaRPr lang="en-US" dirty="0" smtClean="0"/>
-          </a:p>
-          <a:p>
-            <a:r>
-              <a:rPr lang="en-US" dirty="0" smtClean="0">
-                <a:hlinkClick r:id="rId16"/>
-              </a:rPr>
-              <a:t>US9557996B2: Digital signal processor and method for addressing a memory in a digital signal processor</a:t>
-            </a:r>
-            <a:endParaRPr lang="en-US" dirty="0"/>
+            <a:pPr>
+              <a:buNone/>
+            </a:pPr>
+            <a:r>
+              <a:rPr lang="en-US" dirty="0" smtClean="0"/>
+              <a:t>Standard </a:t>
+            </a:r>
+            <a:r>
+              <a:rPr lang="en-US" dirty="0" err="1" smtClean="0"/>
+              <a:t>SystemC</a:t>
+            </a:r>
+            <a:r>
+              <a:rPr lang="en-US" dirty="0" smtClean="0"/>
+              <a:t> Language Reference Manual</a:t>
+            </a:r>
+          </a:p>
+          <a:p>
+            <a:pPr>
+              <a:buNone/>
+            </a:pPr>
+            <a:endParaRPr lang="en-GB" dirty="0" smtClean="0"/>
           </a:p>
         </p:txBody>
       </p:sp>
@@ -5082,6 +6355,242 @@
               <a:t>These parts of the Vector Core is specific for target application</a:t>
             </a:r>
             <a:endParaRPr lang="en-US" dirty="0" smtClean="0"/>
+          </a:p>
+        </p:txBody>
+      </p:sp>
+    </p:spTree>
+  </p:cSld>
+  <p:clrMapOvr>
+    <a:masterClrMapping/>
+  </p:clrMapOvr>
+</p:sld>
+</file>
+
+<file path=ppt/slides/slide120.xml><?xml version="1.0" encoding="utf-8"?>
+<p:sld xmlns:a="http://schemas.openxmlformats.org/drawingml/2006/main" xmlns:r="http://schemas.openxmlformats.org/officeDocument/2006/relationships" xmlns:p="http://schemas.openxmlformats.org/presentationml/2006/main">
+  <p:cSld>
+    <p:spTree>
+      <p:nvGrpSpPr>
+        <p:cNvPr id="1" name=""/>
+        <p:cNvGrpSpPr/>
+        <p:nvPr/>
+      </p:nvGrpSpPr>
+      <p:grpSpPr>
+        <a:xfrm>
+          <a:off x="0" y="0"/>
+          <a:ext cx="0" cy="0"/>
+          <a:chOff x="0" y="0"/>
+          <a:chExt cx="0" cy="0"/>
+        </a:xfrm>
+      </p:grpSpPr>
+      <p:sp>
+        <p:nvSpPr>
+          <p:cNvPr id="2" name="Title 1"/>
+          <p:cNvSpPr>
+            <a:spLocks noGrp="1"/>
+          </p:cNvSpPr>
+          <p:nvPr>
+            <p:ph type="title"/>
+          </p:nvPr>
+        </p:nvSpPr>
+        <p:spPr/>
+        <p:txBody>
+          <a:bodyPr/>
+          <a:lstStyle/>
+          <a:p>
+            <a:r>
+              <a:rPr lang="en-GB" dirty="0" smtClean="0"/>
+              <a:t>Patents (for reference only)</a:t>
+            </a:r>
+            <a:endParaRPr lang="en-US" dirty="0"/>
+          </a:p>
+        </p:txBody>
+      </p:sp>
+      <p:sp>
+        <p:nvSpPr>
+          <p:cNvPr id="3" name="Content Placeholder 2"/>
+          <p:cNvSpPr>
+            <a:spLocks noGrp="1"/>
+          </p:cNvSpPr>
+          <p:nvPr>
+            <p:ph idx="1"/>
+          </p:nvPr>
+        </p:nvSpPr>
+        <p:spPr>
+          <a:xfrm>
+            <a:off x="457200" y="1600200"/>
+            <a:ext cx="8229600" cy="4419599"/>
+          </a:xfrm>
+        </p:spPr>
+        <p:txBody>
+          <a:bodyPr>
+            <a:normAutofit fontScale="40000" lnSpcReduction="20000"/>
+          </a:bodyPr>
+          <a:lstStyle/>
+          <a:p>
+            <a:r>
+              <a:rPr lang="en-US" dirty="0" smtClean="0">
+                <a:hlinkClick r:id="rId2"/>
+              </a:rPr>
+              <a:t>EP2751670B1: Digital signal processor</a:t>
+            </a:r>
+            <a:endParaRPr lang="en-US" dirty="0" smtClean="0"/>
+          </a:p>
+          <a:p>
+            <a:r>
+              <a:rPr lang="en-US" dirty="0" smtClean="0">
+                <a:hlinkClick r:id="rId3"/>
+              </a:rPr>
+              <a:t>EP2751671B1: Digital signal processor and baseband communication device</a:t>
+            </a:r>
+            <a:endParaRPr lang="en-US" dirty="0" smtClean="0"/>
+          </a:p>
+          <a:p>
+            <a:r>
+              <a:rPr lang="en-US" dirty="0" smtClean="0">
+                <a:hlinkClick r:id="rId4"/>
+              </a:rPr>
+              <a:t>US20060271764A1: Programmable digital signal processor including a clustered SIMD </a:t>
+            </a:r>
+            <a:r>
+              <a:rPr lang="en-US" dirty="0" err="1" smtClean="0">
+                <a:hlinkClick r:id="rId4"/>
+              </a:rPr>
+              <a:t>microarchitecture</a:t>
+            </a:r>
+            <a:r>
+              <a:rPr lang="en-US" dirty="0" smtClean="0">
+                <a:hlinkClick r:id="rId4"/>
+              </a:rPr>
+              <a:t> configured to execute complex vector instructions</a:t>
+            </a:r>
+            <a:endParaRPr lang="en-US" dirty="0" smtClean="0"/>
+          </a:p>
+          <a:p>
+            <a:r>
+              <a:rPr lang="en-US" dirty="0" smtClean="0">
+                <a:hlinkClick r:id="rId5"/>
+              </a:rPr>
+              <a:t>US20060271765A1: Digital signal processor including a programmable network</a:t>
+            </a:r>
+            <a:endParaRPr lang="en-US" dirty="0" smtClean="0"/>
+          </a:p>
+          <a:p>
+            <a:r>
+              <a:rPr lang="en-US" dirty="0" smtClean="0">
+                <a:hlinkClick r:id="rId6"/>
+              </a:rPr>
+              <a:t>US20070198815A1: Programmable digital signal processor having a clustered SIMD </a:t>
+            </a:r>
+            <a:r>
+              <a:rPr lang="en-US" dirty="0" err="1" smtClean="0">
+                <a:hlinkClick r:id="rId6"/>
+              </a:rPr>
+              <a:t>microarchitecture</a:t>
+            </a:r>
+            <a:r>
+              <a:rPr lang="en-US" dirty="0" smtClean="0">
+                <a:hlinkClick r:id="rId6"/>
+              </a:rPr>
+              <a:t> including a complex short multiplier and an independent vector load unit</a:t>
+            </a:r>
+            <a:endParaRPr lang="en-US" dirty="0" smtClean="0"/>
+          </a:p>
+          <a:p>
+            <a:r>
+              <a:rPr lang="en-US" dirty="0" smtClean="0">
+                <a:hlinkClick r:id="rId7"/>
+              </a:rPr>
+              <a:t>US20140244970A1: Digital signal processor and baseband communication device</a:t>
+            </a:r>
+            <a:endParaRPr lang="en-US" dirty="0" smtClean="0"/>
+          </a:p>
+          <a:p>
+            <a:r>
+              <a:rPr lang="en-US" dirty="0" smtClean="0">
+                <a:hlinkClick r:id="rId8"/>
+              </a:rPr>
+              <a:t>US20140281373A1: Digital signal processor and baseband communication device</a:t>
+            </a:r>
+            <a:endParaRPr lang="en-US" dirty="0" smtClean="0"/>
+          </a:p>
+          <a:p>
+            <a:r>
+              <a:rPr lang="en-US" dirty="0" smtClean="0">
+                <a:hlinkClick r:id="rId9"/>
+              </a:rPr>
+              <a:t>US20140344549A1: Digital signal processor and baseband communication device</a:t>
+            </a:r>
+            <a:endParaRPr lang="en-US" dirty="0" smtClean="0"/>
+          </a:p>
+          <a:p>
+            <a:r>
+              <a:rPr lang="en-US" dirty="0" smtClean="0">
+                <a:hlinkClick r:id="rId10"/>
+              </a:rPr>
+              <a:t>US20140351555A1: Digital signal processor and method for addressing a memory in a digital signal processor</a:t>
+            </a:r>
+            <a:endParaRPr lang="en-US" dirty="0" smtClean="0"/>
+          </a:p>
+          <a:p>
+            <a:r>
+              <a:rPr lang="en-US" dirty="0" smtClean="0">
+                <a:hlinkClick r:id="rId11"/>
+              </a:rPr>
+              <a:t>US20140359252A1: Digital signal processor</a:t>
+            </a:r>
+            <a:endParaRPr lang="en-US" dirty="0" smtClean="0"/>
+          </a:p>
+          <a:p>
+            <a:r>
+              <a:rPr lang="en-US" dirty="0" smtClean="0">
+                <a:hlinkClick r:id="rId12"/>
+              </a:rPr>
+              <a:t>US20140372728A1: Vector execution unit for digital signal processor</a:t>
+            </a:r>
+            <a:endParaRPr lang="en-US" dirty="0" smtClean="0"/>
+          </a:p>
+          <a:p>
+            <a:r>
+              <a:rPr lang="en-US" dirty="0" smtClean="0">
+                <a:hlinkClick r:id="rId13"/>
+              </a:rPr>
+              <a:t>US7299342B2: Complex vector executing clustered SIMD micro-architecture DSP with accelerator coupled complex ALU paths each further including short multiplier/accumulator using two's complement</a:t>
+            </a:r>
+            <a:endParaRPr lang="en-US" dirty="0" smtClean="0"/>
+          </a:p>
+          <a:p>
+            <a:r>
+              <a:rPr lang="en-US" dirty="0" smtClean="0">
+                <a:hlinkClick r:id="rId14"/>
+              </a:rPr>
+              <a:t>US7415595B2: Data processing without processor core intervention by chain of accelerators selectively coupled by programmable interconnect network and to memory</a:t>
+            </a:r>
+            <a:endParaRPr lang="en-US" dirty="0" smtClean="0"/>
+          </a:p>
+          <a:p>
+            <a:r>
+              <a:rPr lang="en-US" dirty="0" smtClean="0">
+                <a:hlinkClick r:id="rId15"/>
+              </a:rPr>
+              <a:t>US8874968B1: Method and system for testing a processor designed by a </a:t>
+            </a:r>
+            <a:r>
+              <a:rPr lang="en-US" dirty="0" err="1" smtClean="0">
+                <a:hlinkClick r:id="rId15"/>
+              </a:rPr>
+              <a:t>configurator</a:t>
+            </a:r>
+            <a:endParaRPr lang="en-US" dirty="0" smtClean="0"/>
+          </a:p>
+          <a:p>
+            <a:r>
+              <a:rPr lang="en-US" dirty="0" smtClean="0">
+                <a:hlinkClick r:id="rId16"/>
+              </a:rPr>
+              <a:t>US9557996B2: Digital signal processor and method for addressing a memory in a digital signal processor</a:t>
+            </a:r>
+            <a:endParaRPr lang="en-US" dirty="0"/>
           </a:p>
         </p:txBody>
       </p:sp>
@@ -9981,14 +11490,10 @@
             <a:pPr lvl="1"/>
             <a:r>
               <a:rPr lang="en-US" dirty="0" smtClean="0"/>
-              <a:t>Image and </a:t>
-            </a:r>
-            <a:r>
-              <a:rPr lang="en-US" smtClean="0"/>
-              <a:t>Video processing</a:t>
-            </a:r>
-            <a:r>
-              <a:rPr lang="en-US" smtClean="0"/>
+              <a:t>Image and Video processing</a:t>
+            </a:r>
+            <a:r>
+              <a:rPr lang="en-US" dirty="0" smtClean="0"/>
               <a:t> </a:t>
             </a:r>
             <a:endParaRPr lang="en-US" dirty="0" smtClean="0"/>
@@ -12453,13 +13958,46 @@
         </p:nvSpPr>
         <p:spPr/>
         <p:txBody>
-          <a:bodyPr/>
-          <a:lstStyle/>
-          <a:p>
-            <a:r>
-              <a:rPr lang="en-GB" dirty="0" smtClean="0"/>
-              <a:t>TESTS and Examples</a:t>
-            </a:r>
+          <a:bodyPr>
+            <a:normAutofit/>
+          </a:bodyPr>
+          <a:lstStyle/>
+          <a:p>
+            <a:r>
+              <a:rPr lang="en-GB" dirty="0" smtClean="0"/>
+              <a:t>Simulator Preferences</a:t>
+            </a:r>
+            <a:endParaRPr lang="en-US" dirty="0"/>
+          </a:p>
+        </p:txBody>
+      </p:sp>
+      <p:sp>
+        <p:nvSpPr>
+          <p:cNvPr id="3" name="Content Placeholder 2"/>
+          <p:cNvSpPr>
+            <a:spLocks noGrp="1"/>
+          </p:cNvSpPr>
+          <p:nvPr>
+            <p:ph idx="1"/>
+          </p:nvPr>
+        </p:nvSpPr>
+        <p:spPr/>
+        <p:txBody>
+          <a:bodyPr>
+            <a:normAutofit/>
+          </a:bodyPr>
+          <a:lstStyle/>
+          <a:p>
+            <a:pPr marL="514350" indent="-514350"/>
+            <a:r>
+              <a:rPr lang="en-GB" dirty="0" smtClean="0"/>
+              <a:t>Preferences are supplied to the simulator via </a:t>
+            </a:r>
+            <a:r>
+              <a:rPr lang="en-GB" dirty="0" smtClean="0"/>
+              <a:t>boost property tree or JSON string</a:t>
+            </a:r>
+            <a:endParaRPr lang="en-GB" dirty="0" smtClean="0"/>
           </a:p>
         </p:txBody>
       </p:sp>
@@ -12468,6 +14006,13 @@
   <p:clrMapOvr>
     <a:masterClrMapping/>
   </p:clrMapOvr>
+  <p:timing>
+    <p:tnLst>
+      <p:par>
+        <p:cTn id="1" dur="indefinite" restart="never" nodeType="tmRoot"/>
+      </p:par>
+    </p:tnLst>
+  </p:timing>
 </p:sld>
 </file>
 
@@ -12615,149 +14160,219 @@
         </p:nvSpPr>
         <p:spPr/>
         <p:txBody>
-          <a:bodyPr/>
-          <a:lstStyle/>
-          <a:p>
+          <a:bodyPr>
+            <a:normAutofit/>
+          </a:bodyPr>
+          <a:lstStyle/>
+          <a:p>
+            <a:r>
+              <a:rPr lang="en-GB" dirty="0" smtClean="0"/>
+              <a:t>Top-level </a:t>
+            </a:r>
+            <a:r>
+              <a:rPr lang="en-GB" dirty="0" smtClean="0"/>
+              <a:t>Sections</a:t>
+            </a:r>
+            <a:endParaRPr lang="en-US" dirty="0"/>
+          </a:p>
+        </p:txBody>
+      </p:sp>
+      <p:sp>
+        <p:nvSpPr>
+          <p:cNvPr id="3" name="Content Placeholder 2"/>
+          <p:cNvSpPr>
+            <a:spLocks noGrp="1"/>
+          </p:cNvSpPr>
+          <p:nvPr>
+            <p:ph idx="1"/>
+          </p:nvPr>
+        </p:nvSpPr>
+        <p:spPr/>
+        <p:txBody>
+          <a:bodyPr>
+            <a:normAutofit fontScale="70000" lnSpcReduction="20000"/>
+          </a:bodyPr>
+          <a:lstStyle/>
+          <a:p>
+            <a:pPr marL="514350" indent="-514350"/>
+            <a:r>
+              <a:rPr lang="en-GB" dirty="0" smtClean="0">
+                <a:latin typeface="Consolas" pitchFamily="49" charset="0"/>
+                <a:cs typeface="Consolas" pitchFamily="49" charset="0"/>
+              </a:rPr>
+              <a:t>“core”: </a:t>
+            </a:r>
+            <a:r>
+              <a:rPr lang="en-GB" sz="3100" dirty="0" smtClean="0"/>
+              <a:t>array of configurations of </a:t>
+            </a:r>
+            <a:r>
+              <a:rPr lang="en-GB" dirty="0" smtClean="0"/>
+              <a:t>the vector core components</a:t>
+            </a:r>
+          </a:p>
+          <a:p>
+            <a:pPr marL="514350" indent="-514350"/>
+            <a:r>
+              <a:rPr lang="en-GB" dirty="0" smtClean="0">
+                <a:latin typeface="Consolas" pitchFamily="49" charset="0"/>
+                <a:cs typeface="Consolas" pitchFamily="49" charset="0"/>
+              </a:rPr>
+              <a:t>“scalar”: </a:t>
+            </a:r>
+            <a:r>
+              <a:rPr lang="en-GB" sz="3100" dirty="0" smtClean="0"/>
+              <a:t>placeholder for scalar </a:t>
+            </a:r>
+            <a:r>
+              <a:rPr lang="en-GB" dirty="0" smtClean="0"/>
+              <a:t>core preferences [TBD]</a:t>
+            </a:r>
+            <a:endParaRPr lang="en-GB" dirty="0" smtClean="0"/>
+          </a:p>
+          <a:p>
+            <a:pPr marL="514350" indent="-514350"/>
+            <a:r>
+              <a:rPr lang="en-GB" dirty="0" smtClean="0">
+                <a:latin typeface="Consolas" pitchFamily="49" charset="0"/>
+                <a:cs typeface="Consolas" pitchFamily="49" charset="0"/>
+              </a:rPr>
+              <a:t>“pool”: </a:t>
+            </a:r>
+            <a:r>
+              <a:rPr lang="en-GB" dirty="0" smtClean="0"/>
+              <a:t>array of </a:t>
+            </a:r>
+            <a:r>
+              <a:rPr lang="en-GB" dirty="0" smtClean="0"/>
+              <a:t>the specifications of the Common </a:t>
+            </a:r>
+            <a:r>
+              <a:rPr lang="en-GB" dirty="0" smtClean="0"/>
+              <a:t>Data and Memory </a:t>
+            </a:r>
+            <a:r>
+              <a:rPr lang="en-GB" dirty="0" smtClean="0"/>
+              <a:t>Pool segments.</a:t>
+            </a:r>
+            <a:endParaRPr lang="en-GB" dirty="0" smtClean="0"/>
+          </a:p>
+          <a:p>
+            <a:pPr marL="514350" indent="-514350"/>
+            <a:r>
+              <a:rPr lang="en-GB" dirty="0" smtClean="0">
+                <a:latin typeface="Consolas" pitchFamily="49" charset="0"/>
+                <a:cs typeface="Consolas" pitchFamily="49" charset="0"/>
+              </a:rPr>
+              <a:t>“clock”: </a:t>
+            </a:r>
+            <a:r>
+              <a:rPr lang="en-GB" dirty="0" smtClean="0"/>
+              <a:t>clock frequency specification</a:t>
+            </a:r>
+            <a:endParaRPr lang="en-GB" dirty="0" smtClean="0"/>
+          </a:p>
+          <a:p>
+            <a:pPr marL="514350" indent="-514350"/>
+            <a:r>
+              <a:rPr lang="en-GB" dirty="0" smtClean="0">
+                <a:latin typeface="Consolas" pitchFamily="49" charset="0"/>
+                <a:cs typeface="Consolas" pitchFamily="49" charset="0"/>
+              </a:rPr>
+              <a:t>“time</a:t>
+            </a:r>
+            <a:r>
+              <a:rPr lang="en-GB" dirty="0" smtClean="0">
+                <a:latin typeface="Consolas" pitchFamily="49" charset="0"/>
+                <a:cs typeface="Consolas" pitchFamily="49" charset="0"/>
+              </a:rPr>
+              <a:t>”: </a:t>
+            </a:r>
+            <a:r>
+              <a:rPr lang="en-GB" dirty="0" smtClean="0"/>
+              <a:t>specification of the simulation time and resolution</a:t>
+            </a:r>
+          </a:p>
+          <a:p>
+            <a:pPr marL="514350" indent="-514350"/>
+            <a:r>
+              <a:rPr lang="en-GB" dirty="0" smtClean="0">
+                <a:latin typeface="Consolas" pitchFamily="49" charset="0"/>
+                <a:cs typeface="Consolas" pitchFamily="49" charset="0"/>
+              </a:rPr>
+              <a:t>“trace</a:t>
+            </a:r>
+            <a:r>
+              <a:rPr lang="en-GB" dirty="0" smtClean="0">
+                <a:latin typeface="Consolas" pitchFamily="49" charset="0"/>
+                <a:cs typeface="Consolas" pitchFamily="49" charset="0"/>
+              </a:rPr>
+              <a:t>”: </a:t>
+            </a:r>
+            <a:r>
+              <a:rPr lang="en-GB" dirty="0" smtClean="0"/>
+              <a:t>specification of the VCD trace and waveform translation</a:t>
+            </a:r>
+          </a:p>
+          <a:p>
+            <a:pPr marL="514350" indent="-514350"/>
+            <a:r>
+              <a:rPr lang="en-GB" dirty="0" smtClean="0">
+                <a:latin typeface="Consolas" pitchFamily="49" charset="0"/>
+                <a:cs typeface="Consolas" pitchFamily="49" charset="0"/>
+              </a:rPr>
+              <a:t>“dump</a:t>
+            </a:r>
+            <a:r>
+              <a:rPr lang="en-GB" dirty="0" smtClean="0">
+                <a:latin typeface="Consolas" pitchFamily="49" charset="0"/>
+                <a:cs typeface="Consolas" pitchFamily="49" charset="0"/>
+              </a:rPr>
+              <a:t>”: </a:t>
+            </a:r>
+            <a:r>
+              <a:rPr lang="en-GB" dirty="0" smtClean="0"/>
+              <a:t>an array of </a:t>
+            </a:r>
+            <a:r>
+              <a:rPr lang="en-GB" dirty="0" smtClean="0"/>
+              <a:t>data dump specifications for the different points of the simulated system</a:t>
+            </a:r>
+          </a:p>
+          <a:p>
+            <a:pPr marL="514350" indent="-514350"/>
+            <a:r>
+              <a:rPr lang="en-GB" dirty="0" smtClean="0">
+                <a:latin typeface="Consolas" pitchFamily="49" charset="0"/>
+                <a:cs typeface="Consolas" pitchFamily="49" charset="0"/>
+              </a:rPr>
+              <a:t>“report</a:t>
+            </a:r>
+            <a:r>
+              <a:rPr lang="en-GB" dirty="0" smtClean="0">
+                <a:latin typeface="Consolas" pitchFamily="49" charset="0"/>
+                <a:cs typeface="Consolas" pitchFamily="49" charset="0"/>
+              </a:rPr>
+              <a:t>”: </a:t>
+            </a:r>
+            <a:r>
+              <a:rPr lang="en-GB" dirty="0" smtClean="0"/>
+              <a:t>controls for </a:t>
+            </a:r>
             <a:r>
               <a:rPr lang="en-GB" dirty="0" err="1" smtClean="0"/>
-              <a:t>vri_test</a:t>
-            </a:r>
-            <a:endParaRPr lang="en-US" dirty="0"/>
-          </a:p>
-        </p:txBody>
-      </p:sp>
-      <p:sp>
-        <p:nvSpPr>
-          <p:cNvPr id="3" name="Content Placeholder 2"/>
-          <p:cNvSpPr>
-            <a:spLocks noGrp="1"/>
-          </p:cNvSpPr>
-          <p:nvPr>
-            <p:ph idx="1"/>
-          </p:nvPr>
-        </p:nvSpPr>
-        <p:spPr>
-          <a:xfrm>
-            <a:off x="457200" y="1600200"/>
-            <a:ext cx="8229600" cy="4343400"/>
-          </a:xfrm>
-        </p:spPr>
-        <p:txBody>
-          <a:bodyPr>
-            <a:normAutofit fontScale="55000" lnSpcReduction="20000"/>
-          </a:bodyPr>
-          <a:lstStyle/>
-          <a:p>
-            <a:r>
-              <a:rPr lang="en-GB" dirty="0" smtClean="0"/>
-              <a:t>Verifies system integration and overall functionality</a:t>
-            </a:r>
-          </a:p>
-          <a:p>
-            <a:pPr lvl="1"/>
-            <a:r>
-              <a:rPr lang="en-GB" dirty="0" smtClean="0"/>
-              <a:t>Vector transfers</a:t>
-            </a:r>
-          </a:p>
-          <a:p>
-            <a:pPr lvl="1"/>
-            <a:r>
-              <a:rPr lang="en-GB" dirty="0" smtClean="0"/>
-              <a:t>Block configuration, status and events transfers</a:t>
-            </a:r>
-          </a:p>
-          <a:p>
-            <a:r>
-              <a:rPr lang="en-GB" dirty="0" smtClean="0"/>
-              <a:t>Verifies operation of VALID-READY interface and XBAR functionality</a:t>
-            </a:r>
-          </a:p>
-          <a:p>
-            <a:r>
-              <a:rPr lang="en-GB" dirty="0" smtClean="0"/>
-              <a:t>Verifies execution modes and command sequencing</a:t>
-            </a:r>
-          </a:p>
-          <a:p>
-            <a:pPr lvl="1"/>
-            <a:r>
-              <a:rPr lang="en-US" dirty="0" smtClean="0"/>
-              <a:t>Under the control of the Scalar Core</a:t>
-            </a:r>
-          </a:p>
-          <a:p>
-            <a:pPr lvl="1"/>
-            <a:r>
-              <a:rPr lang="en-US" dirty="0" smtClean="0"/>
-              <a:t>Under the control of the Vector Core</a:t>
-            </a:r>
-            <a:endParaRPr lang="en-GB" dirty="0" smtClean="0"/>
-          </a:p>
-          <a:p>
-            <a:r>
-              <a:rPr lang="en-GB" dirty="0" err="1" smtClean="0"/>
-              <a:t>siggen</a:t>
-            </a:r>
-            <a:r>
-              <a:rPr lang="en-GB" dirty="0" smtClean="0"/>
-              <a:t>: Streaming block which simulates VALID-READY source</a:t>
-            </a:r>
-          </a:p>
-          <a:p>
-            <a:pPr lvl="1"/>
-            <a:r>
-              <a:rPr lang="en-GB" dirty="0" smtClean="0"/>
-              <a:t>Configurable random VALID or always VALID</a:t>
-            </a:r>
-          </a:p>
-          <a:p>
-            <a:pPr lvl="1"/>
-            <a:r>
-              <a:rPr lang="en-GB" dirty="0" smtClean="0"/>
-              <a:t>Generates random DATA with checksum at TAIL</a:t>
-            </a:r>
-          </a:p>
-          <a:p>
-            <a:r>
-              <a:rPr lang="en-GB" dirty="0" err="1" smtClean="0"/>
-              <a:t>sigana</a:t>
-            </a:r>
-            <a:r>
-              <a:rPr lang="en-GB" dirty="0" smtClean="0"/>
-              <a:t>: Streaming block which simulates VALID-READY destination</a:t>
-            </a:r>
-          </a:p>
-          <a:p>
-            <a:pPr lvl="1"/>
-            <a:r>
-              <a:rPr lang="en-GB" dirty="0" smtClean="0"/>
-              <a:t>Configurable random READY or always READY</a:t>
-            </a:r>
-          </a:p>
-          <a:p>
-            <a:pPr lvl="1"/>
-            <a:r>
-              <a:rPr lang="en-GB" dirty="0" smtClean="0"/>
-              <a:t>Receives DATA and verifies the checksum</a:t>
-            </a:r>
-          </a:p>
-          <a:p>
-            <a:r>
-              <a:rPr lang="en-GB" dirty="0" smtClean="0"/>
-              <a:t>Assertions inside VALID-READY channel</a:t>
-            </a:r>
-          </a:p>
-          <a:p>
-            <a:r>
-              <a:rPr lang="en-GB" dirty="0" smtClean="0"/>
-              <a:t>Inspection of the VCD trace</a:t>
-            </a:r>
-          </a:p>
-          <a:p>
-            <a:r>
-              <a:rPr lang="en-GB" dirty="0" smtClean="0"/>
-              <a:t>Tests 01..07 run continuously in the random order for 1 ms</a:t>
+              <a:t>SystemC</a:t>
+            </a:r>
+            <a:r>
+              <a:rPr lang="en-GB" dirty="0" smtClean="0"/>
+              <a:t> logging and reporting</a:t>
+            </a:r>
+          </a:p>
+          <a:p>
+            <a:pPr marL="514350" indent="-514350"/>
+            <a:r>
+              <a:rPr lang="en-GB" dirty="0" smtClean="0"/>
+              <a:t>Please refer to the examples for the specification details</a:t>
             </a:r>
           </a:p>
         </p:txBody>
@@ -12767,6 +14382,13 @@
   <p:clrMapOvr>
     <a:masterClrMapping/>
   </p:clrMapOvr>
+  <p:timing>
+    <p:tnLst>
+      <p:par>
+        <p:cTn id="1" dur="indefinite" restart="never" nodeType="tmRoot"/>
+      </p:par>
+    </p:tnLst>
+  </p:timing>
 </p:sld>
 </file>
 
@@ -12799,12 +14421,14 @@
         </p:nvSpPr>
         <p:spPr/>
         <p:txBody>
-          <a:bodyPr/>
-          <a:lstStyle/>
-          <a:p>
-            <a:r>
-              <a:rPr lang="en-GB" dirty="0" err="1" smtClean="0"/>
-              <a:t>vri_test</a:t>
+          <a:bodyPr>
+            <a:normAutofit fontScale="90000"/>
+          </a:bodyPr>
+          <a:lstStyle/>
+          <a:p>
+            <a:r>
+              <a:rPr lang="en-GB" dirty="0" smtClean="0"/>
+              <a:t>Specification of the Core Component</a:t>
             </a:r>
             <a:endParaRPr lang="en-US" dirty="0"/>
           </a:p>
@@ -12820,148 +14444,1018 @@
             <p:ph idx="1"/>
           </p:nvPr>
         </p:nvSpPr>
-        <p:spPr>
-          <a:xfrm>
-            <a:off x="457200" y="1600200"/>
-            <a:ext cx="8229600" cy="4343400"/>
-          </a:xfrm>
-        </p:spPr>
+        <p:spPr/>
         <p:txBody>
           <a:bodyPr>
             <a:normAutofit/>
           </a:bodyPr>
           <a:lstStyle/>
           <a:p>
-            <a:r>
-              <a:rPr lang="en-US" dirty="0" smtClean="0"/>
-              <a:t>Clean </a:t>
-            </a:r>
-          </a:p>
-          <a:p>
-            <a:pPr>
-              <a:buNone/>
-            </a:pPr>
-            <a:r>
-              <a:rPr lang="en-US" sz="2400" dirty="0" smtClean="0">
+            <a:pPr marL="514350" indent="-514350"/>
+            <a:endParaRPr lang="en-GB" dirty="0" smtClean="0"/>
+          </a:p>
+        </p:txBody>
+      </p:sp>
+    </p:spTree>
+  </p:cSld>
+  <p:clrMapOvr>
+    <a:masterClrMapping/>
+  </p:clrMapOvr>
+  <p:timing>
+    <p:tnLst>
+      <p:par>
+        <p:cTn id="1" dur="indefinite" restart="never" nodeType="tmRoot"/>
+      </p:par>
+    </p:tnLst>
+  </p:timing>
+</p:sld>
+</file>
+
+<file path=ppt/slides/slide72.xml><?xml version="1.0" encoding="utf-8"?>
+<p:sld xmlns:a="http://schemas.openxmlformats.org/drawingml/2006/main" xmlns:r="http://schemas.openxmlformats.org/officeDocument/2006/relationships" xmlns:p="http://schemas.openxmlformats.org/presentationml/2006/main">
+  <p:cSld>
+    <p:spTree>
+      <p:nvGrpSpPr>
+        <p:cNvPr id="1" name=""/>
+        <p:cNvGrpSpPr/>
+        <p:nvPr/>
+      </p:nvGrpSpPr>
+      <p:grpSpPr>
+        <a:xfrm>
+          <a:off x="0" y="0"/>
+          <a:ext cx="0" cy="0"/>
+          <a:chOff x="0" y="0"/>
+          <a:chExt cx="0" cy="0"/>
+        </a:xfrm>
+      </p:grpSpPr>
+      <p:sp>
+        <p:nvSpPr>
+          <p:cNvPr id="2" name="Title 1"/>
+          <p:cNvSpPr>
+            <a:spLocks noGrp="1"/>
+          </p:cNvSpPr>
+          <p:nvPr>
+            <p:ph type="title"/>
+          </p:nvPr>
+        </p:nvSpPr>
+        <p:spPr/>
+        <p:txBody>
+          <a:bodyPr>
+            <a:normAutofit/>
+          </a:bodyPr>
+          <a:lstStyle/>
+          <a:p>
+            <a:r>
+              <a:rPr lang="en-GB" dirty="0" smtClean="0"/>
+              <a:t>Pool Segment Specification</a:t>
+            </a:r>
+            <a:endParaRPr lang="en-US" dirty="0"/>
+          </a:p>
+        </p:txBody>
+      </p:sp>
+      <p:sp>
+        <p:nvSpPr>
+          <p:cNvPr id="3" name="Content Placeholder 2"/>
+          <p:cNvSpPr>
+            <a:spLocks noGrp="1"/>
+          </p:cNvSpPr>
+          <p:nvPr>
+            <p:ph idx="1"/>
+          </p:nvPr>
+        </p:nvSpPr>
+        <p:spPr/>
+        <p:txBody>
+          <a:bodyPr>
+            <a:normAutofit/>
+          </a:bodyPr>
+          <a:lstStyle/>
+          <a:p>
+            <a:pPr marL="514350" indent="-514350"/>
+            <a:r>
+              <a:rPr lang="en-GB" dirty="0" smtClean="0"/>
+              <a:t>“name”:</a:t>
+            </a:r>
+          </a:p>
+          <a:p>
+            <a:pPr marL="514350" indent="-514350"/>
+            <a:r>
+              <a:rPr lang="en-GB" dirty="0" smtClean="0"/>
+              <a:t>“size”:</a:t>
+            </a:r>
+          </a:p>
+          <a:p>
+            <a:pPr marL="514350" indent="-514350"/>
+            <a:r>
+              <a:rPr lang="en-GB" dirty="0" smtClean="0"/>
+              <a:t>“init”:</a:t>
+            </a:r>
+          </a:p>
+          <a:p>
+            <a:pPr marL="914400" lvl="1" indent="-514350"/>
+            <a:r>
+              <a:rPr lang="en-GB" dirty="0" smtClean="0"/>
+              <a:t>“base”:</a:t>
+            </a:r>
+          </a:p>
+          <a:p>
+            <a:pPr marL="914400" lvl="1" indent="-514350"/>
+            <a:r>
+              <a:rPr lang="en-GB" dirty="0" smtClean="0"/>
+              <a:t>“file”:</a:t>
+            </a:r>
+          </a:p>
+          <a:p>
+            <a:pPr marL="914400" lvl="1" indent="-514350"/>
+            <a:r>
+              <a:rPr lang="en-GB" dirty="0" smtClean="0"/>
+              <a:t>“</a:t>
+            </a:r>
+            <a:r>
+              <a:rPr lang="en-GB" dirty="0" err="1" smtClean="0"/>
+              <a:t>var</a:t>
+            </a:r>
+            <a:r>
+              <a:rPr lang="en-GB" smtClean="0"/>
+              <a:t>”:</a:t>
+            </a:r>
+            <a:endParaRPr lang="en-GB" dirty="0" smtClean="0"/>
+          </a:p>
+        </p:txBody>
+      </p:sp>
+    </p:spTree>
+  </p:cSld>
+  <p:clrMapOvr>
+    <a:masterClrMapping/>
+  </p:clrMapOvr>
+  <p:timing>
+    <p:tnLst>
+      <p:par>
+        <p:cTn id="1" dur="indefinite" restart="never" nodeType="tmRoot"/>
+      </p:par>
+    </p:tnLst>
+  </p:timing>
+</p:sld>
+</file>
+
+<file path=ppt/slides/slide73.xml><?xml version="1.0" encoding="utf-8"?>
+<p:sld xmlns:a="http://schemas.openxmlformats.org/drawingml/2006/main" xmlns:r="http://schemas.openxmlformats.org/officeDocument/2006/relationships" xmlns:p="http://schemas.openxmlformats.org/presentationml/2006/main">
+  <p:cSld>
+    <p:spTree>
+      <p:nvGrpSpPr>
+        <p:cNvPr id="1" name=""/>
+        <p:cNvGrpSpPr/>
+        <p:nvPr/>
+      </p:nvGrpSpPr>
+      <p:grpSpPr>
+        <a:xfrm>
+          <a:off x="0" y="0"/>
+          <a:ext cx="0" cy="0"/>
+          <a:chOff x="0" y="0"/>
+          <a:chExt cx="0" cy="0"/>
+        </a:xfrm>
+      </p:grpSpPr>
+      <p:sp>
+        <p:nvSpPr>
+          <p:cNvPr id="2" name="Title 1"/>
+          <p:cNvSpPr>
+            <a:spLocks noGrp="1"/>
+          </p:cNvSpPr>
+          <p:nvPr>
+            <p:ph type="title"/>
+          </p:nvPr>
+        </p:nvSpPr>
+        <p:spPr/>
+        <p:txBody>
+          <a:bodyPr>
+            <a:normAutofit/>
+          </a:bodyPr>
+          <a:lstStyle/>
+          <a:p>
+            <a:r>
+              <a:rPr lang="en-GB" dirty="0" smtClean="0"/>
+              <a:t>Frequency Specification</a:t>
+            </a:r>
+            <a:endParaRPr lang="en-US" dirty="0"/>
+          </a:p>
+        </p:txBody>
+      </p:sp>
+      <p:sp>
+        <p:nvSpPr>
+          <p:cNvPr id="3" name="Content Placeholder 2"/>
+          <p:cNvSpPr>
+            <a:spLocks noGrp="1"/>
+          </p:cNvSpPr>
+          <p:nvPr>
+            <p:ph idx="1"/>
+          </p:nvPr>
+        </p:nvSpPr>
+        <p:spPr/>
+        <p:txBody>
+          <a:bodyPr>
+            <a:normAutofit/>
+          </a:bodyPr>
+          <a:lstStyle/>
+          <a:p>
+            <a:pPr marL="514350" indent="-514350"/>
+            <a:r>
+              <a:rPr lang="en-GB" dirty="0" smtClean="0">
                 <a:latin typeface="Consolas" pitchFamily="49" charset="0"/>
                 <a:cs typeface="Consolas" pitchFamily="49" charset="0"/>
               </a:rPr>
-              <a:t>make EXAMPLE=basic/</a:t>
-            </a:r>
-            <a:r>
-              <a:rPr lang="en-US" sz="2400" dirty="0" err="1" smtClean="0">
+              <a:t>“frequency”: </a:t>
+            </a:r>
+            <a:r>
+              <a:rPr lang="en-GB" dirty="0" smtClean="0"/>
+              <a:t>specifies clock frequency of the processor</a:t>
+            </a:r>
+            <a:endParaRPr lang="en-GB" dirty="0" smtClean="0"/>
+          </a:p>
+        </p:txBody>
+      </p:sp>
+    </p:spTree>
+  </p:cSld>
+  <p:clrMapOvr>
+    <a:masterClrMapping/>
+  </p:clrMapOvr>
+  <p:timing>
+    <p:tnLst>
+      <p:par>
+        <p:cTn id="1" dur="indefinite" restart="never" nodeType="tmRoot"/>
+      </p:par>
+    </p:tnLst>
+  </p:timing>
+</p:sld>
+</file>
+
+<file path=ppt/slides/slide74.xml><?xml version="1.0" encoding="utf-8"?>
+<p:sld xmlns:a="http://schemas.openxmlformats.org/drawingml/2006/main" xmlns:r="http://schemas.openxmlformats.org/officeDocument/2006/relationships" xmlns:p="http://schemas.openxmlformats.org/presentationml/2006/main">
+  <p:cSld>
+    <p:spTree>
+      <p:nvGrpSpPr>
+        <p:cNvPr id="1" name=""/>
+        <p:cNvGrpSpPr/>
+        <p:nvPr/>
+      </p:nvGrpSpPr>
+      <p:grpSpPr>
+        <a:xfrm>
+          <a:off x="0" y="0"/>
+          <a:ext cx="0" cy="0"/>
+          <a:chOff x="0" y="0"/>
+          <a:chExt cx="0" cy="0"/>
+        </a:xfrm>
+      </p:grpSpPr>
+      <p:sp>
+        <p:nvSpPr>
+          <p:cNvPr id="2" name="Title 1"/>
+          <p:cNvSpPr>
+            <a:spLocks noGrp="1"/>
+          </p:cNvSpPr>
+          <p:nvPr>
+            <p:ph type="title"/>
+          </p:nvPr>
+        </p:nvSpPr>
+        <p:spPr/>
+        <p:txBody>
+          <a:bodyPr>
+            <a:normAutofit/>
+          </a:bodyPr>
+          <a:lstStyle/>
+          <a:p>
+            <a:r>
+              <a:rPr lang="en-GB" dirty="0" smtClean="0"/>
+              <a:t>Time Specification</a:t>
+            </a:r>
+            <a:endParaRPr lang="en-US" dirty="0"/>
+          </a:p>
+        </p:txBody>
+      </p:sp>
+      <p:sp>
+        <p:nvSpPr>
+          <p:cNvPr id="3" name="Content Placeholder 2"/>
+          <p:cNvSpPr>
+            <a:spLocks noGrp="1"/>
+          </p:cNvSpPr>
+          <p:nvPr>
+            <p:ph idx="1"/>
+          </p:nvPr>
+        </p:nvSpPr>
+        <p:spPr/>
+        <p:txBody>
+          <a:bodyPr>
+            <a:normAutofit/>
+          </a:bodyPr>
+          <a:lstStyle/>
+          <a:p>
+            <a:pPr marL="514350" indent="-514350"/>
+            <a:r>
+              <a:rPr lang="en-GB" dirty="0" smtClean="0">
                 <a:latin typeface="Consolas" pitchFamily="49" charset="0"/>
                 <a:cs typeface="Consolas" pitchFamily="49" charset="0"/>
               </a:rPr>
-              <a:t>vri_test</a:t>
-            </a:r>
-            <a:r>
-              <a:rPr lang="en-US" sz="2400" dirty="0" smtClean="0">
+              <a:t>“resolution”: </a:t>
+            </a:r>
+            <a:r>
+              <a:rPr lang="en-GB" dirty="0" smtClean="0"/>
+              <a:t>specifies simulation time resolution. See [3] </a:t>
+            </a:r>
+            <a:r>
+              <a:rPr lang="en-GB" dirty="0" smtClean="0"/>
+              <a:t>section </a:t>
+            </a:r>
+            <a:r>
+              <a:rPr lang="en-US" dirty="0" smtClean="0"/>
+              <a:t>5.11.3</a:t>
+            </a:r>
+            <a:r>
+              <a:rPr lang="en-GB" dirty="0" smtClean="0"/>
+              <a:t> </a:t>
+            </a:r>
+          </a:p>
+          <a:p>
+            <a:pPr marL="514350" indent="-514350"/>
+            <a:r>
+              <a:rPr lang="en-GB" dirty="0" smtClean="0">
                 <a:latin typeface="Consolas" pitchFamily="49" charset="0"/>
                 <a:cs typeface="Consolas" pitchFamily="49" charset="0"/>
               </a:rPr>
-              <a:t> clean </a:t>
-            </a:r>
-          </a:p>
-          <a:p>
-            <a:r>
-              <a:rPr lang="en-US" dirty="0" smtClean="0"/>
-              <a:t>Build </a:t>
-            </a:r>
-          </a:p>
-          <a:p>
-            <a:pPr>
-              <a:buNone/>
-            </a:pPr>
-            <a:r>
-              <a:rPr lang="en-US" sz="2400" dirty="0" smtClean="0">
+              <a:t>“finish”: </a:t>
+            </a:r>
+            <a:r>
+              <a:rPr lang="en-GB" dirty="0" smtClean="0"/>
+              <a:t>specifies simulation </a:t>
+            </a:r>
+            <a:r>
+              <a:rPr lang="en-GB" dirty="0" smtClean="0"/>
+              <a:t>time. See [3] </a:t>
+            </a:r>
+            <a:r>
+              <a:rPr lang="en-GB" dirty="0" smtClean="0"/>
+              <a:t>section </a:t>
+            </a:r>
+            <a:r>
+              <a:rPr lang="en-US" dirty="0" smtClean="0"/>
+              <a:t>4.3.4.2</a:t>
+            </a:r>
+            <a:endParaRPr lang="en-GB" dirty="0" smtClean="0"/>
+          </a:p>
+        </p:txBody>
+      </p:sp>
+    </p:spTree>
+  </p:cSld>
+  <p:clrMapOvr>
+    <a:masterClrMapping/>
+  </p:clrMapOvr>
+  <p:timing>
+    <p:tnLst>
+      <p:par>
+        <p:cTn id="1" dur="indefinite" restart="never" nodeType="tmRoot"/>
+      </p:par>
+    </p:tnLst>
+  </p:timing>
+</p:sld>
+</file>
+
+<file path=ppt/slides/slide75.xml><?xml version="1.0" encoding="utf-8"?>
+<p:sld xmlns:a="http://schemas.openxmlformats.org/drawingml/2006/main" xmlns:r="http://schemas.openxmlformats.org/officeDocument/2006/relationships" xmlns:p="http://schemas.openxmlformats.org/presentationml/2006/main">
+  <p:cSld>
+    <p:spTree>
+      <p:nvGrpSpPr>
+        <p:cNvPr id="1" name=""/>
+        <p:cNvGrpSpPr/>
+        <p:nvPr/>
+      </p:nvGrpSpPr>
+      <p:grpSpPr>
+        <a:xfrm>
+          <a:off x="0" y="0"/>
+          <a:ext cx="0" cy="0"/>
+          <a:chOff x="0" y="0"/>
+          <a:chExt cx="0" cy="0"/>
+        </a:xfrm>
+      </p:grpSpPr>
+      <p:sp>
+        <p:nvSpPr>
+          <p:cNvPr id="2" name="Title 1"/>
+          <p:cNvSpPr>
+            <a:spLocks noGrp="1"/>
+          </p:cNvSpPr>
+          <p:nvPr>
+            <p:ph type="title"/>
+          </p:nvPr>
+        </p:nvSpPr>
+        <p:spPr/>
+        <p:txBody>
+          <a:bodyPr>
+            <a:normAutofit/>
+          </a:bodyPr>
+          <a:lstStyle/>
+          <a:p>
+            <a:r>
+              <a:rPr lang="en-GB" dirty="0" smtClean="0"/>
+              <a:t>VCD Trace Specification</a:t>
+            </a:r>
+            <a:endParaRPr lang="en-US" dirty="0"/>
+          </a:p>
+        </p:txBody>
+      </p:sp>
+      <p:sp>
+        <p:nvSpPr>
+          <p:cNvPr id="3" name="Content Placeholder 2"/>
+          <p:cNvSpPr>
+            <a:spLocks noGrp="1"/>
+          </p:cNvSpPr>
+          <p:nvPr>
+            <p:ph idx="1"/>
+          </p:nvPr>
+        </p:nvSpPr>
+        <p:spPr/>
+        <p:txBody>
+          <a:bodyPr>
+            <a:normAutofit/>
+          </a:bodyPr>
+          <a:lstStyle/>
+          <a:p>
+            <a:pPr marL="514350" indent="-514350"/>
+            <a:r>
+              <a:rPr lang="en-GB" dirty="0" smtClean="0">
                 <a:latin typeface="Consolas" pitchFamily="49" charset="0"/>
                 <a:cs typeface="Consolas" pitchFamily="49" charset="0"/>
               </a:rPr>
-              <a:t>make EXAMPLE=basic/</a:t>
-            </a:r>
-            <a:r>
-              <a:rPr lang="en-US" sz="2400" dirty="0" err="1" smtClean="0">
+              <a:t>“file”: </a:t>
+            </a:r>
+            <a:r>
+              <a:rPr lang="en-GB" dirty="0" smtClean="0"/>
+              <a:t>Specification of </a:t>
+            </a:r>
+            <a:r>
+              <a:rPr lang="en-GB" dirty="0" smtClean="0"/>
+              <a:t>the name </a:t>
+            </a:r>
+            <a:r>
+              <a:rPr lang="en-GB" dirty="0" smtClean="0"/>
+              <a:t>for VCD file. File extension is added.</a:t>
+            </a:r>
+            <a:endParaRPr lang="en-GB" dirty="0" smtClean="0"/>
+          </a:p>
+        </p:txBody>
+      </p:sp>
+    </p:spTree>
+  </p:cSld>
+  <p:clrMapOvr>
+    <a:masterClrMapping/>
+  </p:clrMapOvr>
+  <p:timing>
+    <p:tnLst>
+      <p:par>
+        <p:cTn id="1" dur="indefinite" restart="never" nodeType="tmRoot"/>
+      </p:par>
+    </p:tnLst>
+  </p:timing>
+</p:sld>
+</file>
+
+<file path=ppt/slides/slide76.xml><?xml version="1.0" encoding="utf-8"?>
+<p:sld xmlns:a="http://schemas.openxmlformats.org/drawingml/2006/main" xmlns:r="http://schemas.openxmlformats.org/officeDocument/2006/relationships" xmlns:p="http://schemas.openxmlformats.org/presentationml/2006/main">
+  <p:cSld>
+    <p:spTree>
+      <p:nvGrpSpPr>
+        <p:cNvPr id="1" name=""/>
+        <p:cNvGrpSpPr/>
+        <p:nvPr/>
+      </p:nvGrpSpPr>
+      <p:grpSpPr>
+        <a:xfrm>
+          <a:off x="0" y="0"/>
+          <a:ext cx="0" cy="0"/>
+          <a:chOff x="0" y="0"/>
+          <a:chExt cx="0" cy="0"/>
+        </a:xfrm>
+      </p:grpSpPr>
+      <p:sp>
+        <p:nvSpPr>
+          <p:cNvPr id="2" name="Title 1"/>
+          <p:cNvSpPr>
+            <a:spLocks noGrp="1"/>
+          </p:cNvSpPr>
+          <p:nvPr>
+            <p:ph type="title"/>
+          </p:nvPr>
+        </p:nvSpPr>
+        <p:spPr/>
+        <p:txBody>
+          <a:bodyPr>
+            <a:normAutofit/>
+          </a:bodyPr>
+          <a:lstStyle/>
+          <a:p>
+            <a:r>
+              <a:rPr lang="en-GB" dirty="0" smtClean="0"/>
+              <a:t>Data Dump Specification</a:t>
+            </a:r>
+            <a:endParaRPr lang="en-US" dirty="0"/>
+          </a:p>
+        </p:txBody>
+      </p:sp>
+      <p:sp>
+        <p:nvSpPr>
+          <p:cNvPr id="3" name="Content Placeholder 2"/>
+          <p:cNvSpPr>
+            <a:spLocks noGrp="1"/>
+          </p:cNvSpPr>
+          <p:nvPr>
+            <p:ph idx="1"/>
+          </p:nvPr>
+        </p:nvSpPr>
+        <p:spPr/>
+        <p:txBody>
+          <a:bodyPr>
+            <a:normAutofit fontScale="77500" lnSpcReduction="20000"/>
+          </a:bodyPr>
+          <a:lstStyle/>
+          <a:p>
+            <a:pPr marL="514350" indent="-514350"/>
+            <a:r>
+              <a:rPr lang="en-US" dirty="0" smtClean="0">
                 <a:latin typeface="Consolas" pitchFamily="49" charset="0"/>
                 <a:cs typeface="Consolas" pitchFamily="49" charset="0"/>
               </a:rPr>
-              <a:t>vri_test</a:t>
-            </a:r>
-            <a:r>
-              <a:rPr lang="en-US" sz="2400" dirty="0" smtClean="0">
+              <a:t>"</a:t>
+            </a:r>
+            <a:r>
+              <a:rPr lang="en-US" dirty="0" err="1" smtClean="0">
                 <a:latin typeface="Consolas" pitchFamily="49" charset="0"/>
                 <a:cs typeface="Consolas" pitchFamily="49" charset="0"/>
               </a:rPr>
-              <a:t> all </a:t>
-            </a:r>
-          </a:p>
-          <a:p>
-            <a:r>
-              <a:rPr lang="en-US" dirty="0" smtClean="0"/>
-              <a:t>Run</a:t>
-            </a:r>
-          </a:p>
-          <a:p>
-            <a:pPr>
-              <a:buNone/>
-            </a:pPr>
-            <a:r>
-              <a:rPr lang="en-US" sz="2400" dirty="0" smtClean="0">
+              <a:t>buf_regex</a:t>
+            </a:r>
+            <a:r>
+              <a:rPr lang="en-US" dirty="0" smtClean="0">
                 <a:latin typeface="Consolas" pitchFamily="49" charset="0"/>
                 <a:cs typeface="Consolas" pitchFamily="49" charset="0"/>
               </a:rPr>
-              <a:t>./build/Release/out/</a:t>
-            </a:r>
-            <a:r>
-              <a:rPr lang="en-US" sz="2400" dirty="0" err="1" smtClean="0">
+              <a:t>":  </a:t>
+            </a:r>
+            <a:r>
+              <a:rPr lang="en-US" dirty="0" err="1" smtClean="0"/>
+              <a:t>regex</a:t>
+            </a:r>
+            <a:r>
+              <a:rPr lang="en-US" dirty="0" smtClean="0"/>
+              <a:t> for the name of the dump buffer. Please refer to the source code for the buffer names.  </a:t>
+            </a:r>
+          </a:p>
+          <a:p>
+            <a:pPr marL="514350" indent="-514350"/>
+            <a:r>
+              <a:rPr lang="en-US" dirty="0" smtClean="0">
                 <a:latin typeface="Consolas" pitchFamily="49" charset="0"/>
                 <a:cs typeface="Consolas" pitchFamily="49" charset="0"/>
               </a:rPr>
-              <a:t>simsimd</a:t>
-            </a:r>
-            <a:r>
-              <a:rPr lang="en-US" sz="2400" dirty="0" smtClean="0">
+              <a:t>"</a:t>
+            </a:r>
+            <a:r>
+              <a:rPr lang="en-US" dirty="0" err="1" smtClean="0">
                 <a:latin typeface="Consolas" pitchFamily="49" charset="0"/>
                 <a:cs typeface="Consolas" pitchFamily="49" charset="0"/>
               </a:rPr>
-              <a:t> </a:t>
-            </a:r>
-          </a:p>
-          <a:p>
-            <a:r>
-              <a:rPr lang="en-US" dirty="0" smtClean="0"/>
-              <a:t>Inspect the result: </a:t>
-            </a:r>
-          </a:p>
-          <a:p>
-            <a:pPr>
-              <a:buNone/>
-            </a:pPr>
-            <a:r>
-              <a:rPr lang="en-US" sz="2400" dirty="0" smtClean="0">
+              <a:t>time_start</a:t>
+            </a:r>
+            <a:r>
+              <a:rPr lang="en-US" dirty="0" smtClean="0">
                 <a:latin typeface="Consolas" pitchFamily="49" charset="0"/>
                 <a:cs typeface="Consolas" pitchFamily="49" charset="0"/>
               </a:rPr>
-              <a:t>In </a:t>
-            </a:r>
-            <a:r>
-              <a:rPr lang="en-US" sz="2400" dirty="0" err="1" smtClean="0">
+              <a:t>": </a:t>
+            </a:r>
+            <a:r>
+              <a:rPr lang="en-US" dirty="0" smtClean="0"/>
+              <a:t>start time of the dump.</a:t>
+            </a:r>
+          </a:p>
+          <a:p>
+            <a:pPr marL="514350" indent="-514350"/>
+            <a:r>
+              <a:rPr lang="en-US" dirty="0" smtClean="0">
                 <a:latin typeface="Consolas" pitchFamily="49" charset="0"/>
                 <a:cs typeface="Consolas" pitchFamily="49" charset="0"/>
               </a:rPr>
-              <a:t>gtkwave</a:t>
-            </a:r>
-            <a:r>
-              <a:rPr lang="en-US" sz="2400" dirty="0" smtClean="0">
+              <a:t>"</a:t>
+            </a:r>
+            <a:r>
+              <a:rPr lang="en-US" dirty="0" err="1" smtClean="0">
                 <a:latin typeface="Consolas" pitchFamily="49" charset="0"/>
                 <a:cs typeface="Consolas" pitchFamily="49" charset="0"/>
               </a:rPr>
-              <a:t> File-&gt;Open New Window-&gt;trace.vcd</a:t>
-            </a:r>
-            <a:endParaRPr lang="en-GB" sz="2400" dirty="0" smtClean="0">
-              <a:latin typeface="Consolas" pitchFamily="49" charset="0"/>
-              <a:cs typeface="Consolas" pitchFamily="49" charset="0"/>
-            </a:endParaRPr>
+              <a:t>time_end</a:t>
+            </a:r>
+            <a:r>
+              <a:rPr lang="en-US" dirty="0" smtClean="0">
+                <a:latin typeface="Consolas" pitchFamily="49" charset="0"/>
+                <a:cs typeface="Consolas" pitchFamily="49" charset="0"/>
+              </a:rPr>
+              <a:t>": </a:t>
+            </a:r>
+            <a:r>
+              <a:rPr lang="en-US" dirty="0" smtClean="0"/>
+              <a:t>end </a:t>
+            </a:r>
+            <a:r>
+              <a:rPr lang="en-US" dirty="0" smtClean="0"/>
+              <a:t>time of the dump</a:t>
+            </a:r>
+            <a:r>
+              <a:rPr lang="en-US" dirty="0" smtClean="0"/>
+              <a:t>. </a:t>
+            </a:r>
+            <a:r>
+              <a:rPr lang="en-US" dirty="0" smtClean="0">
+                <a:latin typeface="Consolas" pitchFamily="49" charset="0"/>
+                <a:cs typeface="Consolas" pitchFamily="49" charset="0"/>
+              </a:rPr>
+              <a:t>“finish” </a:t>
+            </a:r>
+            <a:r>
+              <a:rPr lang="en-US" dirty="0" smtClean="0"/>
+              <a:t>corresponds to the end of simulation time.</a:t>
+            </a:r>
+            <a:endParaRPr lang="en-US" dirty="0" smtClean="0"/>
+          </a:p>
+          <a:p>
+            <a:pPr marL="514350" indent="-514350"/>
+            <a:r>
+              <a:rPr lang="en-US" dirty="0" smtClean="0">
+                <a:latin typeface="Consolas" pitchFamily="49" charset="0"/>
+                <a:cs typeface="Consolas" pitchFamily="49" charset="0"/>
+              </a:rPr>
+              <a:t>"</a:t>
+            </a:r>
+            <a:r>
+              <a:rPr lang="en-US" dirty="0" err="1" smtClean="0">
+                <a:latin typeface="Consolas" pitchFamily="49" charset="0"/>
+                <a:cs typeface="Consolas" pitchFamily="49" charset="0"/>
+              </a:rPr>
+              <a:t>size_res</a:t>
+            </a:r>
+            <a:r>
+              <a:rPr lang="en-US" dirty="0" smtClean="0">
+                <a:latin typeface="Consolas" pitchFamily="49" charset="0"/>
+                <a:cs typeface="Consolas" pitchFamily="49" charset="0"/>
+              </a:rPr>
+              <a:t>": </a:t>
+            </a:r>
+            <a:r>
+              <a:rPr lang="en-US" dirty="0" smtClean="0"/>
+              <a:t>size of the dump vector for which memory is allocated.  </a:t>
+            </a:r>
+          </a:p>
+          <a:p>
+            <a:pPr marL="514350" indent="-514350"/>
+            <a:r>
+              <a:rPr lang="en-US" dirty="0" smtClean="0">
+                <a:latin typeface="Consolas" pitchFamily="49" charset="0"/>
+                <a:cs typeface="Consolas" pitchFamily="49" charset="0"/>
+              </a:rPr>
+              <a:t>"</a:t>
+            </a:r>
+            <a:r>
+              <a:rPr lang="en-US" dirty="0" err="1" smtClean="0">
+                <a:latin typeface="Consolas" pitchFamily="49" charset="0"/>
+                <a:cs typeface="Consolas" pitchFamily="49" charset="0"/>
+              </a:rPr>
+              <a:t>size_max</a:t>
+            </a:r>
+            <a:r>
+              <a:rPr lang="en-US" dirty="0" smtClean="0">
+                <a:latin typeface="Consolas" pitchFamily="49" charset="0"/>
+                <a:cs typeface="Consolas" pitchFamily="49" charset="0"/>
+              </a:rPr>
+              <a:t>": </a:t>
+            </a:r>
+            <a:r>
+              <a:rPr lang="en-US" dirty="0" smtClean="0"/>
+              <a:t>max size </a:t>
+            </a:r>
+            <a:r>
+              <a:rPr lang="en-US" dirty="0" smtClean="0"/>
+              <a:t>of the dump </a:t>
+            </a:r>
+            <a:r>
+              <a:rPr lang="en-US" dirty="0" smtClean="0"/>
+              <a:t>vector. If the size </a:t>
+            </a:r>
+            <a:r>
+              <a:rPr lang="en-US" dirty="0" smtClean="0"/>
+              <a:t>of the dump vector</a:t>
+            </a:r>
+            <a:r>
+              <a:rPr lang="en-US" dirty="0" smtClean="0"/>
+              <a:t> exceeds </a:t>
+            </a:r>
+            <a:r>
+              <a:rPr lang="en-US" dirty="0" err="1" smtClean="0"/>
+              <a:t>size_max</a:t>
+            </a:r>
+            <a:r>
+              <a:rPr lang="en-US" dirty="0" smtClean="0"/>
+              <a:t> field then the simulator reports an error. </a:t>
+            </a:r>
+          </a:p>
+          <a:p>
+            <a:pPr marL="514350" indent="-514350"/>
+            <a:r>
+              <a:rPr lang="en-US" dirty="0" smtClean="0">
+                <a:latin typeface="Consolas" pitchFamily="49" charset="0"/>
+                <a:cs typeface="Consolas" pitchFamily="49" charset="0"/>
+              </a:rPr>
+              <a:t>"</a:t>
+            </a:r>
+            <a:r>
+              <a:rPr lang="en-US" dirty="0" smtClean="0">
+                <a:latin typeface="Consolas" pitchFamily="49" charset="0"/>
+                <a:cs typeface="Consolas" pitchFamily="49" charset="0"/>
+              </a:rPr>
+              <a:t>file</a:t>
+            </a:r>
+            <a:r>
+              <a:rPr lang="en-US" dirty="0" smtClean="0">
+                <a:latin typeface="Consolas" pitchFamily="49" charset="0"/>
+                <a:cs typeface="Consolas" pitchFamily="49" charset="0"/>
+              </a:rPr>
+              <a:t>": </a:t>
+            </a:r>
+            <a:r>
+              <a:rPr lang="en-US" dirty="0" smtClean="0"/>
+              <a:t>name of the dump file. Dumps are saved in the mat format and can be processed with </a:t>
+            </a:r>
+            <a:r>
+              <a:rPr lang="en-US" dirty="0" err="1" smtClean="0"/>
+              <a:t>Matlab</a:t>
+            </a:r>
+            <a:r>
+              <a:rPr lang="en-US" dirty="0" smtClean="0"/>
+              <a:t> or Octave. </a:t>
+            </a:r>
+            <a:endParaRPr lang="en-GB" dirty="0" smtClean="0"/>
+          </a:p>
+        </p:txBody>
+      </p:sp>
+    </p:spTree>
+  </p:cSld>
+  <p:clrMapOvr>
+    <a:masterClrMapping/>
+  </p:clrMapOvr>
+  <p:timing>
+    <p:tnLst>
+      <p:par>
+        <p:cTn id="1" dur="indefinite" restart="never" nodeType="tmRoot"/>
+      </p:par>
+    </p:tnLst>
+  </p:timing>
+</p:sld>
+</file>
+
+<file path=ppt/slides/slide77.xml><?xml version="1.0" encoding="utf-8"?>
+<p:sld xmlns:a="http://schemas.openxmlformats.org/drawingml/2006/main" xmlns:r="http://schemas.openxmlformats.org/officeDocument/2006/relationships" xmlns:p="http://schemas.openxmlformats.org/presentationml/2006/main">
+  <p:cSld>
+    <p:spTree>
+      <p:nvGrpSpPr>
+        <p:cNvPr id="1" name=""/>
+        <p:cNvGrpSpPr/>
+        <p:nvPr/>
+      </p:nvGrpSpPr>
+      <p:grpSpPr>
+        <a:xfrm>
+          <a:off x="0" y="0"/>
+          <a:ext cx="0" cy="0"/>
+          <a:chOff x="0" y="0"/>
+          <a:chExt cx="0" cy="0"/>
+        </a:xfrm>
+      </p:grpSpPr>
+      <p:sp>
+        <p:nvSpPr>
+          <p:cNvPr id="2" name="Title 1"/>
+          <p:cNvSpPr>
+            <a:spLocks noGrp="1"/>
+          </p:cNvSpPr>
+          <p:nvPr>
+            <p:ph type="title"/>
+          </p:nvPr>
+        </p:nvSpPr>
+        <p:spPr/>
+        <p:txBody>
+          <a:bodyPr>
+            <a:normAutofit fontScale="90000"/>
+          </a:bodyPr>
+          <a:lstStyle/>
+          <a:p>
+            <a:r>
+              <a:rPr lang="en-GB" dirty="0" smtClean="0"/>
+              <a:t>Logging and Reporting Specification</a:t>
+            </a:r>
+            <a:endParaRPr lang="en-US" dirty="0"/>
+          </a:p>
+        </p:txBody>
+      </p:sp>
+      <p:sp>
+        <p:nvSpPr>
+          <p:cNvPr id="3" name="Content Placeholder 2"/>
+          <p:cNvSpPr>
+            <a:spLocks noGrp="1"/>
+          </p:cNvSpPr>
+          <p:nvPr>
+            <p:ph idx="1"/>
+          </p:nvPr>
+        </p:nvSpPr>
+        <p:spPr/>
+        <p:txBody>
+          <a:bodyPr>
+            <a:normAutofit lnSpcReduction="10000"/>
+          </a:bodyPr>
+          <a:lstStyle/>
+          <a:p>
+            <a:pPr marL="514350" indent="-514350"/>
+            <a:r>
+              <a:rPr lang="en-GB" dirty="0" smtClean="0">
+                <a:latin typeface="Consolas" pitchFamily="49" charset="0"/>
+                <a:cs typeface="Consolas" pitchFamily="49" charset="0"/>
+              </a:rPr>
+              <a:t>“</a:t>
+            </a:r>
+            <a:r>
+              <a:rPr lang="en-GB" dirty="0" err="1" smtClean="0">
+                <a:latin typeface="Consolas" pitchFamily="49" charset="0"/>
+                <a:cs typeface="Consolas" pitchFamily="49" charset="0"/>
+              </a:rPr>
+              <a:t>log_file</a:t>
+            </a:r>
+            <a:r>
+              <a:rPr lang="en-GB" dirty="0" smtClean="0">
+                <a:latin typeface="Consolas" pitchFamily="49" charset="0"/>
+                <a:cs typeface="Consolas" pitchFamily="49" charset="0"/>
+              </a:rPr>
+              <a:t>”: </a:t>
+            </a:r>
+            <a:r>
+              <a:rPr lang="en-GB" dirty="0" smtClean="0"/>
+              <a:t>name of the log file</a:t>
+            </a:r>
+          </a:p>
+          <a:p>
+            <a:pPr marL="514350" indent="-514350"/>
+            <a:r>
+              <a:rPr lang="en-GB" dirty="0" smtClean="0">
+                <a:latin typeface="Consolas" pitchFamily="49" charset="0"/>
+                <a:cs typeface="Consolas" pitchFamily="49" charset="0"/>
+              </a:rPr>
+              <a:t>“handler”: </a:t>
+            </a:r>
+            <a:r>
+              <a:rPr lang="en-GB" dirty="0" smtClean="0"/>
+              <a:t>handler </a:t>
+            </a:r>
+            <a:r>
+              <a:rPr lang="en-GB" dirty="0" smtClean="0"/>
+              <a:t>and </a:t>
+            </a:r>
+            <a:r>
+              <a:rPr lang="en-GB" dirty="0" smtClean="0"/>
+              <a:t>formatter for </a:t>
+            </a:r>
+            <a:r>
+              <a:rPr lang="en-GB" dirty="0" smtClean="0"/>
+              <a:t>report </a:t>
+            </a:r>
+            <a:r>
+              <a:rPr lang="en-GB" dirty="0" smtClean="0"/>
+              <a:t>messages. </a:t>
+            </a:r>
+            <a:r>
+              <a:rPr lang="en-GB" dirty="0" smtClean="0">
+                <a:latin typeface="Consolas" pitchFamily="49" charset="0"/>
+                <a:cs typeface="Consolas" pitchFamily="49" charset="0"/>
+              </a:rPr>
+              <a:t>“unchanged” </a:t>
+            </a:r>
+            <a:r>
+              <a:rPr lang="en-GB" dirty="0" smtClean="0"/>
+              <a:t>– don’t change handler </a:t>
+            </a:r>
+            <a:r>
+              <a:rPr lang="en-GB" dirty="0" smtClean="0"/>
+              <a:t>(integration); </a:t>
+            </a:r>
+            <a:r>
+              <a:rPr lang="en-GB" dirty="0" smtClean="0">
+                <a:latin typeface="Consolas" pitchFamily="49" charset="0"/>
+                <a:cs typeface="Consolas" pitchFamily="49" charset="0"/>
+              </a:rPr>
+              <a:t>“default” </a:t>
+            </a:r>
+            <a:r>
+              <a:rPr lang="en-GB" dirty="0" smtClean="0"/>
+              <a:t>– native </a:t>
+            </a:r>
+            <a:r>
+              <a:rPr lang="en-GB" dirty="0" err="1" smtClean="0"/>
+              <a:t>SystemC</a:t>
+            </a:r>
+            <a:r>
+              <a:rPr lang="en-GB" dirty="0" smtClean="0"/>
+              <a:t> handler. </a:t>
+            </a:r>
+            <a:r>
+              <a:rPr lang="en-GB" dirty="0" smtClean="0">
+                <a:latin typeface="Consolas" pitchFamily="49" charset="0"/>
+                <a:cs typeface="Consolas" pitchFamily="49" charset="0"/>
+              </a:rPr>
+              <a:t>“</a:t>
+            </a:r>
+            <a:r>
+              <a:rPr lang="en-GB" dirty="0" err="1" smtClean="0">
+                <a:latin typeface="Consolas" pitchFamily="49" charset="0"/>
+                <a:cs typeface="Consolas" pitchFamily="49" charset="0"/>
+              </a:rPr>
+              <a:t>simd</a:t>
+            </a:r>
+            <a:r>
+              <a:rPr lang="en-GB" dirty="0" smtClean="0">
+                <a:latin typeface="Consolas" pitchFamily="49" charset="0"/>
+                <a:cs typeface="Consolas" pitchFamily="49" charset="0"/>
+              </a:rPr>
+              <a:t>” </a:t>
+            </a:r>
+            <a:r>
+              <a:rPr lang="en-GB" dirty="0" smtClean="0"/>
+              <a:t>– compact messages.</a:t>
+            </a:r>
+          </a:p>
+          <a:p>
+            <a:pPr marL="514350" indent="-514350"/>
+            <a:r>
+              <a:rPr lang="en-GB" dirty="0" smtClean="0">
+                <a:latin typeface="Consolas" pitchFamily="49" charset="0"/>
+                <a:cs typeface="Consolas" pitchFamily="49" charset="0"/>
+              </a:rPr>
+              <a:t>“bearing”: </a:t>
+            </a:r>
+            <a:r>
+              <a:rPr lang="en-GB" dirty="0" smtClean="0"/>
+              <a:t>array of bearings for different message types and severity levels. Please refer to section 8.3 in [5]</a:t>
+            </a:r>
+            <a:endParaRPr lang="en-GB" dirty="0" smtClean="0"/>
+          </a:p>
+        </p:txBody>
+      </p:sp>
+    </p:spTree>
+  </p:cSld>
+  <p:clrMapOvr>
+    <a:masterClrMapping/>
+  </p:clrMapOvr>
+  <p:timing>
+    <p:tnLst>
+      <p:par>
+        <p:cTn id="1" dur="indefinite" restart="never" nodeType="tmRoot"/>
+      </p:par>
+    </p:tnLst>
+  </p:timing>
+</p:sld>
+</file>
+
+<file path=ppt/slides/slide78.xml><?xml version="1.0" encoding="utf-8"?>
+<p:sld xmlns:a="http://schemas.openxmlformats.org/drawingml/2006/main" xmlns:r="http://schemas.openxmlformats.org/officeDocument/2006/relationships" xmlns:p="http://schemas.openxmlformats.org/presentationml/2006/main">
+  <p:cSld>
+    <p:spTree>
+      <p:nvGrpSpPr>
+        <p:cNvPr id="1" name=""/>
+        <p:cNvGrpSpPr/>
+        <p:nvPr/>
+      </p:nvGrpSpPr>
+      <p:grpSpPr>
+        <a:xfrm>
+          <a:off x="0" y="0"/>
+          <a:ext cx="0" cy="0"/>
+          <a:chOff x="0" y="0"/>
+          <a:chExt cx="0" cy="0"/>
+        </a:xfrm>
+      </p:grpSpPr>
+      <p:sp>
+        <p:nvSpPr>
+          <p:cNvPr id="2" name="Title 1"/>
+          <p:cNvSpPr>
+            <a:spLocks noGrp="1"/>
+          </p:cNvSpPr>
+          <p:nvPr>
+            <p:ph type="title"/>
+          </p:nvPr>
+        </p:nvSpPr>
+        <p:spPr/>
+        <p:txBody>
+          <a:bodyPr/>
+          <a:lstStyle/>
+          <a:p>
+            <a:r>
+              <a:rPr lang="en-GB" dirty="0" smtClean="0"/>
+              <a:t>TESTS and Examples</a:t>
+            </a:r>
           </a:p>
         </p:txBody>
       </p:sp>
@@ -12973,7 +15467,518 @@
 </p:sld>
 </file>
 
-<file path=ppt/slides/slide72.xml><?xml version="1.0" encoding="utf-8"?>
+<file path=ppt/slides/slide79.xml><?xml version="1.0" encoding="utf-8"?>
+<p:sld xmlns:a="http://schemas.openxmlformats.org/drawingml/2006/main" xmlns:r="http://schemas.openxmlformats.org/officeDocument/2006/relationships" xmlns:p="http://schemas.openxmlformats.org/presentationml/2006/main">
+  <p:cSld>
+    <p:spTree>
+      <p:nvGrpSpPr>
+        <p:cNvPr id="1" name=""/>
+        <p:cNvGrpSpPr/>
+        <p:nvPr/>
+      </p:nvGrpSpPr>
+      <p:grpSpPr>
+        <a:xfrm>
+          <a:off x="0" y="0"/>
+          <a:ext cx="0" cy="0"/>
+          <a:chOff x="0" y="0"/>
+          <a:chExt cx="0" cy="0"/>
+        </a:xfrm>
+      </p:grpSpPr>
+      <p:sp>
+        <p:nvSpPr>
+          <p:cNvPr id="2" name="Title 1"/>
+          <p:cNvSpPr>
+            <a:spLocks noGrp="1"/>
+          </p:cNvSpPr>
+          <p:nvPr>
+            <p:ph type="title"/>
+          </p:nvPr>
+        </p:nvSpPr>
+        <p:spPr/>
+        <p:txBody>
+          <a:bodyPr/>
+          <a:lstStyle/>
+          <a:p>
+            <a:r>
+              <a:rPr lang="en-GB" dirty="0" err="1" smtClean="0"/>
+              <a:t>vri_test</a:t>
+            </a:r>
+            <a:endParaRPr lang="en-US" dirty="0"/>
+          </a:p>
+        </p:txBody>
+      </p:sp>
+      <p:sp>
+        <p:nvSpPr>
+          <p:cNvPr id="3" name="Content Placeholder 2"/>
+          <p:cNvSpPr>
+            <a:spLocks noGrp="1"/>
+          </p:cNvSpPr>
+          <p:nvPr>
+            <p:ph idx="1"/>
+          </p:nvPr>
+        </p:nvSpPr>
+        <p:spPr>
+          <a:xfrm>
+            <a:off x="457200" y="1600200"/>
+            <a:ext cx="8229600" cy="4343400"/>
+          </a:xfrm>
+        </p:spPr>
+        <p:txBody>
+          <a:bodyPr>
+            <a:normAutofit fontScale="55000" lnSpcReduction="20000"/>
+          </a:bodyPr>
+          <a:lstStyle/>
+          <a:p>
+            <a:r>
+              <a:rPr lang="en-GB" dirty="0" smtClean="0"/>
+              <a:t>Verifies system integration and overall functionality</a:t>
+            </a:r>
+          </a:p>
+          <a:p>
+            <a:pPr lvl="1"/>
+            <a:r>
+              <a:rPr lang="en-GB" dirty="0" smtClean="0"/>
+              <a:t>Vector transfers</a:t>
+            </a:r>
+          </a:p>
+          <a:p>
+            <a:pPr lvl="1"/>
+            <a:r>
+              <a:rPr lang="en-GB" dirty="0" smtClean="0"/>
+              <a:t>Block configuration, status and events transfers</a:t>
+            </a:r>
+          </a:p>
+          <a:p>
+            <a:r>
+              <a:rPr lang="en-GB" dirty="0" smtClean="0"/>
+              <a:t>Verifies operation of VALID-READY interface and XBAR functionality</a:t>
+            </a:r>
+          </a:p>
+          <a:p>
+            <a:r>
+              <a:rPr lang="en-GB" dirty="0" smtClean="0"/>
+              <a:t>Verifies execution modes and command sequencing</a:t>
+            </a:r>
+          </a:p>
+          <a:p>
+            <a:pPr lvl="1"/>
+            <a:r>
+              <a:rPr lang="en-US" dirty="0" smtClean="0"/>
+              <a:t>Under the control of the Scalar Core</a:t>
+            </a:r>
+          </a:p>
+          <a:p>
+            <a:pPr lvl="1"/>
+            <a:r>
+              <a:rPr lang="en-US" dirty="0" smtClean="0"/>
+              <a:t>Under the control of the Vector Core</a:t>
+            </a:r>
+            <a:endParaRPr lang="en-GB" dirty="0" smtClean="0"/>
+          </a:p>
+          <a:p>
+            <a:r>
+              <a:rPr lang="en-GB" dirty="0" err="1" smtClean="0"/>
+              <a:t>siggen</a:t>
+            </a:r>
+            <a:r>
+              <a:rPr lang="en-GB" dirty="0" smtClean="0"/>
+              <a:t>: Streaming block which simulates VALID-READY source</a:t>
+            </a:r>
+          </a:p>
+          <a:p>
+            <a:pPr lvl="1"/>
+            <a:r>
+              <a:rPr lang="en-GB" dirty="0" smtClean="0"/>
+              <a:t>Configurable random VALID or always VALID</a:t>
+            </a:r>
+          </a:p>
+          <a:p>
+            <a:pPr lvl="1"/>
+            <a:r>
+              <a:rPr lang="en-GB" dirty="0" smtClean="0"/>
+              <a:t>Generates random DATA with checksum at TAIL</a:t>
+            </a:r>
+          </a:p>
+          <a:p>
+            <a:r>
+              <a:rPr lang="en-GB" dirty="0" err="1" smtClean="0"/>
+              <a:t>sigana</a:t>
+            </a:r>
+            <a:r>
+              <a:rPr lang="en-GB" dirty="0" smtClean="0"/>
+              <a:t>: Streaming block which simulates VALID-READY destination</a:t>
+            </a:r>
+          </a:p>
+          <a:p>
+            <a:pPr lvl="1"/>
+            <a:r>
+              <a:rPr lang="en-GB" dirty="0" smtClean="0"/>
+              <a:t>Configurable random READY or always READY</a:t>
+            </a:r>
+          </a:p>
+          <a:p>
+            <a:pPr lvl="1"/>
+            <a:r>
+              <a:rPr lang="en-GB" dirty="0" smtClean="0"/>
+              <a:t>Receives DATA and verifies the checksum</a:t>
+            </a:r>
+          </a:p>
+          <a:p>
+            <a:r>
+              <a:rPr lang="en-GB" dirty="0" smtClean="0"/>
+              <a:t>Assertions inside VALID-READY channel</a:t>
+            </a:r>
+          </a:p>
+          <a:p>
+            <a:r>
+              <a:rPr lang="en-GB" dirty="0" smtClean="0"/>
+              <a:t>Inspection of the VCD trace</a:t>
+            </a:r>
+          </a:p>
+          <a:p>
+            <a:r>
+              <a:rPr lang="en-GB" dirty="0" smtClean="0"/>
+              <a:t>Tests 01..07 run continuously in the random order for 1 ms</a:t>
+            </a:r>
+          </a:p>
+        </p:txBody>
+      </p:sp>
+    </p:spTree>
+  </p:cSld>
+  <p:clrMapOvr>
+    <a:masterClrMapping/>
+  </p:clrMapOvr>
+</p:sld>
+</file>
+
+<file path=ppt/slides/slide8.xml><?xml version="1.0" encoding="utf-8"?>
+<p:sld xmlns:a="http://schemas.openxmlformats.org/drawingml/2006/main" xmlns:r="http://schemas.openxmlformats.org/officeDocument/2006/relationships" xmlns:p="http://schemas.openxmlformats.org/presentationml/2006/main">
+  <p:cSld>
+    <p:spTree>
+      <p:nvGrpSpPr>
+        <p:cNvPr id="1" name=""/>
+        <p:cNvGrpSpPr/>
+        <p:nvPr/>
+      </p:nvGrpSpPr>
+      <p:grpSpPr>
+        <a:xfrm>
+          <a:off x="0" y="0"/>
+          <a:ext cx="0" cy="0"/>
+          <a:chOff x="0" y="0"/>
+          <a:chExt cx="0" cy="0"/>
+        </a:xfrm>
+      </p:grpSpPr>
+      <p:sp>
+        <p:nvSpPr>
+          <p:cNvPr id="2" name="Title 1"/>
+          <p:cNvSpPr>
+            <a:spLocks noGrp="1"/>
+          </p:cNvSpPr>
+          <p:nvPr>
+            <p:ph type="title"/>
+          </p:nvPr>
+        </p:nvSpPr>
+        <p:spPr/>
+        <p:txBody>
+          <a:bodyPr/>
+          <a:lstStyle/>
+          <a:p>
+            <a:r>
+              <a:rPr lang="en-GB" dirty="0" smtClean="0"/>
+              <a:t>Objectives</a:t>
+            </a:r>
+            <a:endParaRPr lang="en-US" dirty="0"/>
+          </a:p>
+        </p:txBody>
+      </p:sp>
+      <p:sp>
+        <p:nvSpPr>
+          <p:cNvPr id="3" name="Content Placeholder 2"/>
+          <p:cNvSpPr>
+            <a:spLocks noGrp="1"/>
+          </p:cNvSpPr>
+          <p:nvPr>
+            <p:ph idx="1"/>
+          </p:nvPr>
+        </p:nvSpPr>
+        <p:spPr>
+          <a:xfrm>
+            <a:off x="304800" y="1371600"/>
+            <a:ext cx="8610600" cy="4800600"/>
+          </a:xfrm>
+        </p:spPr>
+        <p:txBody>
+          <a:bodyPr>
+            <a:normAutofit fontScale="77500" lnSpcReduction="20000"/>
+          </a:bodyPr>
+          <a:lstStyle/>
+          <a:p>
+            <a:r>
+              <a:rPr lang="en-US" dirty="0" smtClean="0"/>
+              <a:t>Benefits of using </a:t>
+            </a:r>
+            <a:r>
+              <a:rPr lang="en-US" dirty="0" err="1" smtClean="0"/>
+              <a:t>SystemC</a:t>
+            </a:r>
+            <a:endParaRPr lang="en-US" dirty="0" smtClean="0"/>
+          </a:p>
+          <a:p>
+            <a:pPr lvl="1"/>
+            <a:r>
+              <a:rPr lang="en-US" dirty="0" smtClean="0"/>
+              <a:t>Short update-simulation-analysis cycle which allows for simulation driven development and optimization of the architecture</a:t>
+            </a:r>
+          </a:p>
+          <a:p>
+            <a:pPr lvl="1"/>
+            <a:r>
+              <a:rPr lang="en-US" dirty="0" smtClean="0"/>
+              <a:t>Cycle accurate simulation for the vector core to obtain realistic timing and throughput estimates at the earlier stages</a:t>
+            </a:r>
+          </a:p>
+          <a:p>
+            <a:pPr lvl="1"/>
+            <a:r>
+              <a:rPr lang="en-US" dirty="0" smtClean="0"/>
+              <a:t>High level of abstraction for Vector Core preferences, runtime configuration and status to stay focused on the architectural tasks</a:t>
+            </a:r>
+          </a:p>
+          <a:p>
+            <a:pPr lvl="1"/>
+            <a:r>
+              <a:rPr lang="en-US" dirty="0" smtClean="0"/>
+              <a:t>Large ecosystem of C/C++ libraries for data manipulation and processing allows for top-down development approach: from high level processing functions down to elementary arithmetic operations</a:t>
+            </a:r>
+          </a:p>
+          <a:p>
+            <a:pPr lvl="1"/>
+            <a:r>
+              <a:rPr lang="en-US" dirty="0" smtClean="0"/>
+              <a:t>Integration into the existing simulation workflows</a:t>
+            </a:r>
+          </a:p>
+          <a:p>
+            <a:pPr lvl="1"/>
+            <a:r>
+              <a:rPr lang="en-US" dirty="0" smtClean="0"/>
+              <a:t>Open source</a:t>
+            </a:r>
+          </a:p>
+        </p:txBody>
+      </p:sp>
+    </p:spTree>
+  </p:cSld>
+  <p:clrMapOvr>
+    <a:masterClrMapping/>
+  </p:clrMapOvr>
+</p:sld>
+</file>
+
+<file path=ppt/slides/slide80.xml><?xml version="1.0" encoding="utf-8"?>
+<p:sld xmlns:a="http://schemas.openxmlformats.org/drawingml/2006/main" xmlns:r="http://schemas.openxmlformats.org/officeDocument/2006/relationships" xmlns:p="http://schemas.openxmlformats.org/presentationml/2006/main">
+  <p:cSld>
+    <p:spTree>
+      <p:nvGrpSpPr>
+        <p:cNvPr id="1" name=""/>
+        <p:cNvGrpSpPr/>
+        <p:nvPr/>
+      </p:nvGrpSpPr>
+      <p:grpSpPr>
+        <a:xfrm>
+          <a:off x="0" y="0"/>
+          <a:ext cx="0" cy="0"/>
+          <a:chOff x="0" y="0"/>
+          <a:chExt cx="0" cy="0"/>
+        </a:xfrm>
+      </p:grpSpPr>
+      <p:sp>
+        <p:nvSpPr>
+          <p:cNvPr id="2" name="Title 1"/>
+          <p:cNvSpPr>
+            <a:spLocks noGrp="1"/>
+          </p:cNvSpPr>
+          <p:nvPr>
+            <p:ph type="title"/>
+          </p:nvPr>
+        </p:nvSpPr>
+        <p:spPr/>
+        <p:txBody>
+          <a:bodyPr/>
+          <a:lstStyle/>
+          <a:p>
+            <a:r>
+              <a:rPr lang="en-GB" dirty="0" err="1" smtClean="0"/>
+              <a:t>vri_test</a:t>
+            </a:r>
+            <a:endParaRPr lang="en-US" dirty="0"/>
+          </a:p>
+        </p:txBody>
+      </p:sp>
+      <p:sp>
+        <p:nvSpPr>
+          <p:cNvPr id="3" name="Content Placeholder 2"/>
+          <p:cNvSpPr>
+            <a:spLocks noGrp="1"/>
+          </p:cNvSpPr>
+          <p:nvPr>
+            <p:ph idx="1"/>
+          </p:nvPr>
+        </p:nvSpPr>
+        <p:spPr>
+          <a:xfrm>
+            <a:off x="457200" y="1600200"/>
+            <a:ext cx="8229600" cy="4343400"/>
+          </a:xfrm>
+        </p:spPr>
+        <p:txBody>
+          <a:bodyPr>
+            <a:normAutofit/>
+          </a:bodyPr>
+          <a:lstStyle/>
+          <a:p>
+            <a:r>
+              <a:rPr lang="en-US" dirty="0" smtClean="0"/>
+              <a:t>Clean </a:t>
+            </a:r>
+          </a:p>
+          <a:p>
+            <a:pPr>
+              <a:buNone/>
+            </a:pPr>
+            <a:r>
+              <a:rPr lang="en-US" sz="2400" dirty="0" smtClean="0">
+                <a:latin typeface="Consolas" pitchFamily="49" charset="0"/>
+                <a:cs typeface="Consolas" pitchFamily="49" charset="0"/>
+              </a:rPr>
+              <a:t>make EXAMPLE=basic/</a:t>
+            </a:r>
+            <a:r>
+              <a:rPr lang="en-US" sz="2400" dirty="0" err="1" smtClean="0">
+                <a:latin typeface="Consolas" pitchFamily="49" charset="0"/>
+                <a:cs typeface="Consolas" pitchFamily="49" charset="0"/>
+              </a:rPr>
+              <a:t>vri_test</a:t>
+            </a:r>
+            <a:r>
+              <a:rPr lang="en-US" sz="2400" dirty="0" smtClean="0">
+                <a:latin typeface="Consolas" pitchFamily="49" charset="0"/>
+                <a:cs typeface="Consolas" pitchFamily="49" charset="0"/>
+              </a:rPr>
+              <a:t> clean </a:t>
+            </a:r>
+          </a:p>
+          <a:p>
+            <a:r>
+              <a:rPr lang="en-US" dirty="0" smtClean="0"/>
+              <a:t>Build </a:t>
+            </a:r>
+          </a:p>
+          <a:p>
+            <a:pPr>
+              <a:buNone/>
+            </a:pPr>
+            <a:r>
+              <a:rPr lang="en-US" sz="2400" dirty="0" smtClean="0">
+                <a:latin typeface="Consolas" pitchFamily="49" charset="0"/>
+                <a:cs typeface="Consolas" pitchFamily="49" charset="0"/>
+              </a:rPr>
+              <a:t>make EXAMPLE=basic/</a:t>
+            </a:r>
+            <a:r>
+              <a:rPr lang="en-US" sz="2400" dirty="0" err="1" smtClean="0">
+                <a:latin typeface="Consolas" pitchFamily="49" charset="0"/>
+                <a:cs typeface="Consolas" pitchFamily="49" charset="0"/>
+              </a:rPr>
+              <a:t>vri_test</a:t>
+            </a:r>
+            <a:r>
+              <a:rPr lang="en-US" sz="2400" dirty="0" smtClean="0">
+                <a:latin typeface="Consolas" pitchFamily="49" charset="0"/>
+                <a:cs typeface="Consolas" pitchFamily="49" charset="0"/>
+              </a:rPr>
+              <a:t> all </a:t>
+            </a:r>
+          </a:p>
+          <a:p>
+            <a:r>
+              <a:rPr lang="en-US" dirty="0" smtClean="0"/>
+              <a:t>Run</a:t>
+            </a:r>
+          </a:p>
+          <a:p>
+            <a:pPr>
+              <a:buNone/>
+            </a:pPr>
+            <a:r>
+              <a:rPr lang="en-US" sz="2400" dirty="0" smtClean="0">
+                <a:latin typeface="Consolas" pitchFamily="49" charset="0"/>
+                <a:cs typeface="Consolas" pitchFamily="49" charset="0"/>
+              </a:rPr>
+              <a:t>./build/Release/out/</a:t>
+            </a:r>
+            <a:r>
+              <a:rPr lang="en-US" sz="2400" dirty="0" err="1" smtClean="0">
+                <a:latin typeface="Consolas" pitchFamily="49" charset="0"/>
+                <a:cs typeface="Consolas" pitchFamily="49" charset="0"/>
+              </a:rPr>
+              <a:t>simsimd</a:t>
+            </a:r>
+            <a:r>
+              <a:rPr lang="en-US" sz="2400" dirty="0" smtClean="0">
+                <a:latin typeface="Consolas" pitchFamily="49" charset="0"/>
+                <a:cs typeface="Consolas" pitchFamily="49" charset="0"/>
+              </a:rPr>
+              <a:t> </a:t>
+            </a:r>
+          </a:p>
+          <a:p>
+            <a:r>
+              <a:rPr lang="en-US" dirty="0" smtClean="0"/>
+              <a:t>Inspect the result: </a:t>
+            </a:r>
+          </a:p>
+          <a:p>
+            <a:pPr>
+              <a:buNone/>
+            </a:pPr>
+            <a:r>
+              <a:rPr lang="en-US" sz="2400" dirty="0" smtClean="0">
+                <a:latin typeface="Consolas" pitchFamily="49" charset="0"/>
+                <a:cs typeface="Consolas" pitchFamily="49" charset="0"/>
+              </a:rPr>
+              <a:t>In </a:t>
+            </a:r>
+            <a:r>
+              <a:rPr lang="en-US" sz="2400" dirty="0" err="1" smtClean="0">
+                <a:latin typeface="Consolas" pitchFamily="49" charset="0"/>
+                <a:cs typeface="Consolas" pitchFamily="49" charset="0"/>
+              </a:rPr>
+              <a:t>gtkwave</a:t>
+            </a:r>
+            <a:r>
+              <a:rPr lang="en-US" sz="2400" dirty="0" smtClean="0">
+                <a:latin typeface="Consolas" pitchFamily="49" charset="0"/>
+                <a:cs typeface="Consolas" pitchFamily="49" charset="0"/>
+              </a:rPr>
+              <a:t> File-&gt;Open New Window-&gt;trace.vcd</a:t>
+            </a:r>
+            <a:endParaRPr lang="en-GB" sz="2400" dirty="0" smtClean="0">
+              <a:latin typeface="Consolas" pitchFamily="49" charset="0"/>
+              <a:cs typeface="Consolas" pitchFamily="49" charset="0"/>
+            </a:endParaRPr>
+          </a:p>
+        </p:txBody>
+      </p:sp>
+    </p:spTree>
+  </p:cSld>
+  <p:clrMapOvr>
+    <a:masterClrMapping/>
+  </p:clrMapOvr>
+</p:sld>
+</file>
+
+<file path=ppt/slides/slide81.xml><?xml version="1.0" encoding="utf-8"?>
 <p:sld xmlns:a="http://schemas.openxmlformats.org/drawingml/2006/main" xmlns:r="http://schemas.openxmlformats.org/officeDocument/2006/relationships" xmlns:p="http://schemas.openxmlformats.org/presentationml/2006/main">
   <p:cSld>
     <p:spTree>
@@ -13112,7 +16117,7 @@
 </p:sld>
 </file>
 
-<file path=ppt/slides/slide73.xml><?xml version="1.0" encoding="utf-8"?>
+<file path=ppt/slides/slide82.xml><?xml version="1.0" encoding="utf-8"?>
 <p:sld xmlns:a="http://schemas.openxmlformats.org/drawingml/2006/main" xmlns:r="http://schemas.openxmlformats.org/officeDocument/2006/relationships" xmlns:p="http://schemas.openxmlformats.org/presentationml/2006/main">
   <p:cSld>
     <p:spTree>
@@ -13251,7 +16256,7 @@
 </p:sld>
 </file>
 
-<file path=ppt/slides/slide74.xml><?xml version="1.0" encoding="utf-8"?>
+<file path=ppt/slides/slide83.xml><?xml version="1.0" encoding="utf-8"?>
 <p:sld xmlns:a="http://schemas.openxmlformats.org/drawingml/2006/main" xmlns:r="http://schemas.openxmlformats.org/officeDocument/2006/relationships" xmlns:p="http://schemas.openxmlformats.org/presentationml/2006/main">
   <p:cSld>
     <p:spTree>
@@ -13390,7 +16395,7 @@
 </p:sld>
 </file>
 
-<file path=ppt/slides/slide75.xml><?xml version="1.0" encoding="utf-8"?>
+<file path=ppt/slides/slide84.xml><?xml version="1.0" encoding="utf-8"?>
 <p:sld xmlns:a="http://schemas.openxmlformats.org/drawingml/2006/main" xmlns:r="http://schemas.openxmlformats.org/officeDocument/2006/relationships" xmlns:p="http://schemas.openxmlformats.org/presentationml/2006/main">
   <p:cSld>
     <p:spTree>
@@ -13549,7 +16554,7 @@
 </p:sld>
 </file>
 
-<file path=ppt/slides/slide76.xml><?xml version="1.0" encoding="utf-8"?>
+<file path=ppt/slides/slide85.xml><?xml version="1.0" encoding="utf-8"?>
 <p:sld xmlns:a="http://schemas.openxmlformats.org/drawingml/2006/main" xmlns:r="http://schemas.openxmlformats.org/officeDocument/2006/relationships" xmlns:p="http://schemas.openxmlformats.org/presentationml/2006/main">
   <p:cSld>
     <p:spTree>
@@ -13716,7 +16721,7 @@
 </p:sld>
 </file>
 
-<file path=ppt/slides/slide77.xml><?xml version="1.0" encoding="utf-8"?>
+<file path=ppt/slides/slide86.xml><?xml version="1.0" encoding="utf-8"?>
 <p:sld xmlns:a="http://schemas.openxmlformats.org/drawingml/2006/main" xmlns:r="http://schemas.openxmlformats.org/officeDocument/2006/relationships" xmlns:p="http://schemas.openxmlformats.org/presentationml/2006/main">
   <p:cSld>
     <p:spTree>
@@ -13897,7 +16902,7 @@
 </p:sld>
 </file>
 
-<file path=ppt/slides/slide78.xml><?xml version="1.0" encoding="utf-8"?>
+<file path=ppt/slides/slide87.xml><?xml version="1.0" encoding="utf-8"?>
 <p:sld xmlns:a="http://schemas.openxmlformats.org/drawingml/2006/main" xmlns:r="http://schemas.openxmlformats.org/officeDocument/2006/relationships" xmlns:p="http://schemas.openxmlformats.org/presentationml/2006/main">
   <p:cSld>
     <p:spTree>
@@ -14062,7 +17067,7 @@
 </p:sld>
 </file>
 
-<file path=ppt/slides/slide79.xml><?xml version="1.0" encoding="utf-8"?>
+<file path=ppt/slides/slide88.xml><?xml version="1.0" encoding="utf-8"?>
 <p:sld xmlns:a="http://schemas.openxmlformats.org/drawingml/2006/main" xmlns:r="http://schemas.openxmlformats.org/officeDocument/2006/relationships" xmlns:p="http://schemas.openxmlformats.org/presentationml/2006/main">
   <p:cSld>
     <p:spTree>
@@ -14196,7 +17201,7 @@
 </p:sld>
 </file>
 
-<file path=ppt/slides/slide8.xml><?xml version="1.0" encoding="utf-8"?>
+<file path=ppt/slides/slide89.xml><?xml version="1.0" encoding="utf-8"?>
 <p:sld xmlns:a="http://schemas.openxmlformats.org/drawingml/2006/main" xmlns:r="http://schemas.openxmlformats.org/officeDocument/2006/relationships" xmlns:p="http://schemas.openxmlformats.org/presentationml/2006/main">
   <p:cSld>
     <p:spTree>
@@ -14230,7 +17235,7 @@
           <a:p>
             <a:r>
               <a:rPr lang="en-GB" dirty="0" smtClean="0"/>
-              <a:t>Objectives</a:t>
+              <a:t>dm2dm</a:t>
             </a:r>
             <a:endParaRPr lang="en-US" dirty="0"/>
           </a:p>
@@ -14248,67 +17253,118 @@
         </p:nvSpPr>
         <p:spPr>
           <a:xfrm>
-            <a:off x="304800" y="1371600"/>
-            <a:ext cx="8610600" cy="4800600"/>
+            <a:off x="457200" y="1600200"/>
+            <a:ext cx="8229600" cy="4343400"/>
           </a:xfrm>
         </p:spPr>
         <p:txBody>
           <a:bodyPr>
-            <a:normAutofit fontScale="77500" lnSpcReduction="20000"/>
+            <a:normAutofit/>
           </a:bodyPr>
           <a:lstStyle/>
           <a:p>
             <a:r>
               <a:rPr lang="en-US" dirty="0" smtClean="0"/>
-              <a:t>Benefits of using </a:t>
-            </a:r>
-            <a:r>
-              <a:rPr lang="en-US" dirty="0" err="1" smtClean="0"/>
-              <a:t>SystemC</a:t>
-            </a:r>
-            <a:endParaRPr lang="en-US" dirty="0" smtClean="0"/>
-          </a:p>
-          <a:p>
-            <a:pPr lvl="1"/>
-            <a:r>
-              <a:rPr lang="en-US" dirty="0" smtClean="0"/>
-              <a:t>Short update-simulation-analysis cycle which allows for simulation driven development and optimization of the architecture</a:t>
-            </a:r>
-          </a:p>
-          <a:p>
-            <a:pPr lvl="1"/>
-            <a:r>
-              <a:rPr lang="en-US" dirty="0" smtClean="0"/>
-              <a:t>Cycle accurate simulation for the vector core to obtain realistic timing and throughput estimates at the earlier stages</a:t>
-            </a:r>
-          </a:p>
-          <a:p>
-            <a:pPr lvl="1"/>
-            <a:r>
-              <a:rPr lang="en-US" dirty="0" smtClean="0"/>
-              <a:t>High level of abstraction for Vector Core preferences, runtime configuration and status to stay focused on the architectural tasks</a:t>
-            </a:r>
-          </a:p>
-          <a:p>
-            <a:pPr lvl="1"/>
-            <a:r>
-              <a:rPr lang="en-US" dirty="0" smtClean="0"/>
-              <a:t>Large ecosystem of C/C++ libraries for data manipulation and processing allows for top-down development approach: from high level processing functions down to elementary arithmetic operations</a:t>
-            </a:r>
-          </a:p>
-          <a:p>
-            <a:pPr lvl="1"/>
-            <a:r>
-              <a:rPr lang="en-US" dirty="0" smtClean="0"/>
-              <a:t>Integration into the existing simulation workflows</a:t>
-            </a:r>
-          </a:p>
-          <a:p>
-            <a:pPr lvl="1"/>
-            <a:r>
-              <a:rPr lang="en-US" dirty="0" smtClean="0"/>
-              <a:t>Open source</a:t>
-            </a:r>
+              <a:t>Clean </a:t>
+            </a:r>
+          </a:p>
+          <a:p>
+            <a:pPr>
+              <a:buNone/>
+            </a:pPr>
+            <a:r>
+              <a:rPr lang="en-US" sz="2400" dirty="0" smtClean="0">
+                <a:latin typeface="Consolas" pitchFamily="49" charset="0"/>
+                <a:cs typeface="Consolas" pitchFamily="49" charset="0"/>
+              </a:rPr>
+              <a:t>make EXAMPLE=basic/dm2dm clean </a:t>
+            </a:r>
+          </a:p>
+          <a:p>
+            <a:r>
+              <a:rPr lang="en-US" dirty="0" smtClean="0"/>
+              <a:t>Build </a:t>
+            </a:r>
+          </a:p>
+          <a:p>
+            <a:pPr>
+              <a:buNone/>
+            </a:pPr>
+            <a:r>
+              <a:rPr lang="en-US" sz="2400" dirty="0" smtClean="0">
+                <a:latin typeface="Consolas" pitchFamily="49" charset="0"/>
+                <a:cs typeface="Consolas" pitchFamily="49" charset="0"/>
+              </a:rPr>
+              <a:t>make EXAMPLE=basic/dm2dm all </a:t>
+            </a:r>
+          </a:p>
+          <a:p>
+            <a:r>
+              <a:rPr lang="en-US" dirty="0" smtClean="0"/>
+              <a:t>Run</a:t>
+            </a:r>
+          </a:p>
+          <a:p>
+            <a:pPr>
+              <a:buNone/>
+            </a:pPr>
+            <a:r>
+              <a:rPr lang="en-US" sz="2400" dirty="0" smtClean="0">
+                <a:latin typeface="Consolas" pitchFamily="49" charset="0"/>
+                <a:cs typeface="Consolas" pitchFamily="49" charset="0"/>
+              </a:rPr>
+              <a:t>./build/Release/out/</a:t>
+            </a:r>
+            <a:r>
+              <a:rPr lang="en-US" sz="2400" dirty="0" err="1" smtClean="0">
+                <a:latin typeface="Consolas" pitchFamily="49" charset="0"/>
+                <a:cs typeface="Consolas" pitchFamily="49" charset="0"/>
+              </a:rPr>
+              <a:t>simsimd</a:t>
+            </a:r>
+            <a:r>
+              <a:rPr lang="en-US" sz="2400" dirty="0" smtClean="0">
+                <a:latin typeface="Consolas" pitchFamily="49" charset="0"/>
+                <a:cs typeface="Consolas" pitchFamily="49" charset="0"/>
+              </a:rPr>
+              <a:t> </a:t>
+            </a:r>
+          </a:p>
+          <a:p>
+            <a:r>
+              <a:rPr lang="en-US" dirty="0" smtClean="0"/>
+              <a:t>Inspect the result: </a:t>
+            </a:r>
+          </a:p>
+          <a:p>
+            <a:pPr>
+              <a:buNone/>
+            </a:pPr>
+            <a:r>
+              <a:rPr lang="en-US" sz="2400" dirty="0" smtClean="0">
+                <a:latin typeface="Consolas" pitchFamily="49" charset="0"/>
+                <a:cs typeface="Consolas" pitchFamily="49" charset="0"/>
+              </a:rPr>
+              <a:t>In </a:t>
+            </a:r>
+            <a:r>
+              <a:rPr lang="en-US" sz="2400" dirty="0" err="1" smtClean="0">
+                <a:latin typeface="Consolas" pitchFamily="49" charset="0"/>
+                <a:cs typeface="Consolas" pitchFamily="49" charset="0"/>
+              </a:rPr>
+              <a:t>gtkwave</a:t>
+            </a:r>
+            <a:r>
+              <a:rPr lang="en-US" sz="2400" dirty="0" smtClean="0">
+                <a:latin typeface="Consolas" pitchFamily="49" charset="0"/>
+                <a:cs typeface="Consolas" pitchFamily="49" charset="0"/>
+              </a:rPr>
+              <a:t> File-&gt;Open New Window-&gt;trace.vcd</a:t>
+            </a:r>
+            <a:endParaRPr lang="en-GB" sz="2400" dirty="0" smtClean="0">
+              <a:latin typeface="Consolas" pitchFamily="49" charset="0"/>
+              <a:cs typeface="Consolas" pitchFamily="49" charset="0"/>
+            </a:endParaRPr>
           </a:p>
         </p:txBody>
       </p:sp>
@@ -14320,7 +17376,7 @@
 </p:sld>
 </file>
 
-<file path=ppt/slides/slide80.xml><?xml version="1.0" encoding="utf-8"?>
+<file path=ppt/slides/slide9.xml><?xml version="1.0" encoding="utf-8"?>
 <p:sld xmlns:a="http://schemas.openxmlformats.org/drawingml/2006/main" xmlns:r="http://schemas.openxmlformats.org/officeDocument/2006/relationships" xmlns:p="http://schemas.openxmlformats.org/presentationml/2006/main">
   <p:cSld>
     <p:spTree>
@@ -14354,7 +17410,7 @@
           <a:p>
             <a:r>
               <a:rPr lang="en-GB" dirty="0" smtClean="0"/>
-              <a:t>dm2dm</a:t>
+              <a:t>Exemplar Applications</a:t>
             </a:r>
             <a:endParaRPr lang="en-US" dirty="0"/>
           </a:p>
@@ -14370,12 +17426,7 @@
             <p:ph idx="1"/>
           </p:nvPr>
         </p:nvSpPr>
-        <p:spPr>
-          <a:xfrm>
-            <a:off x="457200" y="1600200"/>
-            <a:ext cx="8229600" cy="4343400"/>
-          </a:xfrm>
-        </p:spPr>
+        <p:spPr/>
         <p:txBody>
           <a:bodyPr>
             <a:normAutofit/>
@@ -14383,107 +17434,10 @@
           <a:lstStyle/>
           <a:p>
             <a:r>
-              <a:rPr lang="en-US" dirty="0" smtClean="0"/>
-              <a:t>Clean </a:t>
-            </a:r>
-          </a:p>
-          <a:p>
-            <a:pPr>
-              <a:buNone/>
-            </a:pPr>
-            <a:r>
-              <a:rPr lang="en-US" sz="2400" dirty="0" smtClean="0">
-                <a:latin typeface="Consolas" pitchFamily="49" charset="0"/>
-                <a:cs typeface="Consolas" pitchFamily="49" charset="0"/>
-              </a:rPr>
-              <a:t>make EXAMPLE=basic/dm2dm clean </a:t>
-            </a:r>
-          </a:p>
-          <a:p>
-            <a:r>
-              <a:rPr lang="en-US" dirty="0" smtClean="0"/>
-              <a:t>Build </a:t>
-            </a:r>
-          </a:p>
-          <a:p>
-            <a:pPr>
-              <a:buNone/>
-            </a:pPr>
-            <a:r>
-              <a:rPr lang="en-US" sz="2400" dirty="0" smtClean="0">
-                <a:latin typeface="Consolas" pitchFamily="49" charset="0"/>
-                <a:cs typeface="Consolas" pitchFamily="49" charset="0"/>
-              </a:rPr>
-              <a:t>make EXAMPLE=basic/dm2dm all </a:t>
-            </a:r>
-          </a:p>
-          <a:p>
-            <a:r>
-              <a:rPr lang="en-US" dirty="0" smtClean="0"/>
-              <a:t>Run</a:t>
-            </a:r>
-          </a:p>
-          <a:p>
-            <a:pPr>
-              <a:buNone/>
-            </a:pPr>
-            <a:r>
-              <a:rPr lang="en-US" sz="2400" dirty="0" smtClean="0">
-                <a:latin typeface="Consolas" pitchFamily="49" charset="0"/>
-                <a:cs typeface="Consolas" pitchFamily="49" charset="0"/>
-              </a:rPr>
-              <a:t>./build/Release/out/</a:t>
-            </a:r>
-            <a:r>
-              <a:rPr lang="en-US" sz="2400" dirty="0" err="1" smtClean="0">
-                <a:latin typeface="Consolas" pitchFamily="49" charset="0"/>
-                <a:cs typeface="Consolas" pitchFamily="49" charset="0"/>
-              </a:rPr>
-              <a:t>simsimd</a:t>
-            </a:r>
-            <a:r>
-              <a:rPr lang="en-US" sz="2400" dirty="0" smtClean="0">
-                <a:latin typeface="Consolas" pitchFamily="49" charset="0"/>
-                <a:cs typeface="Consolas" pitchFamily="49" charset="0"/>
-              </a:rPr>
-              <a:t> </a:t>
-            </a:r>
-          </a:p>
-          <a:p>
-            <a:r>
-              <a:rPr lang="en-US" dirty="0" smtClean="0"/>
-              <a:t>Inspect the result: </a:t>
-            </a:r>
-          </a:p>
-          <a:p>
-            <a:pPr>
-              <a:buNone/>
-            </a:pPr>
-            <a:r>
-              <a:rPr lang="en-US" sz="2400" dirty="0" smtClean="0">
-                <a:latin typeface="Consolas" pitchFamily="49" charset="0"/>
-                <a:cs typeface="Consolas" pitchFamily="49" charset="0"/>
-              </a:rPr>
-              <a:t>In </a:t>
-            </a:r>
-            <a:r>
-              <a:rPr lang="en-US" sz="2400" dirty="0" err="1" smtClean="0">
-                <a:latin typeface="Consolas" pitchFamily="49" charset="0"/>
-                <a:cs typeface="Consolas" pitchFamily="49" charset="0"/>
-              </a:rPr>
-              <a:t>gtkwave</a:t>
-            </a:r>
-            <a:r>
-              <a:rPr lang="en-US" sz="2400" dirty="0" smtClean="0">
-                <a:latin typeface="Consolas" pitchFamily="49" charset="0"/>
-                <a:cs typeface="Consolas" pitchFamily="49" charset="0"/>
-              </a:rPr>
-              <a:t> File-&gt;Open New Window-&gt;trace.vcd</a:t>
-            </a:r>
-            <a:endParaRPr lang="en-GB" sz="2400" dirty="0" smtClean="0">
-              <a:latin typeface="Consolas" pitchFamily="49" charset="0"/>
-              <a:cs typeface="Consolas" pitchFamily="49" charset="0"/>
-            </a:endParaRPr>
+              <a:rPr lang="en-GB" dirty="0" smtClean="0"/>
+              <a:t>TBD</a:t>
+            </a:r>
+            <a:endParaRPr lang="en-US" dirty="0"/>
           </a:p>
         </p:txBody>
       </p:sp>
@@ -14495,7 +17449,7 @@
 </p:sld>
 </file>
 
-<file path=ppt/slides/slide81.xml><?xml version="1.0" encoding="utf-8"?>
+<file path=ppt/slides/slide90.xml><?xml version="1.0" encoding="utf-8"?>
 <p:sld xmlns:a="http://schemas.openxmlformats.org/drawingml/2006/main" xmlns:r="http://schemas.openxmlformats.org/officeDocument/2006/relationships" xmlns:p="http://schemas.openxmlformats.org/presentationml/2006/main">
   <p:cSld>
     <p:spTree>
@@ -14638,7 +17592,7 @@
 </p:sld>
 </file>
 
-<file path=ppt/slides/slide82.xml><?xml version="1.0" encoding="utf-8"?>
+<file path=ppt/slides/slide91.xml><?xml version="1.0" encoding="utf-8"?>
 <p:sld xmlns:a="http://schemas.openxmlformats.org/drawingml/2006/main" xmlns:r="http://schemas.openxmlformats.org/officeDocument/2006/relationships" xmlns:p="http://schemas.openxmlformats.org/presentationml/2006/main">
   <p:cSld>
     <p:spTree>
@@ -14761,7 +17715,7 @@
 </p:sld>
 </file>
 
-<file path=ppt/slides/slide83.xml><?xml version="1.0" encoding="utf-8"?>
+<file path=ppt/slides/slide92.xml><?xml version="1.0" encoding="utf-8"?>
 <p:sld xmlns:a="http://schemas.openxmlformats.org/drawingml/2006/main" xmlns:r="http://schemas.openxmlformats.org/officeDocument/2006/relationships" xmlns:p="http://schemas.openxmlformats.org/presentationml/2006/main">
   <p:cSld>
     <p:spTree>
@@ -15049,7 +18003,7 @@
 </p:sld>
 </file>
 
-<file path=ppt/slides/slide84.xml><?xml version="1.0" encoding="utf-8"?>
+<file path=ppt/slides/slide93.xml><?xml version="1.0" encoding="utf-8"?>
 <p:sld xmlns:a="http://schemas.openxmlformats.org/drawingml/2006/main" xmlns:r="http://schemas.openxmlformats.org/officeDocument/2006/relationships" xmlns:p="http://schemas.openxmlformats.org/presentationml/2006/main">
   <p:cSld>
     <p:spTree>
@@ -15222,7 +18176,7 @@
 </p:sld>
 </file>
 
-<file path=ppt/slides/slide85.xml><?xml version="1.0" encoding="utf-8"?>
+<file path=ppt/slides/slide94.xml><?xml version="1.0" encoding="utf-8"?>
 <p:sld xmlns:a="http://schemas.openxmlformats.org/drawingml/2006/main" xmlns:r="http://schemas.openxmlformats.org/officeDocument/2006/relationships" xmlns:p="http://schemas.openxmlformats.org/presentationml/2006/main">
   <p:cSld>
     <p:spTree>
@@ -15346,7 +18300,7 @@
 </p:sld>
 </file>
 
-<file path=ppt/slides/slide86.xml><?xml version="1.0" encoding="utf-8"?>
+<file path=ppt/slides/slide95.xml><?xml version="1.0" encoding="utf-8"?>
 <p:sld xmlns:a="http://schemas.openxmlformats.org/drawingml/2006/main" xmlns:r="http://schemas.openxmlformats.org/officeDocument/2006/relationships" xmlns:p="http://schemas.openxmlformats.org/presentationml/2006/main">
   <p:cSld>
     <p:spTree>
@@ -15549,7 +18503,7 @@
 </p:sld>
 </file>
 
-<file path=ppt/slides/slide87.xml><?xml version="1.0" encoding="utf-8"?>
+<file path=ppt/slides/slide96.xml><?xml version="1.0" encoding="utf-8"?>
 <p:sld xmlns:a="http://schemas.openxmlformats.org/drawingml/2006/main" xmlns:r="http://schemas.openxmlformats.org/officeDocument/2006/relationships" xmlns:p="http://schemas.openxmlformats.org/presentationml/2006/main">
   <p:cSld>
     <p:spTree>
@@ -15683,1342 +18637,6 @@
 </p:sld>
 </file>
 
-<file path=ppt/slides/slide88.xml><?xml version="1.0" encoding="utf-8"?>
-<p:sld xmlns:a="http://schemas.openxmlformats.org/drawingml/2006/main" xmlns:r="http://schemas.openxmlformats.org/officeDocument/2006/relationships" xmlns:p="http://schemas.openxmlformats.org/presentationml/2006/main">
-  <p:cSld>
-    <p:spTree>
-      <p:nvGrpSpPr>
-        <p:cNvPr id="1" name=""/>
-        <p:cNvGrpSpPr/>
-        <p:nvPr/>
-      </p:nvGrpSpPr>
-      <p:grpSpPr>
-        <a:xfrm>
-          <a:off x="0" y="0"/>
-          <a:ext cx="0" cy="0"/>
-          <a:chOff x="0" y="0"/>
-          <a:chExt cx="0" cy="0"/>
-        </a:xfrm>
-      </p:grpSpPr>
-      <p:sp>
-        <p:nvSpPr>
-          <p:cNvPr id="2" name="Title 1"/>
-          <p:cNvSpPr>
-            <a:spLocks noGrp="1"/>
-          </p:cNvSpPr>
-          <p:nvPr>
-            <p:ph type="title"/>
-          </p:nvPr>
-        </p:nvSpPr>
-        <p:spPr/>
-        <p:txBody>
-          <a:bodyPr/>
-          <a:lstStyle/>
-          <a:p>
-            <a:r>
-              <a:rPr lang="en-GB" dirty="0" smtClean="0"/>
-              <a:t>adder</a:t>
-            </a:r>
-            <a:endParaRPr lang="en-US" dirty="0"/>
-          </a:p>
-        </p:txBody>
-      </p:sp>
-      <p:sp>
-        <p:nvSpPr>
-          <p:cNvPr id="3" name="Content Placeholder 2"/>
-          <p:cNvSpPr>
-            <a:spLocks noGrp="1"/>
-          </p:cNvSpPr>
-          <p:nvPr>
-            <p:ph idx="1"/>
-          </p:nvPr>
-        </p:nvSpPr>
-        <p:spPr>
-          <a:xfrm>
-            <a:off x="457200" y="1600200"/>
-            <a:ext cx="8229600" cy="4343400"/>
-          </a:xfrm>
-        </p:spPr>
-        <p:txBody>
-          <a:bodyPr>
-            <a:normAutofit lnSpcReduction="10000"/>
-          </a:bodyPr>
-          <a:lstStyle/>
-          <a:p>
-            <a:r>
-              <a:rPr lang="en-GB" dirty="0" smtClean="0"/>
-              <a:t>Verifies operation of the EU blocks with multiple inputs and EU chaining</a:t>
-            </a:r>
-          </a:p>
-          <a:p>
-            <a:r>
-              <a:rPr lang="en-GB" dirty="0" smtClean="0"/>
-              <a:t>The test checks</a:t>
-            </a:r>
-          </a:p>
-          <a:p>
-            <a:pPr lvl="1"/>
-            <a:r>
-              <a:rPr lang="en-GB" dirty="0" smtClean="0"/>
-              <a:t>Integration into the vector core structure</a:t>
-            </a:r>
-          </a:p>
-          <a:p>
-            <a:pPr lvl="1"/>
-            <a:r>
-              <a:rPr lang="en-GB" dirty="0" smtClean="0"/>
-              <a:t>Operational of the Adder EU block chained to another adder</a:t>
-            </a:r>
-          </a:p>
-          <a:p>
-            <a:r>
-              <a:rPr lang="en-GB" dirty="0" smtClean="0"/>
-              <a:t>Test runs continuously with the constraint random vector sizes and VRI parameters for 100 us</a:t>
-            </a:r>
-          </a:p>
-        </p:txBody>
-      </p:sp>
-    </p:spTree>
-  </p:cSld>
-  <p:clrMapOvr>
-    <a:masterClrMapping/>
-  </p:clrMapOvr>
-</p:sld>
-</file>
-
-<file path=ppt/slides/slide89.xml><?xml version="1.0" encoding="utf-8"?>
-<p:sld xmlns:a="http://schemas.openxmlformats.org/drawingml/2006/main" xmlns:r="http://schemas.openxmlformats.org/officeDocument/2006/relationships" xmlns:p="http://schemas.openxmlformats.org/presentationml/2006/main">
-  <p:cSld>
-    <p:spTree>
-      <p:nvGrpSpPr>
-        <p:cNvPr id="1" name=""/>
-        <p:cNvGrpSpPr/>
-        <p:nvPr/>
-      </p:nvGrpSpPr>
-      <p:grpSpPr>
-        <a:xfrm>
-          <a:off x="0" y="0"/>
-          <a:ext cx="0" cy="0"/>
-          <a:chOff x="0" y="0"/>
-          <a:chExt cx="0" cy="0"/>
-        </a:xfrm>
-      </p:grpSpPr>
-      <p:sp>
-        <p:nvSpPr>
-          <p:cNvPr id="2" name="Title 1"/>
-          <p:cNvSpPr>
-            <a:spLocks noGrp="1"/>
-          </p:cNvSpPr>
-          <p:nvPr>
-            <p:ph type="title"/>
-          </p:nvPr>
-        </p:nvSpPr>
-        <p:spPr/>
-        <p:txBody>
-          <a:bodyPr/>
-          <a:lstStyle/>
-          <a:p>
-            <a:r>
-              <a:rPr lang="en-GB" dirty="0" smtClean="0"/>
-              <a:t>adder</a:t>
-            </a:r>
-            <a:endParaRPr lang="en-US" dirty="0"/>
-          </a:p>
-        </p:txBody>
-      </p:sp>
-      <p:sp>
-        <p:nvSpPr>
-          <p:cNvPr id="3" name="Content Placeholder 2"/>
-          <p:cNvSpPr>
-            <a:spLocks noGrp="1"/>
-          </p:cNvSpPr>
-          <p:nvPr>
-            <p:ph idx="1"/>
-          </p:nvPr>
-        </p:nvSpPr>
-        <p:spPr>
-          <a:xfrm>
-            <a:off x="457200" y="1600200"/>
-            <a:ext cx="8229600" cy="4343400"/>
-          </a:xfrm>
-        </p:spPr>
-        <p:txBody>
-          <a:bodyPr>
-            <a:normAutofit/>
-          </a:bodyPr>
-          <a:lstStyle/>
-          <a:p>
-            <a:r>
-              <a:rPr lang="en-US" dirty="0" smtClean="0"/>
-              <a:t>Clean </a:t>
-            </a:r>
-          </a:p>
-          <a:p>
-            <a:pPr>
-              <a:buNone/>
-            </a:pPr>
-            <a:r>
-              <a:rPr lang="en-US" sz="2400" dirty="0" smtClean="0">
-                <a:latin typeface="Consolas" pitchFamily="49" charset="0"/>
-                <a:cs typeface="Consolas" pitchFamily="49" charset="0"/>
-              </a:rPr>
-              <a:t>make EXAMPLE=basic/adder clean </a:t>
-            </a:r>
-          </a:p>
-          <a:p>
-            <a:r>
-              <a:rPr lang="en-US" dirty="0" smtClean="0"/>
-              <a:t>Build </a:t>
-            </a:r>
-          </a:p>
-          <a:p>
-            <a:pPr>
-              <a:buNone/>
-            </a:pPr>
-            <a:r>
-              <a:rPr lang="en-US" sz="2400" dirty="0" smtClean="0">
-                <a:latin typeface="Consolas" pitchFamily="49" charset="0"/>
-                <a:cs typeface="Consolas" pitchFamily="49" charset="0"/>
-              </a:rPr>
-              <a:t>make EXAMPLE=basic/adder all </a:t>
-            </a:r>
-          </a:p>
-          <a:p>
-            <a:r>
-              <a:rPr lang="en-US" dirty="0" smtClean="0"/>
-              <a:t>Run</a:t>
-            </a:r>
-          </a:p>
-          <a:p>
-            <a:pPr>
-              <a:buNone/>
-            </a:pPr>
-            <a:r>
-              <a:rPr lang="en-US" sz="2400" dirty="0" smtClean="0">
-                <a:latin typeface="Consolas" pitchFamily="49" charset="0"/>
-                <a:cs typeface="Consolas" pitchFamily="49" charset="0"/>
-              </a:rPr>
-              <a:t>./build/Release/out/</a:t>
-            </a:r>
-            <a:r>
-              <a:rPr lang="en-US" sz="2400" dirty="0" err="1" smtClean="0">
-                <a:latin typeface="Consolas" pitchFamily="49" charset="0"/>
-                <a:cs typeface="Consolas" pitchFamily="49" charset="0"/>
-              </a:rPr>
-              <a:t>simsimd</a:t>
-            </a:r>
-            <a:r>
-              <a:rPr lang="en-US" sz="2400" dirty="0" smtClean="0">
-                <a:latin typeface="Consolas" pitchFamily="49" charset="0"/>
-                <a:cs typeface="Consolas" pitchFamily="49" charset="0"/>
-              </a:rPr>
-              <a:t> </a:t>
-            </a:r>
-          </a:p>
-          <a:p>
-            <a:r>
-              <a:rPr lang="en-US" dirty="0" smtClean="0"/>
-              <a:t>Inspect the result: </a:t>
-            </a:r>
-          </a:p>
-          <a:p>
-            <a:pPr>
-              <a:buNone/>
-            </a:pPr>
-            <a:r>
-              <a:rPr lang="en-US" sz="2400" dirty="0" smtClean="0">
-                <a:latin typeface="Consolas" pitchFamily="49" charset="0"/>
-                <a:cs typeface="Consolas" pitchFamily="49" charset="0"/>
-              </a:rPr>
-              <a:t>In </a:t>
-            </a:r>
-            <a:r>
-              <a:rPr lang="en-US" sz="2400" dirty="0" err="1" smtClean="0">
-                <a:latin typeface="Consolas" pitchFamily="49" charset="0"/>
-                <a:cs typeface="Consolas" pitchFamily="49" charset="0"/>
-              </a:rPr>
-              <a:t>gtkwave</a:t>
-            </a:r>
-            <a:r>
-              <a:rPr lang="en-US" sz="2400" dirty="0" smtClean="0">
-                <a:latin typeface="Consolas" pitchFamily="49" charset="0"/>
-                <a:cs typeface="Consolas" pitchFamily="49" charset="0"/>
-              </a:rPr>
-              <a:t> File-&gt;Open New Window-&gt;trace.vcd</a:t>
-            </a:r>
-            <a:endParaRPr lang="en-GB" sz="2400" dirty="0" smtClean="0">
-              <a:latin typeface="Consolas" pitchFamily="49" charset="0"/>
-              <a:cs typeface="Consolas" pitchFamily="49" charset="0"/>
-            </a:endParaRPr>
-          </a:p>
-        </p:txBody>
-      </p:sp>
-    </p:spTree>
-  </p:cSld>
-  <p:clrMapOvr>
-    <a:masterClrMapping/>
-  </p:clrMapOvr>
-</p:sld>
-</file>
-
-<file path=ppt/slides/slide9.xml><?xml version="1.0" encoding="utf-8"?>
-<p:sld xmlns:a="http://schemas.openxmlformats.org/drawingml/2006/main" xmlns:r="http://schemas.openxmlformats.org/officeDocument/2006/relationships" xmlns:p="http://schemas.openxmlformats.org/presentationml/2006/main">
-  <p:cSld>
-    <p:spTree>
-      <p:nvGrpSpPr>
-        <p:cNvPr id="1" name=""/>
-        <p:cNvGrpSpPr/>
-        <p:nvPr/>
-      </p:nvGrpSpPr>
-      <p:grpSpPr>
-        <a:xfrm>
-          <a:off x="0" y="0"/>
-          <a:ext cx="0" cy="0"/>
-          <a:chOff x="0" y="0"/>
-          <a:chExt cx="0" cy="0"/>
-        </a:xfrm>
-      </p:grpSpPr>
-      <p:sp>
-        <p:nvSpPr>
-          <p:cNvPr id="2" name="Title 1"/>
-          <p:cNvSpPr>
-            <a:spLocks noGrp="1"/>
-          </p:cNvSpPr>
-          <p:nvPr>
-            <p:ph type="title"/>
-          </p:nvPr>
-        </p:nvSpPr>
-        <p:spPr/>
-        <p:txBody>
-          <a:bodyPr/>
-          <a:lstStyle/>
-          <a:p>
-            <a:r>
-              <a:rPr lang="en-GB" dirty="0" smtClean="0"/>
-              <a:t>Exemplar Applications</a:t>
-            </a:r>
-            <a:endParaRPr lang="en-US" dirty="0"/>
-          </a:p>
-        </p:txBody>
-      </p:sp>
-      <p:sp>
-        <p:nvSpPr>
-          <p:cNvPr id="3" name="Content Placeholder 2"/>
-          <p:cNvSpPr>
-            <a:spLocks noGrp="1"/>
-          </p:cNvSpPr>
-          <p:nvPr>
-            <p:ph idx="1"/>
-          </p:nvPr>
-        </p:nvSpPr>
-        <p:spPr/>
-        <p:txBody>
-          <a:bodyPr>
-            <a:normAutofit/>
-          </a:bodyPr>
-          <a:lstStyle/>
-          <a:p>
-            <a:r>
-              <a:rPr lang="en-GB" dirty="0" smtClean="0"/>
-              <a:t>TBD</a:t>
-            </a:r>
-            <a:endParaRPr lang="en-US" dirty="0"/>
-          </a:p>
-        </p:txBody>
-      </p:sp>
-    </p:spTree>
-  </p:cSld>
-  <p:clrMapOvr>
-    <a:masterClrMapping/>
-  </p:clrMapOvr>
-</p:sld>
-</file>
-
-<file path=ppt/slides/slide90.xml><?xml version="1.0" encoding="utf-8"?>
-<p:sld xmlns:a="http://schemas.openxmlformats.org/drawingml/2006/main" xmlns:r="http://schemas.openxmlformats.org/officeDocument/2006/relationships" xmlns:p="http://schemas.openxmlformats.org/presentationml/2006/main">
-  <p:cSld>
-    <p:spTree>
-      <p:nvGrpSpPr>
-        <p:cNvPr id="1" name=""/>
-        <p:cNvGrpSpPr/>
-        <p:nvPr/>
-      </p:nvGrpSpPr>
-      <p:grpSpPr>
-        <a:xfrm>
-          <a:off x="0" y="0"/>
-          <a:ext cx="0" cy="0"/>
-          <a:chOff x="0" y="0"/>
-          <a:chExt cx="0" cy="0"/>
-        </a:xfrm>
-      </p:grpSpPr>
-      <p:sp>
-        <p:nvSpPr>
-          <p:cNvPr id="2" name="Title 1"/>
-          <p:cNvSpPr>
-            <a:spLocks noGrp="1"/>
-          </p:cNvSpPr>
-          <p:nvPr>
-            <p:ph type="title"/>
-          </p:nvPr>
-        </p:nvSpPr>
-        <p:spPr/>
-        <p:txBody>
-          <a:bodyPr/>
-          <a:lstStyle/>
-          <a:p>
-            <a:r>
-              <a:rPr lang="en-GB" dirty="0" smtClean="0"/>
-              <a:t>adder</a:t>
-            </a:r>
-            <a:endParaRPr lang="en-US" dirty="0"/>
-          </a:p>
-        </p:txBody>
-      </p:sp>
-      <p:sp>
-        <p:nvSpPr>
-          <p:cNvPr id="3" name="Content Placeholder 2"/>
-          <p:cNvSpPr>
-            <a:spLocks noGrp="1"/>
-          </p:cNvSpPr>
-          <p:nvPr>
-            <p:ph idx="1"/>
-          </p:nvPr>
-        </p:nvSpPr>
-        <p:spPr>
-          <a:xfrm>
-            <a:off x="457200" y="1600200"/>
-            <a:ext cx="8229600" cy="2438400"/>
-          </a:xfrm>
-        </p:spPr>
-        <p:txBody>
-          <a:bodyPr>
-            <a:normAutofit fontScale="85000" lnSpcReduction="20000"/>
-          </a:bodyPr>
-          <a:lstStyle/>
-          <a:p>
-            <a:r>
-              <a:rPr lang="en-GB" dirty="0" smtClean="0"/>
-              <a:t>Scalar core configures vector core components to execute configuration slots 1..2 in a succession:</a:t>
-            </a:r>
-          </a:p>
-          <a:p>
-            <a:pPr lvl="1">
-              <a:buNone/>
-            </a:pPr>
-            <a:r>
-              <a:rPr lang="en-GB" dirty="0" smtClean="0"/>
-              <a:t>1. SUB( ADD( st_gen1, st_gen2 ), st_gen3) -&gt; st_ana1</a:t>
-            </a:r>
-          </a:p>
-          <a:p>
-            <a:pPr lvl="1">
-              <a:buNone/>
-            </a:pPr>
-            <a:r>
-              <a:rPr lang="en-GB" dirty="0" smtClean="0"/>
-              <a:t>2. SUB( ADD( st_gen2, st_gen1 ), st_gen3) -&gt; st_ana1</a:t>
-            </a:r>
-          </a:p>
-          <a:p>
-            <a:r>
-              <a:rPr lang="en-GB" dirty="0" smtClean="0"/>
-              <a:t>Scalar core initiates vector transfers which correspond to slot1. </a:t>
-            </a:r>
-          </a:p>
-        </p:txBody>
-      </p:sp>
-      <p:pic>
-        <p:nvPicPr>
-          <p:cNvPr id="41987" name="Picture 3"/>
-          <p:cNvPicPr>
-            <a:picLocks noChangeAspect="1" noChangeArrowheads="1"/>
-          </p:cNvPicPr>
-          <p:nvPr/>
-        </p:nvPicPr>
-        <p:blipFill>
-          <a:blip r:embed="rId2"/>
-          <a:srcRect/>
-          <a:stretch>
-            <a:fillRect/>
-          </a:stretch>
-        </p:blipFill>
-        <p:spPr bwMode="auto">
-          <a:xfrm>
-            <a:off x="2852738" y="3971925"/>
-            <a:ext cx="3438525" cy="1819275"/>
-          </a:xfrm>
-          <a:prstGeom prst="rect">
-            <a:avLst/>
-          </a:prstGeom>
-          <a:noFill/>
-          <a:ln w="9525">
-            <a:noFill/>
-            <a:miter lim="800000"/>
-            <a:headEnd/>
-            <a:tailEnd/>
-          </a:ln>
-          <a:effectLst/>
-        </p:spPr>
-      </p:pic>
-    </p:spTree>
-  </p:cSld>
-  <p:clrMapOvr>
-    <a:masterClrMapping/>
-  </p:clrMapOvr>
-</p:sld>
-</file>
-
-<file path=ppt/slides/slide91.xml><?xml version="1.0" encoding="utf-8"?>
-<p:sld xmlns:a="http://schemas.openxmlformats.org/drawingml/2006/main" xmlns:r="http://schemas.openxmlformats.org/officeDocument/2006/relationships" xmlns:p="http://schemas.openxmlformats.org/presentationml/2006/main">
-  <p:cSld>
-    <p:spTree>
-      <p:nvGrpSpPr>
-        <p:cNvPr id="1" name=""/>
-        <p:cNvGrpSpPr/>
-        <p:nvPr/>
-      </p:nvGrpSpPr>
-      <p:grpSpPr>
-        <a:xfrm>
-          <a:off x="0" y="0"/>
-          <a:ext cx="0" cy="0"/>
-          <a:chOff x="0" y="0"/>
-          <a:chExt cx="0" cy="0"/>
-        </a:xfrm>
-      </p:grpSpPr>
-      <p:sp>
-        <p:nvSpPr>
-          <p:cNvPr id="2" name="Title 1"/>
-          <p:cNvSpPr>
-            <a:spLocks noGrp="1"/>
-          </p:cNvSpPr>
-          <p:nvPr>
-            <p:ph type="title"/>
-          </p:nvPr>
-        </p:nvSpPr>
-        <p:spPr/>
-        <p:txBody>
-          <a:bodyPr/>
-          <a:lstStyle/>
-          <a:p>
-            <a:r>
-              <a:rPr lang="en-GB" dirty="0" err="1" smtClean="0"/>
-              <a:t>adder_stream</a:t>
-            </a:r>
-            <a:endParaRPr lang="en-US" dirty="0"/>
-          </a:p>
-        </p:txBody>
-      </p:sp>
-      <p:sp>
-        <p:nvSpPr>
-          <p:cNvPr id="3" name="Content Placeholder 2"/>
-          <p:cNvSpPr>
-            <a:spLocks noGrp="1"/>
-          </p:cNvSpPr>
-          <p:nvPr>
-            <p:ph idx="1"/>
-          </p:nvPr>
-        </p:nvSpPr>
-        <p:spPr>
-          <a:xfrm>
-            <a:off x="457200" y="1600200"/>
-            <a:ext cx="8229600" cy="4343400"/>
-          </a:xfrm>
-        </p:spPr>
-        <p:txBody>
-          <a:bodyPr>
-            <a:normAutofit fontScale="92500" lnSpcReduction="10000"/>
-          </a:bodyPr>
-          <a:lstStyle/>
-          <a:p>
-            <a:r>
-              <a:rPr lang="en-GB" dirty="0" smtClean="0"/>
-              <a:t>Verifies operation of the Streaming I/O Devices addressing common Data and Memory Pool</a:t>
-            </a:r>
-          </a:p>
-          <a:p>
-            <a:r>
-              <a:rPr lang="en-GB" dirty="0" smtClean="0"/>
-              <a:t>The test checks</a:t>
-            </a:r>
-          </a:p>
-          <a:p>
-            <a:pPr lvl="1"/>
-            <a:r>
-              <a:rPr lang="en-GB" dirty="0" smtClean="0"/>
-              <a:t>Initialization of the Data and Memory Pool from the .mat file</a:t>
-            </a:r>
-          </a:p>
-          <a:p>
-            <a:pPr lvl="1"/>
-            <a:r>
-              <a:rPr lang="en-GB" dirty="0" smtClean="0"/>
-              <a:t>Streaming device interface to the vector core and to the Pool</a:t>
-            </a:r>
-          </a:p>
-          <a:p>
-            <a:r>
-              <a:rPr lang="en-GB" dirty="0" smtClean="0"/>
-              <a:t>Test runs continuously with the constraint random VRI parameters and streaming device timings for 1 ms</a:t>
-            </a:r>
-          </a:p>
-          <a:p>
-            <a:endParaRPr lang="en-GB" dirty="0" smtClean="0"/>
-          </a:p>
-        </p:txBody>
-      </p:sp>
-    </p:spTree>
-  </p:cSld>
-  <p:clrMapOvr>
-    <a:masterClrMapping/>
-  </p:clrMapOvr>
-</p:sld>
-</file>
-
-<file path=ppt/slides/slide92.xml><?xml version="1.0" encoding="utf-8"?>
-<p:sld xmlns:a="http://schemas.openxmlformats.org/drawingml/2006/main" xmlns:r="http://schemas.openxmlformats.org/officeDocument/2006/relationships" xmlns:p="http://schemas.openxmlformats.org/presentationml/2006/main">
-  <p:cSld>
-    <p:spTree>
-      <p:nvGrpSpPr>
-        <p:cNvPr id="1" name=""/>
-        <p:cNvGrpSpPr/>
-        <p:nvPr/>
-      </p:nvGrpSpPr>
-      <p:grpSpPr>
-        <a:xfrm>
-          <a:off x="0" y="0"/>
-          <a:ext cx="0" cy="0"/>
-          <a:chOff x="0" y="0"/>
-          <a:chExt cx="0" cy="0"/>
-        </a:xfrm>
-      </p:grpSpPr>
-      <p:sp>
-        <p:nvSpPr>
-          <p:cNvPr id="2" name="Title 1"/>
-          <p:cNvSpPr>
-            <a:spLocks noGrp="1"/>
-          </p:cNvSpPr>
-          <p:nvPr>
-            <p:ph type="title"/>
-          </p:nvPr>
-        </p:nvSpPr>
-        <p:spPr/>
-        <p:txBody>
-          <a:bodyPr/>
-          <a:lstStyle/>
-          <a:p>
-            <a:r>
-              <a:rPr lang="en-GB" dirty="0" err="1" smtClean="0"/>
-              <a:t>adder_stream</a:t>
-            </a:r>
-            <a:endParaRPr lang="en-US" dirty="0"/>
-          </a:p>
-        </p:txBody>
-      </p:sp>
-      <p:sp>
-        <p:nvSpPr>
-          <p:cNvPr id="3" name="Content Placeholder 2"/>
-          <p:cNvSpPr>
-            <a:spLocks noGrp="1"/>
-          </p:cNvSpPr>
-          <p:nvPr>
-            <p:ph idx="1"/>
-          </p:nvPr>
-        </p:nvSpPr>
-        <p:spPr>
-          <a:xfrm>
-            <a:off x="457200" y="1600200"/>
-            <a:ext cx="8229600" cy="4343400"/>
-          </a:xfrm>
-        </p:spPr>
-        <p:txBody>
-          <a:bodyPr>
-            <a:normAutofit fontScale="85000" lnSpcReduction="20000"/>
-          </a:bodyPr>
-          <a:lstStyle/>
-          <a:p>
-            <a:r>
-              <a:rPr lang="en-US" dirty="0" smtClean="0"/>
-              <a:t>Clean </a:t>
-            </a:r>
-          </a:p>
-          <a:p>
-            <a:pPr>
-              <a:buNone/>
-            </a:pPr>
-            <a:r>
-              <a:rPr lang="en-US" sz="2400" dirty="0" smtClean="0">
-                <a:latin typeface="Consolas" pitchFamily="49" charset="0"/>
-                <a:cs typeface="Consolas" pitchFamily="49" charset="0"/>
-              </a:rPr>
-              <a:t>make EXAMPLE=basic/</a:t>
-            </a:r>
-            <a:r>
-              <a:rPr lang="en-US" sz="2400" dirty="0" err="1" smtClean="0">
-                <a:latin typeface="Consolas" pitchFamily="49" charset="0"/>
-                <a:cs typeface="Consolas" pitchFamily="49" charset="0"/>
-              </a:rPr>
-              <a:t>adder_stream</a:t>
-            </a:r>
-            <a:r>
-              <a:rPr lang="en-US" sz="2400" dirty="0" smtClean="0">
-                <a:latin typeface="Consolas" pitchFamily="49" charset="0"/>
-                <a:cs typeface="Consolas" pitchFamily="49" charset="0"/>
-              </a:rPr>
-              <a:t> clean </a:t>
-            </a:r>
-          </a:p>
-          <a:p>
-            <a:r>
-              <a:rPr lang="en-US" dirty="0" smtClean="0"/>
-              <a:t>Build  </a:t>
-            </a:r>
-          </a:p>
-          <a:p>
-            <a:pPr>
-              <a:buNone/>
-            </a:pPr>
-            <a:r>
-              <a:rPr lang="en-US" sz="2400" dirty="0" smtClean="0">
-                <a:latin typeface="Consolas" pitchFamily="49" charset="0"/>
-                <a:cs typeface="Consolas" pitchFamily="49" charset="0"/>
-              </a:rPr>
-              <a:t>make EXAMPLE=basic/</a:t>
-            </a:r>
-            <a:r>
-              <a:rPr lang="en-US" sz="2400" dirty="0" err="1" smtClean="0">
-                <a:latin typeface="Consolas" pitchFamily="49" charset="0"/>
-                <a:cs typeface="Consolas" pitchFamily="49" charset="0"/>
-              </a:rPr>
-              <a:t>adder_stream</a:t>
-            </a:r>
-            <a:r>
-              <a:rPr lang="en-US" sz="2400" dirty="0" smtClean="0">
-                <a:latin typeface="Consolas" pitchFamily="49" charset="0"/>
-                <a:cs typeface="Consolas" pitchFamily="49" charset="0"/>
-              </a:rPr>
-              <a:t> all </a:t>
-            </a:r>
-          </a:p>
-          <a:p>
-            <a:r>
-              <a:rPr lang="en-US" dirty="0" smtClean="0"/>
-              <a:t>Generate initialization .mat file  </a:t>
-            </a:r>
-          </a:p>
-          <a:p>
-            <a:pPr>
-              <a:buNone/>
-            </a:pPr>
-            <a:r>
-              <a:rPr lang="en-GB" sz="2400" dirty="0" smtClean="0">
-                <a:latin typeface="Consolas" pitchFamily="49" charset="0"/>
-                <a:cs typeface="Consolas" pitchFamily="49" charset="0"/>
-              </a:rPr>
-              <a:t>Execute ./examples/basic/</a:t>
-            </a:r>
-            <a:r>
-              <a:rPr lang="en-GB" sz="2400" dirty="0" err="1" smtClean="0">
-                <a:latin typeface="Consolas" pitchFamily="49" charset="0"/>
-                <a:cs typeface="Consolas" pitchFamily="49" charset="0"/>
-              </a:rPr>
-              <a:t>adder_stream</a:t>
-            </a:r>
-            <a:r>
-              <a:rPr lang="en-GB" sz="2400" dirty="0" smtClean="0">
-                <a:latin typeface="Consolas" pitchFamily="49" charset="0"/>
-                <a:cs typeface="Consolas" pitchFamily="49" charset="0"/>
-              </a:rPr>
-              <a:t>/mat/</a:t>
-            </a:r>
-            <a:r>
-              <a:rPr lang="en-GB" sz="2400" dirty="0" err="1" smtClean="0">
-                <a:latin typeface="Consolas" pitchFamily="49" charset="0"/>
-                <a:cs typeface="Consolas" pitchFamily="49" charset="0"/>
-              </a:rPr>
-              <a:t>seg_init.m</a:t>
-            </a:r>
-            <a:endParaRPr lang="en-GB" sz="2400" dirty="0" smtClean="0">
-              <a:latin typeface="Consolas" pitchFamily="49" charset="0"/>
-              <a:cs typeface="Consolas" pitchFamily="49" charset="0"/>
-            </a:endParaRPr>
-          </a:p>
-          <a:p>
-            <a:pPr>
-              <a:buNone/>
-            </a:pPr>
-            <a:r>
-              <a:rPr lang="en-GB" sz="2400" dirty="0" smtClean="0">
-                <a:latin typeface="Consolas" pitchFamily="49" charset="0"/>
-                <a:cs typeface="Consolas" pitchFamily="49" charset="0"/>
-              </a:rPr>
-              <a:t>which generates file</a:t>
-            </a:r>
-          </a:p>
-          <a:p>
-            <a:pPr>
-              <a:buNone/>
-            </a:pPr>
-            <a:r>
-              <a:rPr lang="en-GB" sz="2400" dirty="0" smtClean="0">
-                <a:latin typeface="Consolas" pitchFamily="49" charset="0"/>
-                <a:cs typeface="Consolas" pitchFamily="49" charset="0"/>
-              </a:rPr>
-              <a:t>./examples/basic/</a:t>
-            </a:r>
-            <a:r>
-              <a:rPr lang="en-GB" sz="2400" dirty="0" err="1" smtClean="0">
-                <a:latin typeface="Consolas" pitchFamily="49" charset="0"/>
-                <a:cs typeface="Consolas" pitchFamily="49" charset="0"/>
-              </a:rPr>
-              <a:t>adder_stream</a:t>
-            </a:r>
-            <a:r>
-              <a:rPr lang="en-GB" sz="2400" dirty="0" smtClean="0">
-                <a:latin typeface="Consolas" pitchFamily="49" charset="0"/>
-                <a:cs typeface="Consolas" pitchFamily="49" charset="0"/>
-              </a:rPr>
-              <a:t>/mat/seg_init.mat</a:t>
-            </a:r>
-            <a:endParaRPr lang="en-US" sz="2400" dirty="0" smtClean="0">
-              <a:latin typeface="Consolas" pitchFamily="49" charset="0"/>
-              <a:cs typeface="Consolas" pitchFamily="49" charset="0"/>
-            </a:endParaRPr>
-          </a:p>
-          <a:p>
-            <a:r>
-              <a:rPr lang="en-US" dirty="0" smtClean="0"/>
-              <a:t>Run</a:t>
-            </a:r>
-          </a:p>
-          <a:p>
-            <a:pPr>
-              <a:buNone/>
-            </a:pPr>
-            <a:r>
-              <a:rPr lang="en-US" sz="2400" dirty="0" smtClean="0">
-                <a:latin typeface="Consolas" pitchFamily="49" charset="0"/>
-                <a:cs typeface="Consolas" pitchFamily="49" charset="0"/>
-              </a:rPr>
-              <a:t>./build/Release/out/</a:t>
-            </a:r>
-            <a:r>
-              <a:rPr lang="en-US" sz="2400" dirty="0" err="1" smtClean="0">
-                <a:latin typeface="Consolas" pitchFamily="49" charset="0"/>
-                <a:cs typeface="Consolas" pitchFamily="49" charset="0"/>
-              </a:rPr>
-              <a:t>simsimd</a:t>
-            </a:r>
-            <a:r>
-              <a:rPr lang="en-US" sz="2400" dirty="0" smtClean="0">
-                <a:latin typeface="Consolas" pitchFamily="49" charset="0"/>
-                <a:cs typeface="Consolas" pitchFamily="49" charset="0"/>
-              </a:rPr>
-              <a:t> </a:t>
-            </a:r>
-          </a:p>
-          <a:p>
-            <a:r>
-              <a:rPr lang="en-US" dirty="0" smtClean="0"/>
-              <a:t>Inspect the result: </a:t>
-            </a:r>
-          </a:p>
-          <a:p>
-            <a:pPr>
-              <a:buNone/>
-            </a:pPr>
-            <a:r>
-              <a:rPr lang="en-US" sz="2400" dirty="0" smtClean="0">
-                <a:latin typeface="Consolas" pitchFamily="49" charset="0"/>
-                <a:cs typeface="Consolas" pitchFamily="49" charset="0"/>
-              </a:rPr>
-              <a:t>In </a:t>
-            </a:r>
-            <a:r>
-              <a:rPr lang="en-US" sz="2400" dirty="0" err="1" smtClean="0">
-                <a:latin typeface="Consolas" pitchFamily="49" charset="0"/>
-                <a:cs typeface="Consolas" pitchFamily="49" charset="0"/>
-              </a:rPr>
-              <a:t>gtkwave</a:t>
-            </a:r>
-            <a:r>
-              <a:rPr lang="en-US" sz="2400" dirty="0" smtClean="0">
-                <a:latin typeface="Consolas" pitchFamily="49" charset="0"/>
-                <a:cs typeface="Consolas" pitchFamily="49" charset="0"/>
-              </a:rPr>
-              <a:t> File-&gt;Open New Window-&gt;trace.vcd</a:t>
-            </a:r>
-            <a:endParaRPr lang="en-GB" sz="2400" dirty="0" smtClean="0">
-              <a:latin typeface="Consolas" pitchFamily="49" charset="0"/>
-              <a:cs typeface="Consolas" pitchFamily="49" charset="0"/>
-            </a:endParaRPr>
-          </a:p>
-        </p:txBody>
-      </p:sp>
-    </p:spTree>
-  </p:cSld>
-  <p:clrMapOvr>
-    <a:masterClrMapping/>
-  </p:clrMapOvr>
-</p:sld>
-</file>
-
-<file path=ppt/slides/slide93.xml><?xml version="1.0" encoding="utf-8"?>
-<p:sld xmlns:a="http://schemas.openxmlformats.org/drawingml/2006/main" xmlns:r="http://schemas.openxmlformats.org/officeDocument/2006/relationships" xmlns:p="http://schemas.openxmlformats.org/presentationml/2006/main">
-  <p:cSld>
-    <p:spTree>
-      <p:nvGrpSpPr>
-        <p:cNvPr id="1" name=""/>
-        <p:cNvGrpSpPr/>
-        <p:nvPr/>
-      </p:nvGrpSpPr>
-      <p:grpSpPr>
-        <a:xfrm>
-          <a:off x="0" y="0"/>
-          <a:ext cx="0" cy="0"/>
-          <a:chOff x="0" y="0"/>
-          <a:chExt cx="0" cy="0"/>
-        </a:xfrm>
-      </p:grpSpPr>
-      <p:sp>
-        <p:nvSpPr>
-          <p:cNvPr id="2" name="Title 1"/>
-          <p:cNvSpPr>
-            <a:spLocks noGrp="1"/>
-          </p:cNvSpPr>
-          <p:nvPr>
-            <p:ph type="title"/>
-          </p:nvPr>
-        </p:nvSpPr>
-        <p:spPr/>
-        <p:txBody>
-          <a:bodyPr/>
-          <a:lstStyle/>
-          <a:p>
-            <a:r>
-              <a:rPr lang="en-GB" dirty="0" err="1" smtClean="0"/>
-              <a:t>adder_stream</a:t>
-            </a:r>
-            <a:endParaRPr lang="en-US" dirty="0"/>
-          </a:p>
-        </p:txBody>
-      </p:sp>
-      <p:sp>
-        <p:nvSpPr>
-          <p:cNvPr id="3" name="Content Placeholder 2"/>
-          <p:cNvSpPr>
-            <a:spLocks noGrp="1"/>
-          </p:cNvSpPr>
-          <p:nvPr>
-            <p:ph idx="1"/>
-          </p:nvPr>
-        </p:nvSpPr>
-        <p:spPr>
-          <a:xfrm>
-            <a:off x="457200" y="1600200"/>
-            <a:ext cx="8229600" cy="4419600"/>
-          </a:xfrm>
-        </p:spPr>
-        <p:txBody>
-          <a:bodyPr>
-            <a:normAutofit fontScale="77500" lnSpcReduction="20000"/>
-          </a:bodyPr>
-          <a:lstStyle/>
-          <a:p>
-            <a:r>
-              <a:rPr lang="en-GB" dirty="0" smtClean="0"/>
-              <a:t>Create 3 segments in the Pool:</a:t>
-            </a:r>
-          </a:p>
-          <a:p>
-            <a:pPr lvl="1"/>
-            <a:r>
-              <a:rPr lang="en-GB" dirty="0" smtClean="0"/>
-              <a:t>seg_rd0 with 2 regions initialized from file </a:t>
-            </a:r>
-          </a:p>
-          <a:p>
-            <a:pPr lvl="1"/>
-            <a:r>
-              <a:rPr lang="en-GB" dirty="0" smtClean="0"/>
-              <a:t>seg_rd1 with 2 regions initialized from file</a:t>
-            </a:r>
-          </a:p>
-          <a:p>
-            <a:pPr lvl="1"/>
-            <a:r>
-              <a:rPr lang="en-GB" dirty="0" smtClean="0"/>
-              <a:t>Uninitialized seg_wr0</a:t>
-            </a:r>
-          </a:p>
-          <a:p>
-            <a:r>
-              <a:rPr lang="en-GB" dirty="0" smtClean="0"/>
-              <a:t>Scalar core configures vector core components to execute configuration slots 1..2 in a succession.</a:t>
-            </a:r>
-          </a:p>
-          <a:p>
-            <a:r>
-              <a:rPr lang="en-GB" dirty="0" smtClean="0"/>
-              <a:t>In either slot</a:t>
-            </a:r>
-          </a:p>
-          <a:p>
-            <a:pPr lvl="1"/>
-            <a:r>
-              <a:rPr lang="en-GB" dirty="0" smtClean="0"/>
-              <a:t>2 Data Vectors are read from the Pool with the input stream interfaces st_inp1 and st_inp2</a:t>
-            </a:r>
-          </a:p>
-          <a:p>
-            <a:pPr lvl="1"/>
-            <a:r>
-              <a:rPr lang="en-GB" dirty="0" smtClean="0"/>
-              <a:t>Data Vectors are processed with add_sub1 and add_sub2 blocks. See the </a:t>
-            </a:r>
-            <a:r>
-              <a:rPr lang="en-GB" b="1" dirty="0" smtClean="0"/>
-              <a:t>adder</a:t>
-            </a:r>
-            <a:r>
-              <a:rPr lang="en-GB" dirty="0" smtClean="0"/>
-              <a:t> test for more details</a:t>
-            </a:r>
-          </a:p>
-          <a:p>
-            <a:pPr lvl="1"/>
-            <a:r>
-              <a:rPr lang="en-GB" dirty="0" smtClean="0"/>
-              <a:t>Resulting vector from the output of the add_sub2 via the output stream interface st_out1 is written to the Pool</a:t>
-            </a:r>
-          </a:p>
-          <a:p>
-            <a:pPr lvl="1"/>
-            <a:endParaRPr lang="en-GB" dirty="0" smtClean="0"/>
-          </a:p>
-        </p:txBody>
-      </p:sp>
-    </p:spTree>
-  </p:cSld>
-  <p:clrMapOvr>
-    <a:masterClrMapping/>
-  </p:clrMapOvr>
-</p:sld>
-</file>
-
-<file path=ppt/slides/slide94.xml><?xml version="1.0" encoding="utf-8"?>
-<p:sld xmlns:a="http://schemas.openxmlformats.org/drawingml/2006/main" xmlns:r="http://schemas.openxmlformats.org/officeDocument/2006/relationships" xmlns:p="http://schemas.openxmlformats.org/presentationml/2006/main">
-  <p:cSld>
-    <p:spTree>
-      <p:nvGrpSpPr>
-        <p:cNvPr id="1" name=""/>
-        <p:cNvGrpSpPr/>
-        <p:nvPr/>
-      </p:nvGrpSpPr>
-      <p:grpSpPr>
-        <a:xfrm>
-          <a:off x="0" y="0"/>
-          <a:ext cx="0" cy="0"/>
-          <a:chOff x="0" y="0"/>
-          <a:chExt cx="0" cy="0"/>
-        </a:xfrm>
-      </p:grpSpPr>
-      <p:sp>
-        <p:nvSpPr>
-          <p:cNvPr id="2" name="Title 1"/>
-          <p:cNvSpPr>
-            <a:spLocks noGrp="1"/>
-          </p:cNvSpPr>
-          <p:nvPr>
-            <p:ph type="title"/>
-          </p:nvPr>
-        </p:nvSpPr>
-        <p:spPr/>
-        <p:txBody>
-          <a:bodyPr/>
-          <a:lstStyle/>
-          <a:p>
-            <a:r>
-              <a:rPr lang="en-GB" dirty="0" err="1" smtClean="0"/>
-              <a:t>adder_stream</a:t>
-            </a:r>
-            <a:endParaRPr lang="en-US" dirty="0"/>
-          </a:p>
-        </p:txBody>
-      </p:sp>
-      <p:sp>
-        <p:nvSpPr>
-          <p:cNvPr id="7" name="Content Placeholder 6"/>
-          <p:cNvSpPr>
-            <a:spLocks noGrp="1"/>
-          </p:cNvSpPr>
-          <p:nvPr>
-            <p:ph idx="1"/>
-          </p:nvPr>
-        </p:nvSpPr>
-        <p:spPr/>
-        <p:txBody>
-          <a:bodyPr/>
-          <a:lstStyle/>
-          <a:p>
-            <a:r>
-              <a:rPr lang="en-GB" dirty="0" smtClean="0"/>
-              <a:t>Scalar core initiates vector transfers which correspond to slot1. </a:t>
-            </a:r>
-          </a:p>
-        </p:txBody>
-      </p:sp>
-      <p:pic>
-        <p:nvPicPr>
-          <p:cNvPr id="33798" name="Picture 6"/>
-          <p:cNvPicPr>
-            <a:picLocks noChangeAspect="1" noChangeArrowheads="1"/>
-          </p:cNvPicPr>
-          <p:nvPr/>
-        </p:nvPicPr>
-        <p:blipFill>
-          <a:blip r:embed="rId2"/>
-          <a:srcRect/>
-          <a:stretch>
-            <a:fillRect/>
-          </a:stretch>
-        </p:blipFill>
-        <p:spPr bwMode="auto">
-          <a:xfrm>
-            <a:off x="2400300" y="3267075"/>
-            <a:ext cx="4343400" cy="2447925"/>
-          </a:xfrm>
-          <a:prstGeom prst="rect">
-            <a:avLst/>
-          </a:prstGeom>
-          <a:noFill/>
-          <a:ln w="9525">
-            <a:noFill/>
-            <a:miter lim="800000"/>
-            <a:headEnd/>
-            <a:tailEnd/>
-          </a:ln>
-          <a:effectLst/>
-        </p:spPr>
-      </p:pic>
-    </p:spTree>
-  </p:cSld>
-  <p:clrMapOvr>
-    <a:masterClrMapping/>
-  </p:clrMapOvr>
-</p:sld>
-</file>
-
-<file path=ppt/slides/slide95.xml><?xml version="1.0" encoding="utf-8"?>
-<p:sld xmlns:a="http://schemas.openxmlformats.org/drawingml/2006/main" xmlns:r="http://schemas.openxmlformats.org/officeDocument/2006/relationships" xmlns:p="http://schemas.openxmlformats.org/presentationml/2006/main">
-  <p:cSld>
-    <p:spTree>
-      <p:nvGrpSpPr>
-        <p:cNvPr id="1" name=""/>
-        <p:cNvGrpSpPr/>
-        <p:nvPr/>
-      </p:nvGrpSpPr>
-      <p:grpSpPr>
-        <a:xfrm>
-          <a:off x="0" y="0"/>
-          <a:ext cx="0" cy="0"/>
-          <a:chOff x="0" y="0"/>
-          <a:chExt cx="0" cy="0"/>
-        </a:xfrm>
-      </p:grpSpPr>
-      <p:sp>
-        <p:nvSpPr>
-          <p:cNvPr id="2" name="Title 1"/>
-          <p:cNvSpPr>
-            <a:spLocks noGrp="1"/>
-          </p:cNvSpPr>
-          <p:nvPr>
-            <p:ph type="title"/>
-          </p:nvPr>
-        </p:nvSpPr>
-        <p:spPr/>
-        <p:txBody>
-          <a:bodyPr/>
-          <a:lstStyle/>
-          <a:p>
-            <a:r>
-              <a:rPr lang="en-GB" dirty="0" err="1" smtClean="0"/>
-              <a:t>adder_cache</a:t>
-            </a:r>
-            <a:endParaRPr lang="en-US" dirty="0"/>
-          </a:p>
-        </p:txBody>
-      </p:sp>
-      <p:sp>
-        <p:nvSpPr>
-          <p:cNvPr id="3" name="Content Placeholder 2"/>
-          <p:cNvSpPr>
-            <a:spLocks noGrp="1"/>
-          </p:cNvSpPr>
-          <p:nvPr>
-            <p:ph idx="1"/>
-          </p:nvPr>
-        </p:nvSpPr>
-        <p:spPr>
-          <a:xfrm>
-            <a:off x="457200" y="1600200"/>
-            <a:ext cx="8229600" cy="4343400"/>
-          </a:xfrm>
-        </p:spPr>
-        <p:txBody>
-          <a:bodyPr>
-            <a:normAutofit fontScale="92500" lnSpcReduction="10000"/>
-          </a:bodyPr>
-          <a:lstStyle/>
-          <a:p>
-            <a:r>
-              <a:rPr lang="en-US" dirty="0" smtClean="0"/>
-              <a:t>Example of the basic system design</a:t>
-            </a:r>
-            <a:r>
-              <a:rPr lang="en-GB" dirty="0" smtClean="0"/>
-              <a:t> with the synchronized operation of the Data Memories, Computational Units and Streaming I/O Devices</a:t>
-            </a:r>
-          </a:p>
-          <a:p>
-            <a:r>
-              <a:rPr lang="en-GB" dirty="0" smtClean="0"/>
-              <a:t>The test checks</a:t>
-            </a:r>
-          </a:p>
-          <a:p>
-            <a:pPr lvl="1"/>
-            <a:r>
-              <a:rPr lang="en-GB" dirty="0" smtClean="0"/>
-              <a:t>Overall system integration</a:t>
-            </a:r>
-          </a:p>
-          <a:p>
-            <a:pPr lvl="1"/>
-            <a:r>
-              <a:rPr lang="en-GB" dirty="0" smtClean="0"/>
-              <a:t>Development complexity</a:t>
-            </a:r>
-          </a:p>
-          <a:p>
-            <a:r>
-              <a:rPr lang="en-GB" dirty="0" smtClean="0"/>
-              <a:t>Test runs continuously with the constraint random VRI parameters and streaming device timings for 1 ms</a:t>
-            </a:r>
-          </a:p>
-          <a:p>
-            <a:endParaRPr lang="en-GB" dirty="0" smtClean="0"/>
-          </a:p>
-        </p:txBody>
-      </p:sp>
-    </p:spTree>
-  </p:cSld>
-  <p:clrMapOvr>
-    <a:masterClrMapping/>
-  </p:clrMapOvr>
-</p:sld>
-</file>
-
-<file path=ppt/slides/slide96.xml><?xml version="1.0" encoding="utf-8"?>
-<p:sld xmlns:a="http://schemas.openxmlformats.org/drawingml/2006/main" xmlns:r="http://schemas.openxmlformats.org/officeDocument/2006/relationships" xmlns:p="http://schemas.openxmlformats.org/presentationml/2006/main">
-  <p:cSld>
-    <p:spTree>
-      <p:nvGrpSpPr>
-        <p:cNvPr id="1" name=""/>
-        <p:cNvGrpSpPr/>
-        <p:nvPr/>
-      </p:nvGrpSpPr>
-      <p:grpSpPr>
-        <a:xfrm>
-          <a:off x="0" y="0"/>
-          <a:ext cx="0" cy="0"/>
-          <a:chOff x="0" y="0"/>
-          <a:chExt cx="0" cy="0"/>
-        </a:xfrm>
-      </p:grpSpPr>
-      <p:sp>
-        <p:nvSpPr>
-          <p:cNvPr id="2" name="Title 1"/>
-          <p:cNvSpPr>
-            <a:spLocks noGrp="1"/>
-          </p:cNvSpPr>
-          <p:nvPr>
-            <p:ph type="title"/>
-          </p:nvPr>
-        </p:nvSpPr>
-        <p:spPr/>
-        <p:txBody>
-          <a:bodyPr/>
-          <a:lstStyle/>
-          <a:p>
-            <a:r>
-              <a:rPr lang="en-GB" dirty="0" err="1" smtClean="0"/>
-              <a:t>adder_cache</a:t>
-            </a:r>
-            <a:endParaRPr lang="en-US" dirty="0"/>
-          </a:p>
-        </p:txBody>
-      </p:sp>
-      <p:sp>
-        <p:nvSpPr>
-          <p:cNvPr id="3" name="Content Placeholder 2"/>
-          <p:cNvSpPr>
-            <a:spLocks noGrp="1"/>
-          </p:cNvSpPr>
-          <p:nvPr>
-            <p:ph idx="1"/>
-          </p:nvPr>
-        </p:nvSpPr>
-        <p:spPr>
-          <a:xfrm>
-            <a:off x="457200" y="1600200"/>
-            <a:ext cx="8229600" cy="4419600"/>
-          </a:xfrm>
-        </p:spPr>
-        <p:txBody>
-          <a:bodyPr>
-            <a:normAutofit fontScale="70000" lnSpcReduction="20000"/>
-          </a:bodyPr>
-          <a:lstStyle/>
-          <a:p>
-            <a:r>
-              <a:rPr lang="en-GB" dirty="0" smtClean="0"/>
-              <a:t>Input Vectors, which reside in the Data Pool, are written into the DM blocks at the operational rate of the Input Stream Interfaces. </a:t>
-            </a:r>
-          </a:p>
-          <a:p>
-            <a:r>
-              <a:rPr lang="en-GB" dirty="0" smtClean="0"/>
-              <a:t>Execution Units process data at a full rate from the memory blocks and the Output Vector is written into the destination memory block. </a:t>
-            </a:r>
-          </a:p>
-          <a:p>
-            <a:r>
-              <a:rPr lang="en-GB" dirty="0" smtClean="0"/>
-              <a:t>The Output Vector from the destination memory block is written to the Data Pool at the operational rate of the Output Stream Interface</a:t>
-            </a:r>
-          </a:p>
-          <a:p>
-            <a:r>
-              <a:rPr lang="en-GB" dirty="0" smtClean="0"/>
-              <a:t>This arrangement decouples the utilization rate of the Execution Units from the throughput of the Stream Interfaces. Execution Units can be used in other processing chains while not busy processing the Input Vectors.</a:t>
-            </a:r>
-          </a:p>
-          <a:p>
-            <a:r>
-              <a:rPr lang="en-GB" dirty="0" smtClean="0"/>
-              <a:t>These operations are controlled from the Scalar Core</a:t>
-            </a:r>
-          </a:p>
-        </p:txBody>
-      </p:sp>
-    </p:spTree>
-  </p:cSld>
-  <p:clrMapOvr>
-    <a:masterClrMapping/>
-  </p:clrMapOvr>
-</p:sld>
-</file>
-
 <file path=ppt/slides/slide97.xml><?xml version="1.0" encoding="utf-8"?>
 <p:sld xmlns:a="http://schemas.openxmlformats.org/drawingml/2006/main" xmlns:r="http://schemas.openxmlformats.org/officeDocument/2006/relationships" xmlns:p="http://schemas.openxmlformats.org/presentationml/2006/main">
   <p:cSld>
@@ -17052,8 +18670,8 @@
           <a:lstStyle/>
           <a:p>
             <a:r>
-              <a:rPr lang="en-GB" dirty="0" err="1" smtClean="0"/>
-              <a:t>adder_cache</a:t>
+              <a:rPr lang="en-GB" dirty="0" smtClean="0"/>
+              <a:t>adder</a:t>
             </a:r>
             <a:endParaRPr lang="en-US" dirty="0"/>
           </a:p>
@@ -17077,225 +18695,40 @@
         </p:spPr>
         <p:txBody>
           <a:bodyPr>
-            <a:normAutofit fontScale="85000" lnSpcReduction="20000"/>
+            <a:normAutofit lnSpcReduction="10000"/>
           </a:bodyPr>
           <a:lstStyle/>
           <a:p>
             <a:r>
-              <a:rPr lang="en-US" dirty="0" smtClean="0"/>
-              <a:t>Clean </a:t>
-            </a:r>
-          </a:p>
-          <a:p>
-            <a:pPr>
-              <a:buNone/>
-            </a:pPr>
-            <a:r>
-              <a:rPr lang="en-US" sz="2400" dirty="0" smtClean="0">
-                <a:latin typeface="Consolas" pitchFamily="49" charset="0"/>
-                <a:cs typeface="Consolas" pitchFamily="49" charset="0"/>
-              </a:rPr>
-              <a:t>make EXAMPLE=basic/</a:t>
-            </a:r>
-            <a:r>
-              <a:rPr lang="en-US" sz="2400" dirty="0" err="1" smtClean="0">
-                <a:latin typeface="Consolas" pitchFamily="49" charset="0"/>
-                <a:cs typeface="Consolas" pitchFamily="49" charset="0"/>
-              </a:rPr>
-              <a:t>adder_cache</a:t>
-            </a:r>
-            <a:r>
-              <a:rPr lang="en-US" sz="2400" dirty="0" smtClean="0">
-                <a:latin typeface="Consolas" pitchFamily="49" charset="0"/>
-                <a:cs typeface="Consolas" pitchFamily="49" charset="0"/>
-              </a:rPr>
-              <a:t> clean </a:t>
-            </a:r>
-          </a:p>
-          <a:p>
-            <a:r>
-              <a:rPr lang="en-US" dirty="0" smtClean="0"/>
-              <a:t>Build  </a:t>
-            </a:r>
-          </a:p>
-          <a:p>
-            <a:pPr>
-              <a:buNone/>
-            </a:pPr>
-            <a:r>
-              <a:rPr lang="en-US" sz="2400" dirty="0" smtClean="0">
-                <a:latin typeface="Consolas" pitchFamily="49" charset="0"/>
-                <a:cs typeface="Consolas" pitchFamily="49" charset="0"/>
-              </a:rPr>
-              <a:t>make EXAMPLE=basic/</a:t>
-            </a:r>
-            <a:r>
-              <a:rPr lang="en-US" sz="2400" dirty="0" err="1" smtClean="0">
-                <a:latin typeface="Consolas" pitchFamily="49" charset="0"/>
-                <a:cs typeface="Consolas" pitchFamily="49" charset="0"/>
-              </a:rPr>
-              <a:t>adder_cache</a:t>
-            </a:r>
-            <a:r>
-              <a:rPr lang="en-US" sz="2400" dirty="0" smtClean="0">
-                <a:latin typeface="Consolas" pitchFamily="49" charset="0"/>
-                <a:cs typeface="Consolas" pitchFamily="49" charset="0"/>
-              </a:rPr>
-              <a:t> all </a:t>
-            </a:r>
-          </a:p>
-          <a:p>
-            <a:r>
-              <a:rPr lang="en-US" dirty="0" smtClean="0"/>
-              <a:t>Generate initialization .mat file  </a:t>
-            </a:r>
-          </a:p>
-          <a:p>
-            <a:pPr>
-              <a:buNone/>
-            </a:pPr>
-            <a:r>
-              <a:rPr lang="en-GB" sz="2400" dirty="0" smtClean="0">
-                <a:latin typeface="Consolas" pitchFamily="49" charset="0"/>
-                <a:cs typeface="Consolas" pitchFamily="49" charset="0"/>
-              </a:rPr>
-              <a:t>Execute ./examples/basic/adder_</a:t>
-            </a:r>
-            <a:r>
-              <a:rPr lang="en-US" sz="2400" dirty="0" smtClean="0">
-                <a:latin typeface="Consolas" pitchFamily="49" charset="0"/>
-                <a:cs typeface="Consolas" pitchFamily="49" charset="0"/>
-              </a:rPr>
-              <a:t>cache</a:t>
-            </a:r>
-            <a:r>
-              <a:rPr lang="en-GB" sz="2400" dirty="0" smtClean="0">
-                <a:latin typeface="Consolas" pitchFamily="49" charset="0"/>
-                <a:cs typeface="Consolas" pitchFamily="49" charset="0"/>
-              </a:rPr>
-              <a:t>/mat/</a:t>
-            </a:r>
-            <a:r>
-              <a:rPr lang="en-GB" sz="2400" dirty="0" err="1" smtClean="0">
-                <a:latin typeface="Consolas" pitchFamily="49" charset="0"/>
-                <a:cs typeface="Consolas" pitchFamily="49" charset="0"/>
-              </a:rPr>
-              <a:t>seg_init.m</a:t>
-            </a:r>
-            <a:endParaRPr lang="en-GB" sz="2400" dirty="0" smtClean="0">
-              <a:latin typeface="Consolas" pitchFamily="49" charset="0"/>
-              <a:cs typeface="Consolas" pitchFamily="49" charset="0"/>
-            </a:endParaRPr>
-          </a:p>
-          <a:p>
-            <a:pPr>
-              <a:buNone/>
-            </a:pPr>
-            <a:r>
-              <a:rPr lang="en-GB" sz="2400" dirty="0" smtClean="0">
-                <a:latin typeface="Consolas" pitchFamily="49" charset="0"/>
-                <a:cs typeface="Consolas" pitchFamily="49" charset="0"/>
-              </a:rPr>
-              <a:t>which generates file</a:t>
-            </a:r>
-          </a:p>
-          <a:p>
-            <a:pPr>
-              <a:buNone/>
-            </a:pPr>
-            <a:r>
-              <a:rPr lang="en-GB" sz="2400" dirty="0" smtClean="0">
-                <a:latin typeface="Consolas" pitchFamily="49" charset="0"/>
-                <a:cs typeface="Consolas" pitchFamily="49" charset="0"/>
-              </a:rPr>
-              <a:t>./examples/basic/adder_</a:t>
-            </a:r>
-            <a:r>
-              <a:rPr lang="en-US" sz="2400" dirty="0" smtClean="0">
-                <a:latin typeface="Consolas" pitchFamily="49" charset="0"/>
-                <a:cs typeface="Consolas" pitchFamily="49" charset="0"/>
-              </a:rPr>
-              <a:t>cache</a:t>
-            </a:r>
-            <a:r>
-              <a:rPr lang="en-GB" sz="2400" dirty="0" smtClean="0">
-                <a:latin typeface="Consolas" pitchFamily="49" charset="0"/>
-                <a:cs typeface="Consolas" pitchFamily="49" charset="0"/>
-              </a:rPr>
-              <a:t>/mat/seg_init.mat</a:t>
-            </a:r>
-            <a:endParaRPr lang="en-US" sz="2400" dirty="0" smtClean="0">
-              <a:latin typeface="Consolas" pitchFamily="49" charset="0"/>
-              <a:cs typeface="Consolas" pitchFamily="49" charset="0"/>
-            </a:endParaRPr>
-          </a:p>
-          <a:p>
-            <a:r>
-              <a:rPr lang="en-US" dirty="0" smtClean="0"/>
-              <a:t>Run</a:t>
-            </a:r>
-          </a:p>
-          <a:p>
-            <a:pPr>
-              <a:buNone/>
-            </a:pPr>
-            <a:r>
-              <a:rPr lang="en-US" sz="2400" dirty="0" smtClean="0">
-                <a:latin typeface="Consolas" pitchFamily="49" charset="0"/>
-                <a:cs typeface="Consolas" pitchFamily="49" charset="0"/>
-              </a:rPr>
-              <a:t>./build/Release/out/</a:t>
-            </a:r>
-            <a:r>
-              <a:rPr lang="en-US" sz="2400" dirty="0" err="1" smtClean="0">
-                <a:latin typeface="Consolas" pitchFamily="49" charset="0"/>
-                <a:cs typeface="Consolas" pitchFamily="49" charset="0"/>
-              </a:rPr>
-              <a:t>simsimd</a:t>
-            </a:r>
-            <a:r>
-              <a:rPr lang="en-US" sz="2400" dirty="0" smtClean="0">
-                <a:latin typeface="Consolas" pitchFamily="49" charset="0"/>
-                <a:cs typeface="Consolas" pitchFamily="49" charset="0"/>
-              </a:rPr>
-              <a:t> </a:t>
-            </a:r>
-          </a:p>
-          <a:p>
-            <a:r>
-              <a:rPr lang="en-US" dirty="0" smtClean="0"/>
-              <a:t>Inspect the result: </a:t>
-            </a:r>
-          </a:p>
-          <a:p>
-            <a:pPr>
-              <a:buNone/>
-            </a:pPr>
-            <a:r>
-              <a:rPr lang="en-US" sz="2400" dirty="0" smtClean="0">
-                <a:latin typeface="Consolas" pitchFamily="49" charset="0"/>
-                <a:cs typeface="Consolas" pitchFamily="49" charset="0"/>
-              </a:rPr>
-              <a:t>In </a:t>
-            </a:r>
-            <a:r>
-              <a:rPr lang="en-US" sz="2400" dirty="0" err="1" smtClean="0">
-                <a:latin typeface="Consolas" pitchFamily="49" charset="0"/>
-                <a:cs typeface="Consolas" pitchFamily="49" charset="0"/>
-              </a:rPr>
-              <a:t>gtkwave</a:t>
-            </a:r>
-            <a:r>
-              <a:rPr lang="en-US" sz="2400" dirty="0" smtClean="0">
-                <a:latin typeface="Consolas" pitchFamily="49" charset="0"/>
-                <a:cs typeface="Consolas" pitchFamily="49" charset="0"/>
-              </a:rPr>
-              <a:t> File-&gt;Open New Window-&gt;trace.vcd</a:t>
-            </a:r>
-            <a:endParaRPr lang="en-GB" sz="2400" dirty="0" smtClean="0">
-              <a:latin typeface="Consolas" pitchFamily="49" charset="0"/>
-              <a:cs typeface="Consolas" pitchFamily="49" charset="0"/>
-            </a:endParaRPr>
+              <a:rPr lang="en-GB" dirty="0" smtClean="0"/>
+              <a:t>Verifies operation of the EU blocks with multiple inputs and EU chaining</a:t>
+            </a:r>
+          </a:p>
+          <a:p>
+            <a:r>
+              <a:rPr lang="en-GB" dirty="0" smtClean="0"/>
+              <a:t>The test checks</a:t>
+            </a:r>
+          </a:p>
+          <a:p>
+            <a:pPr lvl="1"/>
+            <a:r>
+              <a:rPr lang="en-GB" dirty="0" smtClean="0"/>
+              <a:t>Integration into the vector core structure</a:t>
+            </a:r>
+          </a:p>
+          <a:p>
+            <a:pPr lvl="1"/>
+            <a:r>
+              <a:rPr lang="en-GB" dirty="0" smtClean="0"/>
+              <a:t>Operational of the Adder EU block chained to another adder</a:t>
+            </a:r>
+          </a:p>
+          <a:p>
+            <a:r>
+              <a:rPr lang="en-GB" dirty="0" smtClean="0"/>
+              <a:t>Test runs continuously with the constraint random vector sizes and VRI parameters for 100 us</a:t>
+            </a:r>
           </a:p>
         </p:txBody>
       </p:sp>
@@ -17340,8 +18773,8 @@
           <a:lstStyle/>
           <a:p>
             <a:r>
-              <a:rPr lang="en-GB" dirty="0" err="1" smtClean="0"/>
-              <a:t>adder_cache</a:t>
+              <a:rPr lang="en-GB" dirty="0" smtClean="0"/>
+              <a:t>adder</a:t>
             </a:r>
             <a:endParaRPr lang="en-US" dirty="0"/>
           </a:p>
@@ -17360,103 +18793,116 @@
         <p:spPr>
           <a:xfrm>
             <a:off x="457200" y="1600200"/>
-            <a:ext cx="8229600" cy="4648200"/>
+            <a:ext cx="8229600" cy="4343400"/>
           </a:xfrm>
         </p:spPr>
         <p:txBody>
           <a:bodyPr>
-            <a:normAutofit fontScale="62500" lnSpcReduction="20000"/>
+            <a:normAutofit/>
           </a:bodyPr>
           <a:lstStyle/>
           <a:p>
             <a:r>
-              <a:rPr lang="en-GB" dirty="0" smtClean="0"/>
-              <a:t>Create 3 segments in the Pool:</a:t>
-            </a:r>
-          </a:p>
-          <a:p>
-            <a:pPr lvl="1"/>
-            <a:r>
-              <a:rPr lang="en-GB" dirty="0" smtClean="0"/>
-              <a:t>seg_rd0 with 2 regions initialized from file </a:t>
-            </a:r>
-          </a:p>
-          <a:p>
-            <a:pPr lvl="1"/>
-            <a:r>
-              <a:rPr lang="en-GB" dirty="0" smtClean="0"/>
-              <a:t>seg_rd1 with 2 regions initialized from file</a:t>
-            </a:r>
-          </a:p>
-          <a:p>
-            <a:pPr lvl="1"/>
-            <a:r>
-              <a:rPr lang="en-GB" dirty="0" smtClean="0"/>
-              <a:t>Uninitialized seg_wr0</a:t>
-            </a:r>
-          </a:p>
-          <a:p>
-            <a:r>
-              <a:rPr lang="en-GB" dirty="0" smtClean="0"/>
-              <a:t>4 configuration slots are configured: </a:t>
-            </a:r>
-          </a:p>
-          <a:p>
-            <a:pPr marL="971550" lvl="1" indent="-514350">
-              <a:buAutoNum type="arabicPeriod"/>
+              <a:rPr lang="en-US" dirty="0" smtClean="0"/>
+              <a:t>Clean </a:t>
+            </a:r>
+          </a:p>
+          <a:p>
+            <a:pPr>
+              <a:buNone/>
             </a:pPr>
             <a:r>
-              <a:rPr lang="en-GB" dirty="0" smtClean="0"/>
-              <a:t>2 Data Vectors are read from the Pool with the input stream interfaces sti_1 and sti_2 and written into memory blocks dm_1 and dm_2 respectively</a:t>
-            </a:r>
-          </a:p>
-          <a:p>
-            <a:pPr marL="971550" lvl="1" indent="-514350">
-              <a:buFont typeface="Arial" pitchFamily="34" charset="0"/>
-              <a:buAutoNum type="arabicPeriod"/>
+              <a:rPr lang="en-US" sz="2400" dirty="0" smtClean="0">
+                <a:latin typeface="Consolas" pitchFamily="49" charset="0"/>
+                <a:cs typeface="Consolas" pitchFamily="49" charset="0"/>
+              </a:rPr>
+              <a:t>make EXAMPLE=basic/adder clean </a:t>
+            </a:r>
+          </a:p>
+          <a:p>
+            <a:r>
+              <a:rPr lang="en-US" dirty="0" smtClean="0"/>
+              <a:t>Build </a:t>
+            </a:r>
+          </a:p>
+          <a:p>
+            <a:pPr>
+              <a:buNone/>
             </a:pPr>
             <a:r>
-              <a:rPr lang="en-GB" dirty="0" smtClean="0"/>
-              <a:t>Data Vectors are read from dm_1 and dm_2 and processed with add_sub1 and add_sub2 blocks. See the </a:t>
-            </a:r>
-            <a:r>
-              <a:rPr lang="en-GB" b="1" dirty="0" smtClean="0"/>
-              <a:t>adder</a:t>
-            </a:r>
-            <a:r>
-              <a:rPr lang="en-GB" dirty="0" smtClean="0"/>
-              <a:t> test for more details. The resulting vector from the output of the add_sub2 is written into the memory block dm_3.</a:t>
-            </a:r>
-          </a:p>
-          <a:p>
-            <a:pPr marL="971550" lvl="1" indent="-514350">
-              <a:buFont typeface="Arial" pitchFamily="34" charset="0"/>
-              <a:buAutoNum type="arabicPeriod"/>
+              <a:rPr lang="en-US" sz="2400" dirty="0" smtClean="0">
+                <a:latin typeface="Consolas" pitchFamily="49" charset="0"/>
+                <a:cs typeface="Consolas" pitchFamily="49" charset="0"/>
+              </a:rPr>
+              <a:t>make EXAMPLE=basic/adder all </a:t>
+            </a:r>
+          </a:p>
+          <a:p>
+            <a:r>
+              <a:rPr lang="en-US" dirty="0" smtClean="0"/>
+              <a:t>Run</a:t>
+            </a:r>
+          </a:p>
+          <a:p>
+            <a:pPr>
+              <a:buNone/>
             </a:pPr>
             <a:r>
-              <a:rPr lang="en-GB" dirty="0" smtClean="0"/>
-              <a:t>The resulting vector is read from dm_3 and written into the pool segment seg_wr0 with the output stream interface sto_1. Simultaneously 2 Data Vectors are read from the Pool with the input stream interfaces sti_1 and sti_2 and written into memory blocks dm_1 and dm_2 respectively</a:t>
-            </a:r>
-          </a:p>
-          <a:p>
-            <a:pPr marL="971550" lvl="1" indent="-514350">
-              <a:buAutoNum type="arabicPeriod"/>
+              <a:rPr lang="en-US" sz="2400" dirty="0" smtClean="0">
+                <a:latin typeface="Consolas" pitchFamily="49" charset="0"/>
+                <a:cs typeface="Consolas" pitchFamily="49" charset="0"/>
+              </a:rPr>
+              <a:t>./build/Release/out/</a:t>
+            </a:r>
+            <a:r>
+              <a:rPr lang="en-US" sz="2400" dirty="0" err="1" smtClean="0">
+                <a:latin typeface="Consolas" pitchFamily="49" charset="0"/>
+                <a:cs typeface="Consolas" pitchFamily="49" charset="0"/>
+              </a:rPr>
+              <a:t>simsimd</a:t>
+            </a:r>
+            <a:r>
+              <a:rPr lang="en-US" sz="2400" dirty="0" smtClean="0">
+                <a:latin typeface="Consolas" pitchFamily="49" charset="0"/>
+                <a:cs typeface="Consolas" pitchFamily="49" charset="0"/>
+              </a:rPr>
+              <a:t> </a:t>
+            </a:r>
+          </a:p>
+          <a:p>
+            <a:r>
+              <a:rPr lang="en-US" dirty="0" smtClean="0"/>
+              <a:t>Inspect the result: </a:t>
+            </a:r>
+          </a:p>
+          <a:p>
+            <a:pPr>
+              <a:buNone/>
             </a:pPr>
             <a:r>
-              <a:rPr lang="en-GB" dirty="0" smtClean="0"/>
-              <a:t>The resulting vector is read from dm_3 and written into the pool segment seg_wr0 with the output stream interface sto_1.</a:t>
-            </a:r>
-          </a:p>
-          <a:p>
-            <a:pPr marL="571500" indent="-514350"/>
-            <a:r>
-              <a:rPr lang="en-GB" dirty="0" smtClean="0"/>
-              <a:t>Slot execution sequence: 1-2-3-2-3-2-3-..-2-4</a:t>
-            </a:r>
-            <a:endParaRPr lang="en-GB" dirty="0" smtClean="0">
-              <a:solidFill>
-                <a:srgbClr val="FF0000"/>
-              </a:solidFill>
+              <a:rPr lang="en-US" sz="2400" dirty="0" smtClean="0">
+                <a:latin typeface="Consolas" pitchFamily="49" charset="0"/>
+                <a:cs typeface="Consolas" pitchFamily="49" charset="0"/>
+              </a:rPr>
+              <a:t>In </a:t>
+            </a:r>
+            <a:r>
+              <a:rPr lang="en-US" sz="2400" dirty="0" err="1" smtClean="0">
+                <a:latin typeface="Consolas" pitchFamily="49" charset="0"/>
+                <a:cs typeface="Consolas" pitchFamily="49" charset="0"/>
+              </a:rPr>
+              <a:t>gtkwave</a:t>
+            </a:r>
+            <a:r>
+              <a:rPr lang="en-US" sz="2400" dirty="0" smtClean="0">
+                <a:latin typeface="Consolas" pitchFamily="49" charset="0"/>
+                <a:cs typeface="Consolas" pitchFamily="49" charset="0"/>
+              </a:rPr>
+              <a:t> File-&gt;Open New Window-&gt;trace.vcd</a:t>
+            </a:r>
+            <a:endParaRPr lang="en-GB" sz="2400" dirty="0" smtClean="0">
+              <a:latin typeface="Consolas" pitchFamily="49" charset="0"/>
+              <a:cs typeface="Consolas" pitchFamily="49" charset="0"/>
             </a:endParaRPr>
           </a:p>
         </p:txBody>
@@ -17502,8 +18948,8 @@
           <a:lstStyle/>
           <a:p>
             <a:r>
-              <a:rPr lang="en-GB" dirty="0" err="1" smtClean="0"/>
-              <a:t>adder_cache</a:t>
+              <a:rPr lang="en-GB" dirty="0" smtClean="0"/>
+              <a:t>adder</a:t>
             </a:r>
             <a:endParaRPr lang="en-US" dirty="0"/>
           </a:p>
@@ -17522,43 +18968,49 @@
         <p:spPr>
           <a:xfrm>
             <a:off x="457200" y="1600200"/>
-            <a:ext cx="8229600" cy="4648200"/>
+            <a:ext cx="8229600" cy="2438400"/>
           </a:xfrm>
         </p:spPr>
         <p:txBody>
           <a:bodyPr>
-            <a:normAutofit/>
+            <a:normAutofit fontScale="85000" lnSpcReduction="20000"/>
           </a:bodyPr>
           <a:lstStyle/>
           <a:p>
-            <a:endParaRPr lang="en-GB" dirty="0" smtClean="0"/>
-          </a:p>
-          <a:p>
-            <a:r>
-              <a:rPr lang="en-GB" dirty="0" smtClean="0"/>
-              <a:t>Slot 2</a:t>
-            </a:r>
-          </a:p>
-          <a:p>
-            <a:endParaRPr lang="en-GB" dirty="0" smtClean="0"/>
-          </a:p>
-          <a:p>
-            <a:endParaRPr lang="en-GB" dirty="0" smtClean="0"/>
-          </a:p>
-          <a:p>
-            <a:endParaRPr lang="en-GB" dirty="0" smtClean="0"/>
-          </a:p>
-          <a:p>
-            <a:r>
-              <a:rPr lang="en-GB" dirty="0" smtClean="0"/>
-              <a:t>Slot 3</a:t>
+            <a:r>
+              <a:rPr lang="en-GB" dirty="0" smtClean="0"/>
+              <a:t>Scalar core configures vector core components to execute configuration slots 1..2 in a succession:</a:t>
+            </a:r>
+          </a:p>
+          <a:p>
+            <a:pPr lvl="1">
+              <a:buNone/>
+            </a:pPr>
+            <a:r>
+              <a:rPr lang="en-GB" dirty="0" smtClean="0"/>
+              <a:t>1. SUB( ADD( st_gen1, st_gen2 ), st_gen3) -&gt; st_ana1</a:t>
+            </a:r>
+          </a:p>
+          <a:p>
+            <a:pPr lvl="1">
+              <a:buNone/>
+            </a:pPr>
+            <a:r>
+              <a:rPr lang="en-GB" dirty="0" smtClean="0"/>
+              <a:t>2. SUB( ADD( st_gen2, st_gen1 ), st_gen3) -&gt; st_ana1</a:t>
+            </a:r>
+          </a:p>
+          <a:p>
+            <a:r>
+              <a:rPr lang="en-GB" dirty="0" smtClean="0"/>
+              <a:t>Scalar core initiates vector transfers which correspond to slot1. </a:t>
             </a:r>
           </a:p>
         </p:txBody>
       </p:sp>
       <p:pic>
         <p:nvPicPr>
-          <p:cNvPr id="36866" name="Picture 2"/>
+          <p:cNvPr id="41987" name="Picture 3"/>
           <p:cNvPicPr>
             <a:picLocks noChangeAspect="1" noChangeArrowheads="1"/>
           </p:cNvPicPr>
@@ -17573,41 +19025,8 @@
         </p:blipFill>
         <p:spPr bwMode="auto">
           <a:xfrm>
-            <a:off x="2362200" y="1524000"/>
-            <a:ext cx="5600700" cy="2362200"/>
-          </a:xfrm>
-          <a:prstGeom prst="rect">
-            <a:avLst/>
-          </a:prstGeom>
-          <a:noFill/>
-          <a:ln w="9525">
-            <a:noFill/>
-            <a:miter lim="800000"/>
-            <a:headEnd/>
-            <a:tailEnd/>
-          </a:ln>
-          <a:effectLst/>
-        </p:spPr>
-      </p:pic>
-      <p:pic>
-        <p:nvPicPr>
-          <p:cNvPr id="36867" name="Picture 3"/>
-          <p:cNvPicPr>
-            <a:picLocks noChangeAspect="1" noChangeArrowheads="1"/>
-          </p:cNvPicPr>
-          <p:nvPr/>
-        </p:nvPicPr>
-        <p:blipFill>
-          <a:blip r:embed="rId3"/>
-          <a:srcRect/>
-          <a:stretch>
-            <a:fillRect/>
-          </a:stretch>
-        </p:blipFill>
-        <p:spPr bwMode="auto">
-          <a:xfrm>
-            <a:off x="2362200" y="4114800"/>
-            <a:ext cx="5600700" cy="2362200"/>
+            <a:off x="2852738" y="3971925"/>
+            <a:ext cx="3438525" cy="1819275"/>
           </a:xfrm>
           <a:prstGeom prst="rect">
             <a:avLst/>

--- a/doc/simsimd.pptx
+++ b/doc/simsimd.pptx
@@ -408,7 +408,7 @@
             <a:fld id="{3A2F3D4C-B1B2-4ED9-A806-D2C265E29E3F}" type="datetimeFigureOut">
               <a:rPr lang="en-US" smtClean="0"/>
               <a:pPr/>
-              <a:t>26/01/2020</a:t>
+              <a:t>13/02/2020</a:t>
             </a:fld>
             <a:endParaRPr lang="en-US"/>
           </a:p>
@@ -575,7 +575,7 @@
             <a:fld id="{3A2F3D4C-B1B2-4ED9-A806-D2C265E29E3F}" type="datetimeFigureOut">
               <a:rPr lang="en-US" smtClean="0"/>
               <a:pPr/>
-              <a:t>26/01/2020</a:t>
+              <a:t>13/02/2020</a:t>
             </a:fld>
             <a:endParaRPr lang="en-US"/>
           </a:p>
@@ -752,7 +752,7 @@
             <a:fld id="{3A2F3D4C-B1B2-4ED9-A806-D2C265E29E3F}" type="datetimeFigureOut">
               <a:rPr lang="en-US" smtClean="0"/>
               <a:pPr/>
-              <a:t>26/01/2020</a:t>
+              <a:t>13/02/2020</a:t>
             </a:fld>
             <a:endParaRPr lang="en-US"/>
           </a:p>
@@ -919,7 +919,7 @@
             <a:fld id="{3A2F3D4C-B1B2-4ED9-A806-D2C265E29E3F}" type="datetimeFigureOut">
               <a:rPr lang="en-US" smtClean="0"/>
               <a:pPr/>
-              <a:t>26/01/2020</a:t>
+              <a:t>13/02/2020</a:t>
             </a:fld>
             <a:endParaRPr lang="en-US"/>
           </a:p>
@@ -1162,7 +1162,7 @@
             <a:fld id="{3A2F3D4C-B1B2-4ED9-A806-D2C265E29E3F}" type="datetimeFigureOut">
               <a:rPr lang="en-US" smtClean="0"/>
               <a:pPr/>
-              <a:t>26/01/2020</a:t>
+              <a:t>13/02/2020</a:t>
             </a:fld>
             <a:endParaRPr lang="en-US"/>
           </a:p>
@@ -1447,7 +1447,7 @@
             <a:fld id="{3A2F3D4C-B1B2-4ED9-A806-D2C265E29E3F}" type="datetimeFigureOut">
               <a:rPr lang="en-US" smtClean="0"/>
               <a:pPr/>
-              <a:t>26/01/2020</a:t>
+              <a:t>13/02/2020</a:t>
             </a:fld>
             <a:endParaRPr lang="en-US"/>
           </a:p>
@@ -1866,7 +1866,7 @@
             <a:fld id="{3A2F3D4C-B1B2-4ED9-A806-D2C265E29E3F}" type="datetimeFigureOut">
               <a:rPr lang="en-US" smtClean="0"/>
               <a:pPr/>
-              <a:t>26/01/2020</a:t>
+              <a:t>13/02/2020</a:t>
             </a:fld>
             <a:endParaRPr lang="en-US"/>
           </a:p>
@@ -1981,7 +1981,7 @@
             <a:fld id="{3A2F3D4C-B1B2-4ED9-A806-D2C265E29E3F}" type="datetimeFigureOut">
               <a:rPr lang="en-US" smtClean="0"/>
               <a:pPr/>
-              <a:t>26/01/2020</a:t>
+              <a:t>13/02/2020</a:t>
             </a:fld>
             <a:endParaRPr lang="en-US"/>
           </a:p>
@@ -2073,7 +2073,7 @@
             <a:fld id="{3A2F3D4C-B1B2-4ED9-A806-D2C265E29E3F}" type="datetimeFigureOut">
               <a:rPr lang="en-US" smtClean="0"/>
               <a:pPr/>
-              <a:t>26/01/2020</a:t>
+              <a:t>13/02/2020</a:t>
             </a:fld>
             <a:endParaRPr lang="en-US"/>
           </a:p>
@@ -2347,7 +2347,7 @@
             <a:fld id="{3A2F3D4C-B1B2-4ED9-A806-D2C265E29E3F}" type="datetimeFigureOut">
               <a:rPr lang="en-US" smtClean="0"/>
               <a:pPr/>
-              <a:t>26/01/2020</a:t>
+              <a:t>13/02/2020</a:t>
             </a:fld>
             <a:endParaRPr lang="en-US"/>
           </a:p>
@@ -2597,7 +2597,7 @@
             <a:fld id="{3A2F3D4C-B1B2-4ED9-A806-D2C265E29E3F}" type="datetimeFigureOut">
               <a:rPr lang="en-US" smtClean="0"/>
               <a:pPr/>
-              <a:t>26/01/2020</a:t>
+              <a:t>13/02/2020</a:t>
             </a:fld>
             <a:endParaRPr lang="en-US"/>
           </a:p>
@@ -2807,7 +2807,7 @@
             <a:fld id="{3A2F3D4C-B1B2-4ED9-A806-D2C265E29E3F}" type="datetimeFigureOut">
               <a:rPr lang="en-US" smtClean="0"/>
               <a:pPr/>
-              <a:t>26/01/2020</a:t>
+              <a:t>13/02/2020</a:t>
             </a:fld>
             <a:endParaRPr lang="en-US"/>
           </a:p>
@@ -5967,7 +5967,7 @@
         <p:spPr/>
         <p:txBody>
           <a:bodyPr>
-            <a:normAutofit lnSpcReduction="10000"/>
+            <a:normAutofit fontScale="77500" lnSpcReduction="20000"/>
           </a:bodyPr>
           <a:lstStyle/>
           <a:p>
@@ -6039,25 +6039,28 @@
             </a:pPr>
             <a:r>
               <a:rPr lang="fr-FR" dirty="0" smtClean="0"/>
-              <a:t>IEEE Communications Magazine 47 (9), 134-140</a:t>
-            </a:r>
-            <a:endParaRPr lang="en-US" dirty="0" smtClean="0"/>
+              <a:t>IEEE Communications Magazine 47 (9), </a:t>
+            </a:r>
+            <a:r>
+              <a:rPr lang="fr-FR" dirty="0" smtClean="0"/>
+              <a:t>134-140</a:t>
+            </a:r>
           </a:p>
           <a:p>
             <a:pPr>
               <a:buNone/>
             </a:pPr>
             <a:r>
-              <a:rPr lang="en-GB" dirty="0" smtClean="0"/>
+              <a:rPr lang="fr-FR" dirty="0" smtClean="0"/>
               <a:t>[2] </a:t>
             </a:r>
             <a:r>
-              <a:rPr lang="en-US" dirty="0" err="1" smtClean="0"/>
-              <a:t>Microarchitecture</a:t>
-            </a:r>
-            <a:r>
-              <a:rPr lang="en-US" dirty="0" smtClean="0"/>
-              <a:t> of Network-on-Chip</a:t>
+              <a:rPr lang="en-US" dirty="0" smtClean="0"/>
+              <a:t>Embedded DSP Processor Design: </a:t>
+            </a:r>
+            <a:r>
+              <a:rPr lang="en-US" dirty="0" smtClean="0"/>
+              <a:t>Application</a:t>
             </a:r>
           </a:p>
           <a:p>
@@ -6066,7 +6069,15 @@
             </a:pPr>
             <a:r>
               <a:rPr lang="en-US" dirty="0" smtClean="0"/>
-              <a:t>Routers, A Designer’s Perspective</a:t>
+              <a:t>Specific </a:t>
+            </a:r>
+            <a:r>
+              <a:rPr lang="en-US" dirty="0" smtClean="0"/>
+              <a:t>Instruction Set </a:t>
+            </a:r>
+            <a:r>
+              <a:rPr lang="en-US" dirty="0" smtClean="0"/>
+              <a:t>Processors, </a:t>
             </a:r>
           </a:p>
           <a:p>
@@ -6075,28 +6086,25 @@
             </a:pPr>
             <a:r>
               <a:rPr lang="en-US" dirty="0" err="1" smtClean="0"/>
-              <a:t>Dimitrakopoulos</a:t>
-            </a:r>
-            <a:r>
-              <a:rPr lang="en-US" dirty="0" smtClean="0"/>
-              <a:t> G.; </a:t>
-            </a:r>
-            <a:r>
-              <a:rPr lang="en-US" dirty="0" err="1" smtClean="0"/>
-              <a:t>Psarras</a:t>
-            </a:r>
-            <a:r>
-              <a:rPr lang="en-US" dirty="0" smtClean="0"/>
-              <a:t> A.; </a:t>
-            </a:r>
-            <a:r>
-              <a:rPr lang="en-US" dirty="0" err="1" smtClean="0"/>
-              <a:t>Seitanidis</a:t>
-            </a:r>
-            <a:r>
-              <a:rPr lang="en-US" dirty="0" smtClean="0"/>
-              <a:t> I. </a:t>
-            </a:r>
+              <a:t>D.Liu</a:t>
+            </a:r>
+            <a:r>
+              <a:rPr lang="en-US" dirty="0" smtClean="0"/>
+              <a:t> </a:t>
+            </a:r>
+            <a:r>
+              <a:rPr lang="en-US" dirty="0" smtClean="0"/>
+              <a:t>2008, 808p</a:t>
+            </a:r>
+            <a:r>
+              <a:rPr lang="en-US" dirty="0" smtClean="0"/>
+              <a:t>., Morgan </a:t>
+            </a:r>
+            <a:r>
+              <a:rPr lang="en-US" dirty="0" smtClean="0"/>
+              <a:t>Kaufmann</a:t>
+            </a:r>
+            <a:endParaRPr lang="en-US" dirty="0" smtClean="0"/>
           </a:p>
           <a:p>
             <a:pPr>
@@ -6104,8 +6112,73 @@
             </a:pPr>
             <a:r>
               <a:rPr lang="en-GB" dirty="0" smtClean="0"/>
-              <a:t>2015, 175p., Springer</a:t>
-            </a:r>
+              <a:t>[3] </a:t>
+            </a:r>
+            <a:r>
+              <a:rPr lang="en-US" dirty="0" err="1" smtClean="0"/>
+              <a:t>Microarchitecture</a:t>
+            </a:r>
+            <a:r>
+              <a:rPr lang="en-US" dirty="0" smtClean="0"/>
+              <a:t> of Network-on-Chip</a:t>
+            </a:r>
+          </a:p>
+          <a:p>
+            <a:pPr>
+              <a:buNone/>
+            </a:pPr>
+            <a:r>
+              <a:rPr lang="en-US" dirty="0" smtClean="0"/>
+              <a:t>Routers, A Designer’s Perspective</a:t>
+            </a:r>
+          </a:p>
+          <a:p>
+            <a:pPr>
+              <a:buNone/>
+            </a:pPr>
+            <a:r>
+              <a:rPr lang="en-US" dirty="0" err="1" smtClean="0"/>
+              <a:t>Dimitrakopoulos</a:t>
+            </a:r>
+            <a:r>
+              <a:rPr lang="en-US" dirty="0" smtClean="0"/>
+              <a:t> G.; </a:t>
+            </a:r>
+            <a:r>
+              <a:rPr lang="en-US" dirty="0" err="1" smtClean="0"/>
+              <a:t>Psarras</a:t>
+            </a:r>
+            <a:r>
+              <a:rPr lang="en-US" dirty="0" smtClean="0"/>
+              <a:t> A.; </a:t>
+            </a:r>
+            <a:r>
+              <a:rPr lang="en-US" dirty="0" err="1" smtClean="0"/>
+              <a:t>Seitanidis</a:t>
+            </a:r>
+            <a:r>
+              <a:rPr lang="en-US" dirty="0" smtClean="0"/>
+              <a:t> I. </a:t>
+            </a:r>
+          </a:p>
+          <a:p>
+            <a:pPr>
+              <a:buNone/>
+            </a:pPr>
+            <a:r>
+              <a:rPr lang="en-GB" dirty="0" smtClean="0"/>
+              <a:t>2015, 175p., </a:t>
+            </a:r>
+            <a:r>
+              <a:rPr lang="en-GB" dirty="0" smtClean="0"/>
+              <a:t>Springer</a:t>
+            </a:r>
+          </a:p>
+          <a:p>
+            <a:pPr>
+              <a:buNone/>
+            </a:pPr>
+            <a:endParaRPr lang="en-GB" dirty="0" smtClean="0"/>
           </a:p>
         </p:txBody>
       </p:sp>
@@ -6179,7 +6252,11 @@
             </a:pPr>
             <a:r>
               <a:rPr lang="en-GB" dirty="0" smtClean="0"/>
-              <a:t>[3] AMBA 4 AXI4-Stream Protocol Specification, </a:t>
+              <a:t>[4] </a:t>
+            </a:r>
+            <a:r>
+              <a:rPr lang="en-GB" dirty="0" smtClean="0"/>
+              <a:t>AMBA 4 AXI4-Stream Protocol Specification, </a:t>
             </a:r>
           </a:p>
           <a:p>
@@ -6197,7 +6274,11 @@
             </a:pPr>
             <a:r>
               <a:rPr lang="en-GB" dirty="0" smtClean="0"/>
-              <a:t>[4] SHARC Processor Programming Reference, </a:t>
+              <a:t>[5] </a:t>
+            </a:r>
+            <a:r>
+              <a:rPr lang="en-GB" dirty="0" smtClean="0"/>
+              <a:t>SHARC Processor Programming Reference, </a:t>
             </a:r>
           </a:p>
           <a:p>
@@ -6216,7 +6297,6 @@
               <a:rPr lang="en-GB" dirty="0" smtClean="0"/>
               <a:t> </a:t>
             </a:r>
-            <a:endParaRPr lang="en-GB" dirty="0" smtClean="0"/>
           </a:p>
           <a:p>
             <a:pPr>
@@ -6224,13 +6304,12 @@
             </a:pPr>
             <a:r>
               <a:rPr lang="en-US" dirty="0" smtClean="0"/>
-              <a:t>[5] </a:t>
+              <a:t>[6] </a:t>
             </a:r>
             <a:r>
               <a:rPr lang="en-US" dirty="0" smtClean="0"/>
               <a:t>IEEE Std 1666-2011, IEEE Standard for </a:t>
             </a:r>
-            <a:endParaRPr lang="en-US" dirty="0" smtClean="0"/>
           </a:p>
           <a:p>
             <a:pPr>
@@ -7385,8 +7464,13 @@
           <a:p>
             <a:r>
               <a:rPr lang="en-GB" dirty="0" smtClean="0"/>
-              <a:t>Parallel operation of the computational blocks [4]</a:t>
-            </a:r>
+              <a:t>Parallel operation of the computational blocks </a:t>
+            </a:r>
+            <a:r>
+              <a:rPr lang="en-GB" dirty="0" smtClean="0"/>
+              <a:t>[5]</a:t>
+            </a:r>
+            <a:endParaRPr lang="en-GB" dirty="0" smtClean="0"/>
           </a:p>
           <a:p>
             <a:pPr lvl="1">
@@ -8298,7 +8382,41 @@
                 <a:ea typeface="+mn-ea"/>
                 <a:cs typeface="+mn-cs"/>
               </a:rPr>
-              <a:t>*Refer to [2],[3] for more details</a:t>
+              <a:t>*Refer to </a:t>
+            </a:r>
+            <a:r>
+              <a:rPr kumimoji="0" lang="en-GB" sz="3200" b="0" i="0" u="none" strike="noStrike" kern="1200" cap="none" spc="0" normalizeH="0" baseline="0" noProof="0" dirty="0" smtClean="0">
+                <a:ln>
+                  <a:noFill/>
+                </a:ln>
+                <a:solidFill>
+                  <a:schemeClr val="tx1"/>
+                </a:solidFill>
+                <a:effectLst/>
+                <a:uLnTx/>
+                <a:uFillTx/>
+                <a:latin typeface="+mn-lt"/>
+                <a:ea typeface="+mn-ea"/>
+                <a:cs typeface="+mn-cs"/>
+              </a:rPr>
+              <a:t>[3],[4] </a:t>
+            </a:r>
+            <a:r>
+              <a:rPr kumimoji="0" lang="en-GB" sz="3200" b="0" i="0" u="none" strike="noStrike" kern="1200" cap="none" spc="0" normalizeH="0" baseline="0" noProof="0" dirty="0" smtClean="0">
+                <a:ln>
+                  <a:noFill/>
+                </a:ln>
+                <a:solidFill>
+                  <a:schemeClr val="tx1"/>
+                </a:solidFill>
+                <a:effectLst/>
+                <a:uLnTx/>
+                <a:uFillTx/>
+                <a:latin typeface="+mn-lt"/>
+                <a:ea typeface="+mn-ea"/>
+                <a:cs typeface="+mn-cs"/>
+              </a:rPr>
+              <a:t>for more details</a:t>
             </a:r>
           </a:p>
           <a:p>
@@ -9100,7 +9218,15 @@
           <a:p>
             <a:r>
               <a:rPr lang="en-GB" dirty="0" smtClean="0"/>
-              <a:t>Breaking combinatorial path of the READY signal is described in [2] Sections 2.1.2, 2.1.3</a:t>
+              <a:t>Breaking combinatorial path of the READY signal is described in </a:t>
+            </a:r>
+            <a:r>
+              <a:rPr lang="en-GB" dirty="0" smtClean="0"/>
+              <a:t>[3] </a:t>
+            </a:r>
+            <a:r>
+              <a:rPr lang="en-GB" dirty="0" smtClean="0"/>
+              <a:t>Sections 2.1.2, 2.1.3</a:t>
             </a:r>
           </a:p>
           <a:p>
@@ -9584,7 +9710,15 @@
           <a:p>
             <a:r>
               <a:rPr lang="en-GB" dirty="0" smtClean="0"/>
-              <a:t>Full-bandwidth elastic buffers described in [2] Section 2.1.2 can be used from both input and output sides.</a:t>
+              <a:t>Full-bandwidth elastic buffers described in </a:t>
+            </a:r>
+            <a:r>
+              <a:rPr lang="en-GB" dirty="0" smtClean="0"/>
+              <a:t>[3] </a:t>
+            </a:r>
+            <a:r>
+              <a:rPr lang="en-GB" dirty="0" smtClean="0"/>
+              <a:t>Section 2.1.2 can be used from both input and output sides.</a:t>
             </a:r>
           </a:p>
           <a:p>
@@ -11479,24 +11613,15 @@
             <a:pPr lvl="1"/>
             <a:r>
               <a:rPr lang="en-US" dirty="0" smtClean="0"/>
-              <a:t>Signal processing: OFDM </a:t>
-            </a:r>
-            <a:r>
-              <a:rPr lang="en-US" dirty="0" smtClean="0"/>
-              <a:t>symbols, code blocks</a:t>
+              <a:t>Signal processing: OFDM symbols, code blocks</a:t>
             </a:r>
           </a:p>
           <a:p>
             <a:pPr lvl="1"/>
             <a:r>
               <a:rPr lang="en-US" dirty="0" smtClean="0"/>
-              <a:t>Image and Video processing</a:t>
-            </a:r>
-            <a:r>
-              <a:rPr lang="en-US" dirty="0" smtClean="0"/>
-              <a:t> </a:t>
-            </a:r>
-            <a:endParaRPr lang="en-US" dirty="0" smtClean="0"/>
+              <a:t>Image and Video processing </a:t>
+            </a:r>
           </a:p>
           <a:p>
             <a:pPr lvl="1"/>
@@ -13991,13 +14116,8 @@
             <a:pPr marL="514350" indent="-514350"/>
             <a:r>
               <a:rPr lang="en-GB" dirty="0" smtClean="0"/>
-              <a:t>Preferences are supplied to the simulator via </a:t>
-            </a:r>
-            <a:r>
-              <a:rPr lang="en-GB" dirty="0" smtClean="0"/>
-              <a:t>boost property tree or JSON string</a:t>
-            </a:r>
-            <a:endParaRPr lang="en-GB" dirty="0" smtClean="0"/>
+              <a:t>Preferences are supplied to the simulator via boost property tree or JSON string</a:t>
+            </a:r>
           </a:p>
         </p:txBody>
       </p:sp>
@@ -14167,11 +14287,7 @@
           <a:p>
             <a:r>
               <a:rPr lang="en-GB" dirty="0" smtClean="0"/>
-              <a:t>Top-level </a:t>
-            </a:r>
-            <a:r>
-              <a:rPr lang="en-GB" dirty="0" smtClean="0"/>
-              <a:t>Sections</a:t>
+              <a:t>Top-level Sections</a:t>
             </a:r>
             <a:endParaRPr lang="en-US" dirty="0"/>
           </a:p>
@@ -14228,7 +14344,6 @@
               <a:rPr lang="en-GB" dirty="0" smtClean="0"/>
               <a:t>core preferences [TBD]</a:t>
             </a:r>
-            <a:endParaRPr lang="en-GB" dirty="0" smtClean="0"/>
           </a:p>
           <a:p>
             <a:pPr marL="514350" indent="-514350"/>
@@ -14241,21 +14356,8 @@
             </a:r>
             <a:r>
               <a:rPr lang="en-GB" dirty="0" smtClean="0"/>
-              <a:t>array of </a:t>
-            </a:r>
-            <a:r>
-              <a:rPr lang="en-GB" dirty="0" smtClean="0"/>
-              <a:t>the specifications of the Common </a:t>
-            </a:r>
-            <a:r>
-              <a:rPr lang="en-GB" dirty="0" smtClean="0"/>
-              <a:t>Data and Memory </a:t>
-            </a:r>
-            <a:r>
-              <a:rPr lang="en-GB" dirty="0" smtClean="0"/>
-              <a:t>Pool segments.</a:t>
-            </a:r>
-            <a:endParaRPr lang="en-GB" dirty="0" smtClean="0"/>
+              <a:t>array of the specifications of the Common Data and Memory Pool segments.</a:t>
+            </a:r>
           </a:p>
           <a:p>
             <a:pPr marL="514350" indent="-514350"/>
@@ -14270,7 +14372,6 @@
               <a:rPr lang="en-GB" dirty="0" smtClean="0"/>
               <a:t>clock frequency specification</a:t>
             </a:r>
-            <a:endParaRPr lang="en-GB" dirty="0" smtClean="0"/>
           </a:p>
           <a:p>
             <a:pPr marL="514350" indent="-514350"/>
@@ -14279,18 +14380,25 @@
                 <a:latin typeface="Consolas" pitchFamily="49" charset="0"/>
                 <a:cs typeface="Consolas" pitchFamily="49" charset="0"/>
               </a:rPr>
-              <a:t>“time</a:t>
-            </a:r>
+              <a:t>“time”: </a:t>
+            </a:r>
+            <a:r>
+              <a:rPr lang="en-GB" dirty="0" smtClean="0"/>
+              <a:t>specification of the simulation time and resolution</a:t>
+            </a:r>
+          </a:p>
+          <a:p>
+            <a:pPr marL="514350" indent="-514350"/>
             <a:r>
               <a:rPr lang="en-GB" dirty="0" smtClean="0">
                 <a:latin typeface="Consolas" pitchFamily="49" charset="0"/>
                 <a:cs typeface="Consolas" pitchFamily="49" charset="0"/>
               </a:rPr>
-              <a:t>”: </a:t>
-            </a:r>
-            <a:r>
-              <a:rPr lang="en-GB" dirty="0" smtClean="0"/>
-              <a:t>specification of the simulation time and resolution</a:t>
+              <a:t>“trace”: </a:t>
+            </a:r>
+            <a:r>
+              <a:rPr lang="en-GB" dirty="0" smtClean="0"/>
+              <a:t>specification of the VCD trace and waveform translation</a:t>
             </a:r>
           </a:p>
           <a:p>
@@ -14300,60 +14408,21 @@
                 <a:latin typeface="Consolas" pitchFamily="49" charset="0"/>
                 <a:cs typeface="Consolas" pitchFamily="49" charset="0"/>
               </a:rPr>
-              <a:t>“trace</a:t>
-            </a:r>
+              <a:t>“dump”: </a:t>
+            </a:r>
+            <a:r>
+              <a:rPr lang="en-GB" dirty="0" smtClean="0"/>
+              <a:t>an array of data dump specifications for the different points of the simulated system</a:t>
+            </a:r>
+          </a:p>
+          <a:p>
+            <a:pPr marL="514350" indent="-514350"/>
             <a:r>
               <a:rPr lang="en-GB" dirty="0" smtClean="0">
                 <a:latin typeface="Consolas" pitchFamily="49" charset="0"/>
                 <a:cs typeface="Consolas" pitchFamily="49" charset="0"/>
               </a:rPr>
-              <a:t>”: </a:t>
-            </a:r>
-            <a:r>
-              <a:rPr lang="en-GB" dirty="0" smtClean="0"/>
-              <a:t>specification of the VCD trace and waveform translation</a:t>
-            </a:r>
-          </a:p>
-          <a:p>
-            <a:pPr marL="514350" indent="-514350"/>
-            <a:r>
-              <a:rPr lang="en-GB" dirty="0" smtClean="0">
-                <a:latin typeface="Consolas" pitchFamily="49" charset="0"/>
-                <a:cs typeface="Consolas" pitchFamily="49" charset="0"/>
-              </a:rPr>
-              <a:t>“dump</a:t>
-            </a:r>
-            <a:r>
-              <a:rPr lang="en-GB" dirty="0" smtClean="0">
-                <a:latin typeface="Consolas" pitchFamily="49" charset="0"/>
-                <a:cs typeface="Consolas" pitchFamily="49" charset="0"/>
-              </a:rPr>
-              <a:t>”: </a:t>
-            </a:r>
-            <a:r>
-              <a:rPr lang="en-GB" dirty="0" smtClean="0"/>
-              <a:t>an array of </a:t>
-            </a:r>
-            <a:r>
-              <a:rPr lang="en-GB" dirty="0" smtClean="0"/>
-              <a:t>data dump specifications for the different points of the simulated system</a:t>
-            </a:r>
-          </a:p>
-          <a:p>
-            <a:pPr marL="514350" indent="-514350"/>
-            <a:r>
-              <a:rPr lang="en-GB" dirty="0" smtClean="0">
-                <a:latin typeface="Consolas" pitchFamily="49" charset="0"/>
-                <a:cs typeface="Consolas" pitchFamily="49" charset="0"/>
-              </a:rPr>
-              <a:t>“report</a:t>
-            </a:r>
-            <a:r>
-              <a:rPr lang="en-GB" dirty="0" smtClean="0">
-                <a:latin typeface="Consolas" pitchFamily="49" charset="0"/>
-                <a:cs typeface="Consolas" pitchFamily="49" charset="0"/>
-              </a:rPr>
-              <a:t>”: </a:t>
+              <a:t>“report”: </a:t>
             </a:r>
             <a:r>
               <a:rPr lang="en-GB" dirty="0" smtClean="0"/>
@@ -14452,6 +14521,35 @@
           <a:lstStyle/>
           <a:p>
             <a:pPr marL="514350" indent="-514350"/>
+            <a:r>
+              <a:rPr lang="en-GB" dirty="0" smtClean="0"/>
+              <a:t>“name”:</a:t>
+            </a:r>
+          </a:p>
+          <a:p>
+            <a:pPr marL="514350" indent="-514350"/>
+            <a:r>
+              <a:rPr lang="en-GB" dirty="0" smtClean="0"/>
+              <a:t>“function”:</a:t>
+            </a:r>
+          </a:p>
+          <a:p>
+            <a:pPr marL="514350" indent="-514350"/>
+            <a:r>
+              <a:rPr lang="en-GB" dirty="0" smtClean="0"/>
+              <a:t>“</a:t>
+            </a:r>
+            <a:r>
+              <a:rPr lang="en-GB" dirty="0" err="1" smtClean="0"/>
+              <a:t>param</a:t>
+            </a:r>
+            <a:r>
+              <a:rPr lang="en-GB" dirty="0" smtClean="0"/>
+              <a:t>”:</a:t>
+            </a:r>
+          </a:p>
+          <a:p>
+            <a:pPr marL="514350" indent="-514350"/>
             <a:endParaRPr lang="en-GB" dirty="0" smtClean="0"/>
           </a:p>
         </p:txBody>
@@ -14575,10 +14673,9 @@
               <a:t>var</a:t>
             </a:r>
             <a:r>
-              <a:rPr lang="en-GB" smtClean="0"/>
+              <a:rPr lang="en-GB" dirty="0" smtClean="0"/>
               <a:t>”:</a:t>
             </a:r>
-            <a:endParaRPr lang="en-GB" dirty="0" smtClean="0"/>
           </a:p>
         </p:txBody>
       </p:sp>
@@ -14668,7 +14765,6 @@
               <a:rPr lang="en-GB" dirty="0" smtClean="0"/>
               <a:t>specifies clock frequency of the processor</a:t>
             </a:r>
-            <a:endParaRPr lang="en-GB" dirty="0" smtClean="0"/>
           </a:p>
         </p:txBody>
       </p:sp>
@@ -14756,7 +14852,11 @@
             </a:r>
             <a:r>
               <a:rPr lang="en-GB" dirty="0" smtClean="0"/>
-              <a:t>specifies simulation time resolution. See [3] </a:t>
+              <a:t>specifies simulation time resolution. See </a:t>
+            </a:r>
+            <a:r>
+              <a:rPr lang="en-GB" dirty="0" smtClean="0"/>
+              <a:t>[6] </a:t>
             </a:r>
             <a:r>
               <a:rPr lang="en-GB" dirty="0" smtClean="0"/>
@@ -14782,11 +14882,11 @@
             </a:r>
             <a:r>
               <a:rPr lang="en-GB" dirty="0" smtClean="0"/>
-              <a:t>specifies simulation </a:t>
-            </a:r>
-            <a:r>
-              <a:rPr lang="en-GB" dirty="0" smtClean="0"/>
-              <a:t>time. See [3] </a:t>
+              <a:t>specifies simulation time. See </a:t>
+            </a:r>
+            <a:r>
+              <a:rPr lang="en-GB" dirty="0" smtClean="0"/>
+              <a:t>[6] </a:t>
             </a:r>
             <a:r>
               <a:rPr lang="en-GB" dirty="0" smtClean="0"/>
@@ -14884,17 +14984,8 @@
             </a:r>
             <a:r>
               <a:rPr lang="en-GB" dirty="0" smtClean="0"/>
-              <a:t>Specification of </a:t>
-            </a:r>
-            <a:r>
-              <a:rPr lang="en-GB" dirty="0" smtClean="0"/>
-              <a:t>the name </a:t>
-            </a:r>
-            <a:r>
-              <a:rPr lang="en-GB" dirty="0" smtClean="0"/>
-              <a:t>for VCD file. File extension is added.</a:t>
-            </a:r>
-            <a:endParaRPr lang="en-GB" dirty="0" smtClean="0"/>
+              <a:t>Specification of the name for VCD file. File extension is added.</a:t>
+            </a:r>
           </a:p>
         </p:txBody>
       </p:sp>
@@ -15056,15 +15147,7 @@
             </a:r>
             <a:r>
               <a:rPr lang="en-US" dirty="0" smtClean="0"/>
-              <a:t>end </a:t>
-            </a:r>
-            <a:r>
-              <a:rPr lang="en-US" dirty="0" smtClean="0"/>
-              <a:t>time of the dump</a:t>
-            </a:r>
-            <a:r>
-              <a:rPr lang="en-US" dirty="0" smtClean="0"/>
-              <a:t>. </a:t>
+              <a:t>end time of the dump. </a:t>
             </a:r>
             <a:r>
               <a:rPr lang="en-US" dirty="0" smtClean="0">
@@ -15077,7 +15160,6 @@
               <a:rPr lang="en-US" dirty="0" smtClean="0"/>
               <a:t>corresponds to the end of simulation time.</a:t>
             </a:r>
-            <a:endParaRPr lang="en-US" dirty="0" smtClean="0"/>
           </a:p>
           <a:p>
             <a:pPr marL="514350" indent="-514350"/>
@@ -15132,23 +15214,7 @@
             </a:r>
             <a:r>
               <a:rPr lang="en-US" dirty="0" smtClean="0"/>
-              <a:t>max size </a:t>
-            </a:r>
-            <a:r>
-              <a:rPr lang="en-US" dirty="0" smtClean="0"/>
-              <a:t>of the dump </a:t>
-            </a:r>
-            <a:r>
-              <a:rPr lang="en-US" dirty="0" smtClean="0"/>
-              <a:t>vector. If the size </a:t>
-            </a:r>
-            <a:r>
-              <a:rPr lang="en-US" dirty="0" smtClean="0"/>
-              <a:t>of the dump vector</a:t>
-            </a:r>
-            <a:r>
-              <a:rPr lang="en-US" dirty="0" smtClean="0"/>
-              <a:t> exceeds </a:t>
+              <a:t>max size of the dump vector. If the size of the dump vector exceeds </a:t>
             </a:r>
             <a:r>
               <a:rPr lang="en-US" dirty="0" err="1" smtClean="0"/>
@@ -15166,21 +15232,7 @@
                 <a:latin typeface="Consolas" pitchFamily="49" charset="0"/>
                 <a:cs typeface="Consolas" pitchFamily="49" charset="0"/>
               </a:rPr>
-              <a:t>"</a:t>
-            </a:r>
-            <a:r>
-              <a:rPr lang="en-US" dirty="0" smtClean="0">
-                <a:latin typeface="Consolas" pitchFamily="49" charset="0"/>
-                <a:cs typeface="Consolas" pitchFamily="49" charset="0"/>
-              </a:rPr>
-              <a:t>file</a:t>
-            </a:r>
-            <a:r>
-              <a:rPr lang="en-US" dirty="0" smtClean="0">
-                <a:latin typeface="Consolas" pitchFamily="49" charset="0"/>
-                <a:cs typeface="Consolas" pitchFamily="49" charset="0"/>
-              </a:rPr>
-              <a:t>": </a:t>
+              <a:t>"file": </a:t>
             </a:r>
             <a:r>
               <a:rPr lang="en-US" dirty="0" smtClean="0"/>
@@ -15310,23 +15362,7 @@
             </a:r>
             <a:r>
               <a:rPr lang="en-GB" dirty="0" smtClean="0"/>
-              <a:t>handler </a:t>
-            </a:r>
-            <a:r>
-              <a:rPr lang="en-GB" dirty="0" smtClean="0"/>
-              <a:t>and </a:t>
-            </a:r>
-            <a:r>
-              <a:rPr lang="en-GB" dirty="0" smtClean="0"/>
-              <a:t>formatter for </a:t>
-            </a:r>
-            <a:r>
-              <a:rPr lang="en-GB" dirty="0" smtClean="0"/>
-              <a:t>report </a:t>
-            </a:r>
-            <a:r>
-              <a:rPr lang="en-GB" dirty="0" smtClean="0"/>
-              <a:t>messages. </a:t>
+              <a:t>handler and formatter for report messages. </a:t>
             </a:r>
             <a:r>
               <a:rPr lang="en-GB" dirty="0" smtClean="0">
@@ -15337,11 +15373,7 @@
             </a:r>
             <a:r>
               <a:rPr lang="en-GB" dirty="0" smtClean="0"/>
-              <a:t>– don’t change handler </a:t>
-            </a:r>
-            <a:r>
-              <a:rPr lang="en-GB" dirty="0" smtClean="0"/>
-              <a:t>(integration); </a:t>
+              <a:t>– don’t change handler (integration); </a:t>
             </a:r>
             <a:r>
               <a:rPr lang="en-GB" dirty="0" smtClean="0">
@@ -15399,7 +15431,11 @@
             </a:r>
             <a:r>
               <a:rPr lang="en-GB" dirty="0" smtClean="0"/>
-              <a:t>array of bearings for different message types and severity levels. Please refer to section 8.3 in [5]</a:t>
+              <a:t>array of bearings for different message types and severity levels. Please refer to section 8.3 in </a:t>
+            </a:r>
+            <a:r>
+              <a:rPr lang="en-GB" dirty="0" smtClean="0"/>
+              <a:t>[6]</a:t>
             </a:r>
             <a:endParaRPr lang="en-GB" dirty="0" smtClean="0"/>
           </a:p>
